--- a/Assets/PPT Data/Photon PlayFab.pptx
+++ b/Assets/PPT Data/Photon PlayFab.pptx
@@ -2,34 +2,32 @@
 <file path=ppt/presentation.xml><?xml version="1.0" encoding="utf-8"?>
 <p:presentation xmlns:a="http://schemas.openxmlformats.org/drawingml/2006/main" xmlns:r="http://schemas.openxmlformats.org/officeDocument/2006/relationships" xmlns:p="http://schemas.openxmlformats.org/presentationml/2006/main" xmlns:p14="http://schemas.microsoft.com/office/powerpoint/2010/main" saveSubsetFonts="1" firstSlideNum="0">
   <p:sldMasterIdLst>
-    <p:sldMasterId id="2147487035" r:id="rId12"/>
+    <p:sldMasterId id="2147487046" r:id="rId12"/>
   </p:sldMasterIdLst>
   <p:notesMasterIdLst>
     <p:notesMasterId r:id="rId14"/>
   </p:notesMasterIdLst>
   <p:sldIdLst>
     <p:sldId id="317" r:id="rId16"/>
-    <p:sldId id="316" r:id="rId17"/>
-    <p:sldId id="318" r:id="rId18"/>
-    <p:sldId id="314" r:id="rId19"/>
-    <p:sldId id="332" r:id="rId20"/>
-    <p:sldId id="319" r:id="rId21"/>
-    <p:sldId id="320" r:id="rId23"/>
-    <p:sldId id="321" r:id="rId25"/>
-    <p:sldId id="322" r:id="rId27"/>
-    <p:sldId id="338" r:id="rId29"/>
-    <p:sldId id="330" r:id="rId30"/>
-    <p:sldId id="339" r:id="rId32"/>
-    <p:sldId id="323" r:id="rId34"/>
-    <p:sldId id="324" r:id="rId36"/>
-    <p:sldId id="340" r:id="rId38"/>
-    <p:sldId id="325" r:id="rId39"/>
-    <p:sldId id="334" r:id="rId40"/>
-    <p:sldId id="326" r:id="rId42"/>
-    <p:sldId id="335" r:id="rId44"/>
-    <p:sldId id="336" r:id="rId46"/>
-    <p:sldId id="337" r:id="rId48"/>
-    <p:sldId id="341" r:id="rId50"/>
+    <p:sldId id="316" r:id="rId18"/>
+    <p:sldId id="318" r:id="rId20"/>
+    <p:sldId id="314" r:id="rId22"/>
+    <p:sldId id="332" r:id="rId24"/>
+    <p:sldId id="319" r:id="rId26"/>
+    <p:sldId id="320" r:id="rId28"/>
+    <p:sldId id="321" r:id="rId30"/>
+    <p:sldId id="322" r:id="rId32"/>
+    <p:sldId id="338" r:id="rId34"/>
+    <p:sldId id="330" r:id="rId36"/>
+    <p:sldId id="339" r:id="rId38"/>
+    <p:sldId id="323" r:id="rId40"/>
+    <p:sldId id="324" r:id="rId42"/>
+    <p:sldId id="340" r:id="rId43"/>
+    <p:sldId id="334" r:id="rId44"/>
+    <p:sldId id="326" r:id="rId45"/>
+    <p:sldId id="335" r:id="rId46"/>
+    <p:sldId id="337" r:id="rId47"/>
+    <p:sldId id="341" r:id="rId48"/>
   </p:sldIdLst>
   <p:sldSz cx="12192000" cy="6858000"/>
   <p:notesSz cx="6858000" cy="9144000"/>
@@ -1512,7 +1510,7 @@
         <p:spPr>
           <a:xfrm rot="0">
             <a:off x="685800" y="1143000"/>
-            <a:ext cx="5494020" cy="3093720"/>
+            <a:ext cx="5495290" cy="3094990"/>
           </a:xfrm>
           <a:prstGeom prst="rect"/>
           <a:noFill/>
@@ -1551,7 +1549,7 @@
         <p:spPr>
           <a:xfrm rot="0">
             <a:off x="685800" y="4400550"/>
-            <a:ext cx="5494020" cy="3608070"/>
+            <a:ext cx="5495290" cy="3609340"/>
           </a:xfrm>
           <a:prstGeom prst="rect"/>
         </p:spPr>
@@ -1581,7 +1579,7 @@
         <p:spPr>
           <a:xfrm rot="0">
             <a:off x="3884930" y="8685530"/>
-            <a:ext cx="2979420" cy="466090"/>
+            <a:ext cx="2980690" cy="467360"/>
           </a:xfrm>
           <a:prstGeom prst="rect"/>
         </p:spPr>
@@ -1654,7 +1652,7 @@
         <p:spPr>
           <a:xfrm rot="0">
             <a:off x="685800" y="1143000"/>
-            <a:ext cx="5495290" cy="3094990"/>
+            <a:ext cx="5494020" cy="3093720"/>
           </a:xfrm>
           <a:prstGeom prst="rect"/>
           <a:noFill/>
@@ -1693,7 +1691,7 @@
         <p:spPr>
           <a:xfrm rot="0">
             <a:off x="685800" y="4400550"/>
-            <a:ext cx="5495290" cy="3609340"/>
+            <a:ext cx="5494020" cy="3608070"/>
           </a:xfrm>
           <a:prstGeom prst="rect"/>
         </p:spPr>
@@ -1723,7 +1721,7 @@
         <p:spPr>
           <a:xfrm rot="0">
             <a:off x="3884930" y="8685530"/>
-            <a:ext cx="2980690" cy="467360"/>
+            <a:ext cx="2979420" cy="466090"/>
           </a:xfrm>
           <a:prstGeom prst="rect"/>
         </p:spPr>
@@ -1796,7 +1794,7 @@
         <p:spPr>
           <a:xfrm rot="0">
             <a:off x="685800" y="1143000"/>
-            <a:ext cx="5494020" cy="3093720"/>
+            <a:ext cx="5494655" cy="3094355"/>
           </a:xfrm>
           <a:prstGeom prst="rect"/>
           <a:noFill/>
@@ -1835,7 +1833,7 @@
         <p:spPr>
           <a:xfrm rot="0">
             <a:off x="685800" y="4400550"/>
-            <a:ext cx="5494020" cy="3608070"/>
+            <a:ext cx="5494655" cy="3608705"/>
           </a:xfrm>
           <a:prstGeom prst="rect"/>
         </p:spPr>
@@ -1865,7 +1863,7 @@
         <p:spPr>
           <a:xfrm rot="0">
             <a:off x="3884930" y="8685530"/>
-            <a:ext cx="2979420" cy="466090"/>
+            <a:ext cx="2980055" cy="466725"/>
           </a:xfrm>
           <a:prstGeom prst="rect"/>
         </p:spPr>
@@ -2193,290 +2191,6 @@
 </file>
 
 <file path=ppt/notesSlides/notesSlide20.xml><?xml version="1.0" encoding="utf-8"?>
-<p:notes xmlns:a="http://schemas.openxmlformats.org/drawingml/2006/main" xmlns:r="http://schemas.openxmlformats.org/officeDocument/2006/relationships" xmlns:p="http://schemas.openxmlformats.org/presentationml/2006/main">
-  <p:cSld>
-    <p:spTree>
-      <p:nvGrpSpPr>
-        <p:cNvPr id="1" name=""/>
-        <p:cNvGrpSpPr/>
-        <p:nvPr/>
-      </p:nvGrpSpPr>
-      <p:grpSpPr>
-        <a:xfrm>
-          <a:off x="0" y="0"/>
-          <a:ext cx="0" cy="0"/>
-          <a:chOff x="0" y="0"/>
-          <a:chExt cx="0" cy="0"/>
-        </a:xfrm>
-      </p:grpSpPr>
-      <p:sp>
-        <p:nvSpPr>
-          <p:cNvPr id="2" name="슬라이드 이미지 개체 틀 3"/>
-          <p:cNvSpPr>
-            <a:spLocks noChangeAspect="1"/>
-          </p:cNvSpPr>
-          <p:nvPr>
-            <p:ph type="sldImg" idx="2"/>
-          </p:nvPr>
-        </p:nvSpPr>
-        <p:spPr>
-          <a:xfrm rot="0">
-            <a:off x="685800" y="1143000"/>
-            <a:ext cx="5494655" cy="3094355"/>
-          </a:xfrm>
-          <a:prstGeom prst="rect"/>
-          <a:noFill/>
-          <a:ln w="12700" cap="flat" cmpd="sng">
-            <a:solidFill>
-              <a:srgbClr val="000000">
-                <a:alpha val="100000"/>
-              </a:srgbClr>
-            </a:solidFill>
-            <a:prstDash val="solid"/>
-          </a:ln>
-        </p:spPr>
-        <p:txBody>
-          <a:bodyPr wrap="square" lIns="91440" tIns="45720" rIns="91440" bIns="45720" numCol="1" vert="horz" anchor="ctr">
-            <a:noAutofit/>
-          </a:bodyPr>
-          <a:lstStyle/>
-          <a:p>
-            <a:pPr marL="0" indent="0" latinLnBrk="0">
-              <a:buFontTx/>
-              <a:buNone/>
-            </a:pPr>
-          </a:p>
-        </p:txBody>
-      </p:sp>
-      <p:sp>
-        <p:nvSpPr>
-          <p:cNvPr id="3" name="슬라이드 노트 개체 틀 4"/>
-          <p:cNvSpPr txBox="1">
-            <a:spLocks/>
-          </p:cNvSpPr>
-          <p:nvPr>
-            <p:ph type="body" idx="3"/>
-          </p:nvPr>
-        </p:nvSpPr>
-        <p:spPr>
-          <a:xfrm rot="0">
-            <a:off x="685800" y="4400550"/>
-            <a:ext cx="5494655" cy="3608705"/>
-          </a:xfrm>
-          <a:prstGeom prst="rect"/>
-        </p:spPr>
-        <p:txBody>
-          <a:bodyPr wrap="square" lIns="91440" tIns="45720" rIns="91440" bIns="45720" numCol="1" vert="horz" anchor="t">
-            <a:noAutofit/>
-          </a:bodyPr>
-          <a:lstStyle/>
-          <a:p>
-            <a:pPr marL="0" indent="0" latinLnBrk="0">
-              <a:buFontTx/>
-              <a:buNone/>
-            </a:pPr>
-          </a:p>
-        </p:txBody>
-      </p:sp>
-      <p:sp>
-        <p:nvSpPr>
-          <p:cNvPr id="4" name="슬라이드 번호 개체 틀 6"/>
-          <p:cNvSpPr txBox="1">
-            <a:spLocks/>
-          </p:cNvSpPr>
-          <p:nvPr>
-            <p:ph type="sldNum" idx="5"/>
-          </p:nvPr>
-        </p:nvSpPr>
-        <p:spPr>
-          <a:xfrm rot="0">
-            <a:off x="3884930" y="8685530"/>
-            <a:ext cx="2980055" cy="466725"/>
-          </a:xfrm>
-          <a:prstGeom prst="rect"/>
-        </p:spPr>
-        <p:txBody>
-          <a:bodyPr wrap="square" lIns="91440" tIns="45720" rIns="91440" bIns="45720" numCol="1" vert="horz" anchor="b">
-            <a:noAutofit/>
-          </a:bodyPr>
-          <a:lstStyle>
-            <a:lvl1pPr marL="0" indent="0" algn="r" latinLnBrk="0">
-              <a:buFontTx/>
-              <a:buNone/>
-              <a:defRPr lang="en-GB" altLang="en-US" sz="1200"/>
-            </a:lvl1pPr>
-          </a:lstStyle>
-          <a:p>
-            <a:pPr marL="0" indent="0" latinLnBrk="0">
-              <a:buFontTx/>
-              <a:buNone/>
-            </a:pPr>
-            <a:fld id="{B9320F77-B9A0-41C5-862A-B4B631284C64}" type="slidenum">
-              <a:rPr lang="ko-KR" altLang="en-US"/>
-              <a:t>‹#›</a:t>
-            </a:fld>
-          </a:p>
-        </p:txBody>
-      </p:sp>
-    </p:spTree>
-  </p:cSld>
-  <p:clrMapOvr>
-    <a:masterClrMapping/>
-  </p:clrMapOvr>
-  <mc:AlternateContent xmlns:mc="http://schemas.openxmlformats.org/markup-compatibility/2006">
-    <mc:Choice xmlns:p14="http://schemas.microsoft.com/office/powerpoint/2010/main" Requires="p14">
-      <p:transition spd="slow" p14:dur="0"/>
-    </mc:Choice>
-    <mc:Fallback>
-      <p:transition spd="slow"/>
-    </mc:Fallback>
-  </mc:AlternateContent>
-</p:notes>
-</file>
-
-<file path=ppt/notesSlides/notesSlide21.xml><?xml version="1.0" encoding="utf-8"?>
-<p:notes xmlns:a="http://schemas.openxmlformats.org/drawingml/2006/main" xmlns:r="http://schemas.openxmlformats.org/officeDocument/2006/relationships" xmlns:p="http://schemas.openxmlformats.org/presentationml/2006/main">
-  <p:cSld>
-    <p:spTree>
-      <p:nvGrpSpPr>
-        <p:cNvPr id="1" name=""/>
-        <p:cNvGrpSpPr/>
-        <p:nvPr/>
-      </p:nvGrpSpPr>
-      <p:grpSpPr>
-        <a:xfrm>
-          <a:off x="0" y="0"/>
-          <a:ext cx="0" cy="0"/>
-          <a:chOff x="0" y="0"/>
-          <a:chExt cx="0" cy="0"/>
-        </a:xfrm>
-      </p:grpSpPr>
-      <p:sp>
-        <p:nvSpPr>
-          <p:cNvPr id="2" name="슬라이드 이미지 개체 틀 3"/>
-          <p:cNvSpPr>
-            <a:spLocks noChangeAspect="1"/>
-          </p:cNvSpPr>
-          <p:nvPr>
-            <p:ph type="sldImg" idx="2"/>
-          </p:nvPr>
-        </p:nvSpPr>
-        <p:spPr>
-          <a:xfrm rot="0">
-            <a:off x="685800" y="1143000"/>
-            <a:ext cx="5494655" cy="3094355"/>
-          </a:xfrm>
-          <a:prstGeom prst="rect"/>
-          <a:noFill/>
-          <a:ln w="12700" cap="flat" cmpd="sng">
-            <a:solidFill>
-              <a:srgbClr val="000000">
-                <a:alpha val="100000"/>
-              </a:srgbClr>
-            </a:solidFill>
-            <a:prstDash val="solid"/>
-          </a:ln>
-        </p:spPr>
-        <p:txBody>
-          <a:bodyPr wrap="square" lIns="91440" tIns="45720" rIns="91440" bIns="45720" numCol="1" vert="horz" anchor="ctr">
-            <a:noAutofit/>
-          </a:bodyPr>
-          <a:lstStyle/>
-          <a:p>
-            <a:pPr marL="0" indent="0" latinLnBrk="0">
-              <a:buFontTx/>
-              <a:buNone/>
-            </a:pPr>
-          </a:p>
-        </p:txBody>
-      </p:sp>
-      <p:sp>
-        <p:nvSpPr>
-          <p:cNvPr id="3" name="슬라이드 노트 개체 틀 4"/>
-          <p:cNvSpPr txBox="1">
-            <a:spLocks/>
-          </p:cNvSpPr>
-          <p:nvPr>
-            <p:ph type="body" idx="3"/>
-          </p:nvPr>
-        </p:nvSpPr>
-        <p:spPr>
-          <a:xfrm rot="0">
-            <a:off x="685800" y="4400550"/>
-            <a:ext cx="5494655" cy="3608705"/>
-          </a:xfrm>
-          <a:prstGeom prst="rect"/>
-        </p:spPr>
-        <p:txBody>
-          <a:bodyPr wrap="square" lIns="91440" tIns="45720" rIns="91440" bIns="45720" numCol="1" vert="horz" anchor="t">
-            <a:noAutofit/>
-          </a:bodyPr>
-          <a:lstStyle/>
-          <a:p>
-            <a:pPr marL="0" indent="0" latinLnBrk="0">
-              <a:buFontTx/>
-              <a:buNone/>
-            </a:pPr>
-          </a:p>
-        </p:txBody>
-      </p:sp>
-      <p:sp>
-        <p:nvSpPr>
-          <p:cNvPr id="4" name="슬라이드 번호 개체 틀 6"/>
-          <p:cNvSpPr txBox="1">
-            <a:spLocks/>
-          </p:cNvSpPr>
-          <p:nvPr>
-            <p:ph type="sldNum" idx="5"/>
-          </p:nvPr>
-        </p:nvSpPr>
-        <p:spPr>
-          <a:xfrm rot="0">
-            <a:off x="3884930" y="8685530"/>
-            <a:ext cx="2980055" cy="466725"/>
-          </a:xfrm>
-          <a:prstGeom prst="rect"/>
-        </p:spPr>
-        <p:txBody>
-          <a:bodyPr wrap="square" lIns="91440" tIns="45720" rIns="91440" bIns="45720" numCol="1" vert="horz" anchor="b">
-            <a:noAutofit/>
-          </a:bodyPr>
-          <a:lstStyle>
-            <a:lvl1pPr marL="0" indent="0" algn="r" latinLnBrk="0">
-              <a:buFontTx/>
-              <a:buNone/>
-              <a:defRPr lang="en-GB" altLang="en-US" sz="1200"/>
-            </a:lvl1pPr>
-          </a:lstStyle>
-          <a:p>
-            <a:pPr marL="0" indent="0" latinLnBrk="0">
-              <a:buFontTx/>
-              <a:buNone/>
-            </a:pPr>
-            <a:fld id="{B9320F77-B9A0-41C5-862A-B4B631284C64}" type="slidenum">
-              <a:rPr lang="ko-KR" altLang="en-US"/>
-              <a:t>‹#›</a:t>
-            </a:fld>
-          </a:p>
-        </p:txBody>
-      </p:sp>
-    </p:spTree>
-  </p:cSld>
-  <p:clrMapOvr>
-    <a:masterClrMapping/>
-  </p:clrMapOvr>
-  <mc:AlternateContent xmlns:mc="http://schemas.openxmlformats.org/markup-compatibility/2006">
-    <mc:Choice xmlns:p14="http://schemas.microsoft.com/office/powerpoint/2010/main" Requires="p14">
-      <p:transition spd="slow" p14:dur="0"/>
-    </mc:Choice>
-    <mc:Fallback>
-      <p:transition spd="slow"/>
-    </mc:Fallback>
-  </mc:AlternateContent>
-</p:notes>
-</file>
-
-<file path=ppt/notesSlides/notesSlide22.xml><?xml version="1.0" encoding="utf-8"?>
 <p:notes xmlns:a="http://schemas.openxmlformats.org/drawingml/2006/main" xmlns:r="http://schemas.openxmlformats.org/officeDocument/2006/relationships" xmlns:p="http://schemas.openxmlformats.org/presentationml/2006/main">
   <p:cSld>
     <p:spTree>
@@ -11273,8 +10987,8 @@
         </p:nvSpPr>
         <p:spPr>
           <a:xfrm rot="0">
-            <a:off x="1229995" y="5391785"/>
-            <a:ext cx="4121785" cy="955040"/>
+            <a:off x="6828155" y="3013075"/>
+            <a:ext cx="4133215" cy="954405"/>
           </a:xfrm>
           <a:prstGeom prst="rect"/>
           <a:noFill/>
@@ -11301,7 +11015,27 @@
                 <a:latin typeface="맑은 고딕" charset="0"/>
                 <a:ea typeface="맑은 고딕" charset="0"/>
               </a:rPr>
-              <a:t>30.</a:t>
+              <a:t>3</a:t>
+            </a:r>
+            <a:r>
+              <a:rPr lang="ko-KR" sz="2000" b="1">
+                <a:solidFill>
+                  <a:srgbClr val="0611F2"/>
+                </a:solidFill>
+                <a:latin typeface="맑은 고딕" charset="0"/>
+                <a:ea typeface="맑은 고딕" charset="0"/>
+              </a:rPr>
+              <a:t>1</a:t>
+            </a:r>
+            <a:r>
+              <a:rPr lang="ko-KR" sz="2000" b="1">
+                <a:solidFill>
+                  <a:srgbClr val="0611F2"/>
+                </a:solidFill>
+                <a:latin typeface="맑은 고딕" charset="0"/>
+                <a:ea typeface="맑은 고딕" charset="0"/>
+              </a:rPr>
+              <a:t>.</a:t>
             </a:r>
             <a:r>
               <a:rPr lang="ko-KR" sz="2000">
@@ -11318,28 +11052,21 @@
                 <a:latin typeface="맑은 고딕" charset="0"/>
                 <a:ea typeface="맑은 고딕" charset="0"/>
               </a:rPr>
-              <a:t>그런 다음 Email 오브젝트의 </a:t>
-            </a:r>
-            <a:r>
-              <a:rPr lang="ko-KR" sz="1800">
-                <a:latin typeface="맑은 고딕" charset="0"/>
-                <a:ea typeface="맑은 고딕" charset="0"/>
-              </a:rPr>
-              <a:t>앵커를</a:t>
-            </a:r>
-            <a:r>
-              <a:rPr lang="ko-KR" sz="1800">
-                <a:latin typeface="맑은 고딕" charset="0"/>
-                <a:ea typeface="맑은 고딕" charset="0"/>
-              </a:rPr>
-              <a:t> 지정하고 위치와 크기를 </a:t>
-            </a:r>
-            <a:r>
-              <a:rPr lang="ko-KR" sz="1800">
-                <a:latin typeface="맑은 고딕" charset="0"/>
-                <a:ea typeface="맑은 고딕" charset="0"/>
-              </a:rPr>
-              <a:t>설정합니다.</a:t>
+              <a:t>그</a:t>
+            </a:r>
+            <a:r>
+              <a:rPr lang="ko-KR" sz="1800">
+                <a:latin typeface="맑은 고딕" charset="0"/>
+                <a:ea typeface="맑은 고딕" charset="0"/>
+              </a:rPr>
+              <a:t>다음으로</a:t>
+            </a:r>
+            <a:r>
+              <a:rPr lang="ko-KR" sz="1800">
+                <a:latin typeface="맑은 고딕" charset="0"/>
+                <a:ea typeface="맑은 고딕" charset="0"/>
+              </a:rPr>
+              <a:t> Email 오브젝트의 앵커를 지정하고 위치와 크기를 설정합니다.</a:t>
             </a:r>
             <a:endParaRPr lang="ko-KR" altLang="en-US" sz="1800">
               <a:latin typeface="맑은 고딕" charset="0"/>
@@ -11350,7 +11077,7 @@
       </p:sp>
       <p:pic>
         <p:nvPicPr>
-          <p:cNvPr id="62" name="그림 7" descr="C:/Users/Admin1/AppData/Roaming/PolarisOffice/ETemp/11152_12319248/fImage117912479169.png"/>
+          <p:cNvPr id="62" name="그림 7" descr="C:/Users/nwond/AppData/Roaming/PolarisOffice/ETemp/21888_20881416/fImage117912479169.png"/>
           <p:cNvPicPr>
             <a:picLocks noChangeAspect="1"/>
           </p:cNvPicPr>
@@ -11371,7 +11098,7 @@
         <p:spPr>
           <a:xfrm rot="0">
             <a:off x="1231900" y="1438275"/>
-            <a:ext cx="4119245" cy="1333500"/>
+            <a:ext cx="4136390" cy="1598930"/>
           </a:xfrm>
           <a:prstGeom prst="roundRect"/>
           <a:solidFill>
@@ -11389,8 +11116,8 @@
         </p:nvSpPr>
         <p:spPr>
           <a:xfrm rot="0">
-            <a:off x="1232535" y="2828290"/>
-            <a:ext cx="4117975" cy="955040"/>
+            <a:off x="1232535" y="3117850"/>
+            <a:ext cx="4118610" cy="955675"/>
           </a:xfrm>
           <a:prstGeom prst="rect"/>
           <a:noFill/>
@@ -11434,28 +11161,7 @@
                 <a:latin typeface="맑은 고딕" charset="0"/>
                 <a:ea typeface="맑은 고딕" charset="0"/>
               </a:rPr>
-              <a:t>그리고 Photon Setting </a:t>
-            </a:r>
-            <a:r>
-              <a:rPr lang="ko-KR" sz="1800">
-                <a:latin typeface="맑은 고딕" charset="0"/>
-                <a:ea typeface="맑은 고딕" charset="0"/>
-              </a:rPr>
-              <a:t>오브젝트의</a:t>
-            </a:r>
-            <a:r>
-              <a:rPr lang="ko-KR" sz="1800">
-                <a:latin typeface="맑은 고딕" charset="0"/>
-                <a:ea typeface="맑은 고딕" charset="0"/>
-              </a:rPr>
-              <a:t> 위치와 회전 값을 </a:t>
-            </a:r>
-            <a:r>
-              <a:rPr lang="ko-KR" sz="1800">
-                <a:latin typeface="맑은 고딕" charset="0"/>
-                <a:ea typeface="맑은 고딕" charset="0"/>
-              </a:rPr>
-              <a:t>초기화합니다.</a:t>
+              <a:t>그리고 Photon Setting 오브젝트의 위치와 회전 값을 초기화합니다.</a:t>
             </a:r>
             <a:endParaRPr lang="ko-KR" altLang="en-US" sz="1800">
               <a:latin typeface="맑은 고딕" charset="0"/>
@@ -11466,7 +11172,7 @@
       </p:sp>
       <p:pic>
         <p:nvPicPr>
-          <p:cNvPr id="64" name="그림 17" descr="C:/Users/Admin1/AppData/Roaming/PolarisOffice/ETemp/11152_12319248/fImage117543619169.png"/>
+          <p:cNvPr id="64" name="그림 17" descr="C:/Users/nwond/AppData/Roaming/PolarisOffice/ETemp/21888_20881416/fImage117543619169.png"/>
           <p:cNvPicPr>
             <a:picLocks noChangeAspect="1"/>
           </p:cNvPicPr>
@@ -11486,8 +11192,8 @@
         </p:blipFill>
         <p:spPr>
           <a:xfrm rot="0">
-            <a:off x="1228725" y="3897630"/>
-            <a:ext cx="4114165" cy="1453515"/>
+            <a:off x="6825615" y="1434465"/>
+            <a:ext cx="4133215" cy="1476375"/>
           </a:xfrm>
           <a:prstGeom prst="roundRect"/>
           <a:solidFill>
@@ -11505,8 +11211,8 @@
         </p:nvSpPr>
         <p:spPr>
           <a:xfrm rot="0">
-            <a:off x="6823075" y="4265930"/>
-            <a:ext cx="4126230" cy="2062480"/>
+            <a:off x="6828155" y="5352415"/>
+            <a:ext cx="4130675" cy="954405"/>
           </a:xfrm>
           <a:prstGeom prst="rect"/>
           <a:noFill/>
@@ -11533,7 +11239,17 @@
                 <a:latin typeface="맑은 고딕" charset="0"/>
                 <a:ea typeface="맑은 고딕" charset="0"/>
               </a:rPr>
-              <a:t>32.</a:t>
+              <a:t>32</a:t>
+            </a:r>
+            <a:r>
+              <a:rPr lang="ko-KR" sz="2000" b="1">
+                <a:solidFill>
+                  <a:srgbClr val="0611F2"/>
+                </a:solidFill>
+                <a:latin typeface="맑은 고딕" charset="0"/>
+                <a:ea typeface="맑은 고딕" charset="0"/>
+              </a:rPr>
+              <a:t>.</a:t>
             </a:r>
             <a:r>
               <a:rPr lang="ko-KR" sz="2000">
@@ -11550,108 +11266,46 @@
                 <a:latin typeface="맑은 고딕" charset="0"/>
                 <a:ea typeface="맑은 고딕" charset="0"/>
               </a:rPr>
-              <a:t>그다음 PhotonSetting </a:t>
-            </a:r>
-            <a:r>
-              <a:rPr lang="ko-KR" sz="1800">
-                <a:latin typeface="맑은 고딕" charset="0"/>
-                <a:ea typeface="맑은 고딕" charset="0"/>
-              </a:rPr>
-              <a:t>스크립트에서</a:t>
-            </a:r>
-            <a:r>
-              <a:rPr lang="ko-KR" sz="1800">
-                <a:latin typeface="맑은 고딕" charset="0"/>
-                <a:ea typeface="맑은 고딕" charset="0"/>
-              </a:rPr>
-              <a:t> </a:t>
-            </a:r>
-            <a:r>
-              <a:rPr lang="ko-KR" sz="1800">
-                <a:latin typeface="맑은 고딕" charset="0"/>
-                <a:ea typeface="맑은 고딕" charset="0"/>
-              </a:rPr>
-              <a:t>MonoBehaviourPunCallbacks</a:t>
-            </a:r>
-            <a:r>
-              <a:rPr lang="ko-KR" sz="1800">
-                <a:latin typeface="맑은 고딕" charset="0"/>
-                <a:ea typeface="맑은 고딕" charset="0"/>
-              </a:rPr>
-              <a:t> </a:t>
-            </a:r>
-            <a:r>
-              <a:rPr lang="ko-KR" sz="1800">
-                <a:latin typeface="맑은 고딕" charset="0"/>
-                <a:ea typeface="맑은 고딕" charset="0"/>
-              </a:rPr>
-              <a:t>클래스를</a:t>
-            </a:r>
-            <a:r>
-              <a:rPr lang="ko-KR" sz="1800">
-                <a:latin typeface="맑은 고딕" charset="0"/>
-                <a:ea typeface="맑은 고딕" charset="0"/>
-              </a:rPr>
-              <a:t> 상속받도록 설정합니다.</a:t>
+              <a:t>그</a:t>
+            </a:r>
+            <a:r>
+              <a:rPr lang="ko-KR" sz="1800">
+                <a:latin typeface="맑은 고딕" charset="0"/>
+                <a:ea typeface="맑은 고딕" charset="0"/>
+              </a:rPr>
+              <a:t>러고 </a:t>
+            </a:r>
+            <a:r>
+              <a:rPr lang="ko-KR" sz="1800">
+                <a:latin typeface="맑은 고딕" charset="0"/>
+                <a:ea typeface="맑은 고딕" charset="0"/>
+              </a:rPr>
+              <a:t>나서</a:t>
+            </a:r>
+            <a:r>
+              <a:rPr lang="ko-KR" sz="1800">
+                <a:latin typeface="맑은 고딕" charset="0"/>
+                <a:ea typeface="맑은 고딕" charset="0"/>
+              </a:rPr>
+              <a:t> PhotonSetting 스크립트에서 InputField 변수를 3개 선언합니다.</a:t>
             </a:r>
             <a:endParaRPr lang="ko-KR" altLang="en-US" sz="1800">
               <a:latin typeface="맑은 고딕" charset="0"/>
               <a:ea typeface="맑은 고딕" charset="0"/>
             </a:endParaRPr>
           </a:p>
-          <a:p>
-            <a:pPr marL="0" indent="0" rtl="0" algn="l" defTabSz="914400" eaLnBrk="1" latinLnBrk="0" hangingPunct="1">
-              <a:buFontTx/>
-              <a:buNone/>
-            </a:pPr>
-            <a:endParaRPr lang="ko-KR" altLang="en-US" sz="1800">
-              <a:latin typeface="맑은 고딕" charset="0"/>
-              <a:ea typeface="맑은 고딕" charset="0"/>
-            </a:endParaRPr>
-          </a:p>
-          <a:p>
-            <a:pPr marL="0" indent="0" rtl="0" algn="l" defTabSz="914400" eaLnBrk="1" latinLnBrk="0" hangingPunct="1">
-              <a:buFontTx/>
-              <a:buNone/>
-            </a:pPr>
-            <a:r>
-              <a:rPr lang="ko-KR" sz="1800">
-                <a:latin typeface="맑은 고딕" charset="0"/>
-                <a:ea typeface="맑은 고딕" charset="0"/>
-              </a:rPr>
-              <a:t>그러고</a:t>
-            </a:r>
-            <a:r>
-              <a:rPr lang="ko-KR" sz="1800">
-                <a:latin typeface="맑은 고딕" charset="0"/>
-                <a:ea typeface="맑은 고딕" charset="0"/>
-              </a:rPr>
-              <a:t> 나서 InputField 변수를 3개 </a:t>
-            </a:r>
-            <a:r>
-              <a:rPr lang="ko-KR" sz="1800">
-                <a:latin typeface="맑은 고딕" charset="0"/>
-                <a:ea typeface="맑은 고딕" charset="0"/>
-              </a:rPr>
-              <a:t>선언합니다.</a:t>
-            </a:r>
-            <a:endParaRPr lang="ko-KR" altLang="en-US" sz="1800">
-              <a:latin typeface="맑은 고딕" charset="0"/>
-              <a:ea typeface="맑은 고딕" charset="0"/>
-            </a:endParaRPr>
-          </a:p>
         </p:txBody>
       </p:sp>
       <p:pic>
         <p:nvPicPr>
-          <p:cNvPr id="67" name="그림 27"/>
+          <p:cNvPr id="67" name="그림 1" descr="C:/Users/nwond/AppData/Roaming/PolarisOffice/ETemp/21888_20881416/fImage8128030941.png"/>
           <p:cNvPicPr>
             <a:picLocks noChangeAspect="1"/>
           </p:cNvPicPr>
           <p:nvPr/>
         </p:nvPicPr>
         <p:blipFill rotWithShape="1">
-          <a:blip r:embed="rId14" cstate="print">
+          <a:blip r:embed="rId15" cstate="print">
             <a:extLst>
               <a:ext uri="{28A0092B-C50C-407E-A947-70E740481C1C}">
                 <a14:useLocalDpi xmlns:a14="http://schemas.microsoft.com/office/drawing/2010/main" val="0"/>
@@ -11664,8 +11318,8 @@
         </p:blipFill>
         <p:spPr>
           <a:xfrm rot="0">
-            <a:off x="6813550" y="1437640"/>
-            <a:ext cx="4144010" cy="2473325"/>
+            <a:off x="6827520" y="4086860"/>
+            <a:ext cx="4130675" cy="1190625"/>
           </a:xfrm>
           <a:prstGeom prst="roundRect"/>
           <a:solidFill>
@@ -11673,6 +11327,166 @@
           </a:solidFill>
         </p:spPr>
       </p:pic>
+      <p:pic>
+        <p:nvPicPr>
+          <p:cNvPr id="68" name="그림 21" descr="C:/Users/nwond/AppData/Roaming/PolarisOffice/ETemp/21888_20881416/fImage30173824604.png"/>
+          <p:cNvPicPr>
+            <a:picLocks noChangeAspect="1"/>
+          </p:cNvPicPr>
+          <p:nvPr/>
+        </p:nvPicPr>
+        <p:blipFill rotWithShape="1">
+          <a:blip r:embed="rId16" cstate="hqprint">
+            <a:extLst>
+              <a:ext uri="{28A0092B-C50C-407E-A947-70E740481C1C}">
+                <a14:useLocalDpi xmlns:a14="http://schemas.microsoft.com/office/drawing/2010/main"/>
+              </a:ext>
+            </a:extLst>
+          </a:blip>
+          <a:stretch>
+            <a:fillRect/>
+          </a:stretch>
+        </p:blipFill>
+        <p:spPr>
+          <a:xfrm rot="0">
+            <a:off x="2608580" y="4184015"/>
+            <a:ext cx="2771775" cy="1093470"/>
+          </a:xfrm>
+          <a:prstGeom prst="roundRect"/>
+          <a:solidFill>
+            <a:srgbClr val="EDEDED"/>
+          </a:solidFill>
+        </p:spPr>
+      </p:pic>
+      <p:pic>
+        <p:nvPicPr>
+          <p:cNvPr id="69" name="그림 22" descr="C:/Users/nwond/AppData/Roaming/PolarisOffice/ETemp/21888_20881416/fImage87134105436.png"/>
+          <p:cNvPicPr>
+            <a:picLocks noChangeAspect="1"/>
+          </p:cNvPicPr>
+          <p:nvPr/>
+        </p:nvPicPr>
+        <p:blipFill rotWithShape="1">
+          <a:blip r:embed="rId17" cstate="hqprint">
+            <a:extLst>
+              <a:ext uri="{28A0092B-C50C-407E-A947-70E740481C1C}">
+                <a14:useLocalDpi xmlns:a14="http://schemas.microsoft.com/office/drawing/2010/main"/>
+              </a:ext>
+            </a:extLst>
+          </a:blip>
+          <a:stretch>
+            <a:fillRect/>
+          </a:stretch>
+        </p:blipFill>
+        <p:spPr>
+          <a:xfrm rot="0">
+            <a:off x="1228725" y="4188460"/>
+            <a:ext cx="1247140" cy="1094740"/>
+          </a:xfrm>
+          <a:prstGeom prst="roundRect"/>
+          <a:solidFill>
+            <a:srgbClr val="EDEDED"/>
+          </a:solidFill>
+        </p:spPr>
+      </p:pic>
+      <p:sp>
+        <p:nvSpPr>
+          <p:cNvPr id="70" name="텍스트 상자 23"/>
+          <p:cNvSpPr txBox="1">
+            <a:spLocks/>
+          </p:cNvSpPr>
+          <p:nvPr/>
+        </p:nvSpPr>
+        <p:spPr>
+          <a:xfrm rot="0">
+            <a:off x="1231900" y="5362575"/>
+            <a:ext cx="4136390" cy="954405"/>
+          </a:xfrm>
+          <a:prstGeom prst="rect"/>
+          <a:noFill/>
+          <a:ln w="0">
+            <a:noFill/>
+            <a:prstDash/>
+          </a:ln>
+        </p:spPr>
+        <p:txBody>
+          <a:bodyPr wrap="square" lIns="89535" tIns="46355" rIns="89535" bIns="46355" numCol="1" vert="horz" anchor="t">
+            <a:spAutoFit/>
+          </a:bodyPr>
+          <a:lstStyle/>
+          <a:p>
+            <a:pPr marL="0" indent="0" rtl="0" algn="l" defTabSz="914400" eaLnBrk="1" latinLnBrk="0" hangingPunct="1">
+              <a:buFontTx/>
+              <a:buNone/>
+            </a:pPr>
+            <a:r>
+              <a:rPr lang="ko-KR" sz="2000" b="1">
+                <a:solidFill>
+                  <a:srgbClr val="0611F2"/>
+                </a:solidFill>
+                <a:latin typeface="맑은 고딕" charset="0"/>
+                <a:ea typeface="맑은 고딕" charset="0"/>
+              </a:rPr>
+              <a:t>3</a:t>
+            </a:r>
+            <a:r>
+              <a:rPr lang="ko-KR" sz="2000" b="1">
+                <a:solidFill>
+                  <a:srgbClr val="0611F2"/>
+                </a:solidFill>
+                <a:latin typeface="맑은 고딕" charset="0"/>
+                <a:ea typeface="맑은 고딕" charset="0"/>
+              </a:rPr>
+              <a:t>0</a:t>
+            </a:r>
+            <a:r>
+              <a:rPr lang="ko-KR" sz="2000" b="1">
+                <a:solidFill>
+                  <a:srgbClr val="0611F2"/>
+                </a:solidFill>
+                <a:latin typeface="맑은 고딕" charset="0"/>
+                <a:ea typeface="맑은 고딕" charset="0"/>
+              </a:rPr>
+              <a:t>.</a:t>
+            </a:r>
+            <a:r>
+              <a:rPr lang="ko-KR" sz="2000">
+                <a:solidFill>
+                  <a:srgbClr val="0611F2"/>
+                </a:solidFill>
+                <a:latin typeface="맑은 고딕" charset="0"/>
+                <a:ea typeface="맑은 고딕" charset="0"/>
+              </a:rPr>
+              <a:t> </a:t>
+            </a:r>
+            <a:r>
+              <a:rPr lang="ko-KR" sz="1800">
+                <a:latin typeface="맑은 고딕" charset="0"/>
+                <a:ea typeface="맑은 고딕" charset="0"/>
+              </a:rPr>
+              <a:t>그런 </a:t>
+            </a:r>
+            <a:r>
+              <a:rPr lang="ko-KR" sz="1800">
+                <a:latin typeface="맑은 고딕" charset="0"/>
+                <a:ea typeface="맑은 고딕" charset="0"/>
+              </a:rPr>
+              <a:t>다음</a:t>
+            </a:r>
+            <a:r>
+              <a:rPr lang="ko-KR" sz="1800">
+                <a:latin typeface="맑은 고딕" charset="0"/>
+                <a:ea typeface="맑은 고딕" charset="0"/>
+              </a:rPr>
+              <a:t> Sign Up Button 오브젝트의 OnClick( ) 함수를 추가합니다.</a:t>
+            </a:r>
+            <a:endParaRPr lang="ko-KR" altLang="en-US" sz="1800">
+              <a:latin typeface="맑은 고딕" charset="0"/>
+              <a:ea typeface="맑은 고딕" charset="0"/>
+            </a:endParaRPr>
+          </a:p>
+        </p:txBody>
+      </p:sp>
     </p:spTree>
   </p:cSld>
   <p:clrMapOvr>
@@ -12064,7 +11878,7 @@
       </p:pic>
       <p:sp>
         <p:nvSpPr>
-          <p:cNvPr id="67" name="텍스트 상자 33"/>
+          <p:cNvPr id="67" name="텍스트 상자 24"/>
           <p:cNvSpPr txBox="1">
             <a:spLocks/>
           </p:cNvSpPr>
@@ -12072,8 +11886,8 @@
         </p:nvSpPr>
         <p:spPr>
           <a:xfrm rot="0">
-            <a:off x="6822440" y="2517140"/>
-            <a:ext cx="4127500" cy="1231265"/>
+            <a:off x="6804025" y="4086860"/>
+            <a:ext cx="4154805" cy="2061845"/>
           </a:xfrm>
           <a:prstGeom prst="rect"/>
           <a:noFill/>
@@ -12100,7 +11914,7 @@
                 <a:latin typeface="맑은 고딕" charset="0"/>
                 <a:ea typeface="맑은 고딕" charset="0"/>
               </a:rPr>
-              <a:t>34.</a:t>
+              <a:t>37.</a:t>
             </a:r>
             <a:r>
               <a:rPr lang="ko-KR" sz="2000">
@@ -12117,116 +11931,87 @@
                 <a:latin typeface="맑은 고딕" charset="0"/>
                 <a:ea typeface="맑은 고딕" charset="0"/>
               </a:rPr>
-              <a:t>그런 다음 </a:t>
-            </a:r>
-            <a:r>
-              <a:rPr lang="ko-KR" sz="1800">
-                <a:latin typeface="맑은 고딕" charset="0"/>
-                <a:ea typeface="맑은 고딕" charset="0"/>
-              </a:rPr>
-              <a:t>LoginFailure( )</a:t>
-            </a:r>
-            <a:r>
-              <a:rPr lang="ko-KR" sz="1800">
-                <a:latin typeface="맑은 고딕" charset="0"/>
-                <a:ea typeface="맑은 고딕" charset="0"/>
-              </a:rPr>
-              <a:t> </a:t>
-            </a:r>
-            <a:r>
-              <a:rPr lang="ko-KR" sz="1800">
-                <a:latin typeface="맑은 고딕" charset="0"/>
-                <a:ea typeface="맑은 고딕" charset="0"/>
-              </a:rPr>
-              <a:t>함수를</a:t>
-            </a:r>
-            <a:r>
-              <a:rPr lang="ko-KR" sz="1800">
-                <a:latin typeface="맑은 고딕" charset="0"/>
-                <a:ea typeface="맑은 고딕" charset="0"/>
-              </a:rPr>
-              <a:t> </a:t>
-            </a:r>
-            <a:r>
-              <a:rPr lang="ko-KR" sz="1800">
-                <a:latin typeface="맑은 고딕" charset="0"/>
-                <a:ea typeface="맑은 고딕" charset="0"/>
-              </a:rPr>
-              <a:t>선언하고</a:t>
-            </a:r>
-            <a:r>
-              <a:rPr lang="ko-KR" sz="1800">
-                <a:latin typeface="맑은 고딕" charset="0"/>
-                <a:ea typeface="맑은 고딕" charset="0"/>
-              </a:rPr>
-              <a:t> 정적 </a:t>
-            </a:r>
-            <a:r>
-              <a:rPr lang="ko-KR" sz="1800">
-                <a:latin typeface="맑은 고딕" charset="0"/>
-                <a:ea typeface="맑은 고딕" charset="0"/>
-              </a:rPr>
-              <a:t>함수</a:t>
-            </a:r>
-            <a:r>
-              <a:rPr lang="ko-KR" sz="1800">
-                <a:latin typeface="맑은 고딕" charset="0"/>
-                <a:ea typeface="맑은 고딕" charset="0"/>
-              </a:rPr>
-              <a:t>의 </a:t>
-            </a:r>
-            <a:r>
-              <a:rPr lang="ko-KR" sz="1800">
-                <a:latin typeface="맑은 고딕" charset="0"/>
-                <a:ea typeface="맑은 고딕" charset="0"/>
-              </a:rPr>
-              <a:t>NotificationWindow(</a:t>
-            </a:r>
-            <a:r>
-              <a:rPr lang="ko-KR" sz="1800">
-                <a:latin typeface="맑은 고딕" charset="0"/>
-                <a:ea typeface="맑은 고딕" charset="0"/>
-              </a:rPr>
-              <a:t> </a:t>
-            </a:r>
-            <a:r>
-              <a:rPr lang="ko-KR" sz="1800">
-                <a:latin typeface="맑은 고딕" charset="0"/>
-                <a:ea typeface="맑은 고딕" charset="0"/>
-              </a:rPr>
-              <a:t>) 함수를</a:t>
-            </a:r>
-            <a:r>
-              <a:rPr lang="ko-KR" sz="1800">
-                <a:latin typeface="맑은 고딕" charset="0"/>
-                <a:ea typeface="맑은 고딕" charset="0"/>
-              </a:rPr>
-              <a:t> </a:t>
-            </a:r>
-            <a:r>
-              <a:rPr lang="ko-KR" sz="1800">
-                <a:latin typeface="맑은 고딕" charset="0"/>
-                <a:ea typeface="맑은 고딕" charset="0"/>
-              </a:rPr>
-              <a:t>호출합니다.</a:t>
+              <a:t>그</a:t>
+            </a:r>
+            <a:r>
+              <a:rPr lang="ko-KR" sz="1800">
+                <a:latin typeface="맑은 고딕" charset="0"/>
+                <a:ea typeface="맑은 고딕" charset="0"/>
+              </a:rPr>
+              <a:t>런 </a:t>
+            </a:r>
+            <a:r>
+              <a:rPr lang="ko-KR" sz="1800">
+                <a:latin typeface="맑은 고딕" charset="0"/>
+                <a:ea typeface="맑은 고딕" charset="0"/>
+              </a:rPr>
+              <a:t>다음</a:t>
+            </a:r>
+            <a:r>
+              <a:rPr lang="ko-KR" sz="1800">
+                <a:latin typeface="맑은 고딕" charset="0"/>
+                <a:ea typeface="맑은 고딕" charset="0"/>
+              </a:rPr>
+              <a:t> Login( ) 함수를 생성하고 로그인에 대한 정보를 입력받습니다.</a:t>
             </a:r>
             <a:endParaRPr lang="ko-KR" altLang="en-US" sz="1800">
               <a:latin typeface="맑은 고딕" charset="0"/>
               <a:ea typeface="맑은 고딕" charset="0"/>
             </a:endParaRPr>
           </a:p>
+          <a:p>
+            <a:pPr marL="0" indent="0" rtl="0" algn="l" defTabSz="914400" eaLnBrk="1" latinLnBrk="0" hangingPunct="1">
+              <a:buFontTx/>
+              <a:buNone/>
+            </a:pPr>
+            <a:endParaRPr lang="ko-KR" altLang="en-US" sz="1800">
+              <a:latin typeface="맑은 고딕" charset="0"/>
+              <a:ea typeface="맑은 고딕" charset="0"/>
+            </a:endParaRPr>
+          </a:p>
+          <a:p>
+            <a:pPr marL="0" indent="0" rtl="0" algn="l" defTabSz="914400" eaLnBrk="1" latinLnBrk="0" hangingPunct="1">
+              <a:buFontTx/>
+              <a:buNone/>
+            </a:pPr>
+            <a:r>
+              <a:rPr lang="ko-KR" sz="1800">
+                <a:latin typeface="맑은 고딕" charset="0"/>
+                <a:ea typeface="맑은 고딕" charset="0"/>
+              </a:rPr>
+              <a:t>그</a:t>
+            </a:r>
+            <a:r>
+              <a:rPr lang="ko-KR" sz="1800">
+                <a:latin typeface="맑은 고딕" charset="0"/>
+                <a:ea typeface="맑은 고딕" charset="0"/>
+              </a:rPr>
+              <a:t>다음으로</a:t>
+            </a:r>
+            <a:r>
+              <a:rPr lang="ko-KR" sz="1800">
+                <a:latin typeface="맑은 고딕" charset="0"/>
+                <a:ea typeface="맑은 고딕" charset="0"/>
+              </a:rPr>
+              <a:t> 로그인의 여부를 설정하는 LoginWithEmailAddress( ) 함수로 로그인 인증 절차를 확인합니다.</a:t>
+            </a:r>
+            <a:endParaRPr lang="ko-KR" altLang="en-US" sz="1800">
+              <a:latin typeface="맑은 고딕" charset="0"/>
+              <a:ea typeface="맑은 고딕" charset="0"/>
+            </a:endParaRPr>
+          </a:p>
         </p:txBody>
       </p:sp>
       <p:pic>
         <p:nvPicPr>
-          <p:cNvPr id="68" name="그림 10" descr="C:/Users/Admin1/AppData/Roaming/PolarisOffice/ETemp/23796_10028024/fImage279623216334.png"/>
+          <p:cNvPr id="68" name="그림 26" descr="C:/Users/nwond/AppData/Roaming/PolarisOffice/ETemp/21888_20881416/fImage1005063238467.png"/>
           <p:cNvPicPr>
             <a:picLocks noChangeAspect="1"/>
           </p:cNvPicPr>
           <p:nvPr/>
         </p:nvPicPr>
         <p:blipFill rotWithShape="1">
-          <a:blip r:embed="rId5" cstate="print">
+          <a:blip r:embed="rId7" cstate="print">
             <a:extLst>
               <a:ext uri="{28A0092B-C50C-407E-A947-70E740481C1C}">
                 <a14:useLocalDpi xmlns:a14="http://schemas.microsoft.com/office/drawing/2010/main" val="0"/>
@@ -12239,8 +12024,8 @@
         </p:blipFill>
         <p:spPr>
           <a:xfrm rot="0">
-            <a:off x="6802120" y="1452245"/>
-            <a:ext cx="4123055" cy="957580"/>
+            <a:off x="6810375" y="1454785"/>
+            <a:ext cx="4142105" cy="2518410"/>
           </a:xfrm>
           <a:prstGeom prst="roundRect"/>
           <a:solidFill>
@@ -12248,185 +12033,6 @@
           </a:solidFill>
         </p:spPr>
       </p:pic>
-      <p:pic>
-        <p:nvPicPr>
-          <p:cNvPr id="69" name="그림 27" descr="C:/Users/Admin1/AppData/Roaming/PolarisOffice/ETemp/23796_10028024/fImage383773306500.png"/>
-          <p:cNvPicPr>
-            <a:picLocks noChangeAspect="1"/>
-          </p:cNvPicPr>
-          <p:nvPr/>
-        </p:nvPicPr>
-        <p:blipFill rotWithShape="1">
-          <a:blip r:embed="rId6" cstate="print">
-            <a:extLst>
-              <a:ext uri="{28A0092B-C50C-407E-A947-70E740481C1C}">
-                <a14:useLocalDpi xmlns:a14="http://schemas.microsoft.com/office/drawing/2010/main" val="0"/>
-              </a:ext>
-            </a:extLst>
-          </a:blip>
-          <a:stretch>
-            <a:fillRect/>
-          </a:stretch>
-        </p:blipFill>
-        <p:spPr>
-          <a:xfrm rot="0">
-            <a:off x="6801485" y="3877945"/>
-            <a:ext cx="4123690" cy="967105"/>
-          </a:xfrm>
-          <a:prstGeom prst="roundRect"/>
-          <a:solidFill>
-            <a:srgbClr val="EDEDED"/>
-          </a:solidFill>
-        </p:spPr>
-      </p:pic>
-      <p:sp>
-        <p:nvSpPr>
-          <p:cNvPr id="70" name="텍스트 상자 30"/>
-          <p:cNvSpPr txBox="1">
-            <a:spLocks/>
-          </p:cNvSpPr>
-          <p:nvPr/>
-        </p:nvSpPr>
-        <p:spPr>
-          <a:xfrm rot="0">
-            <a:off x="6807200" y="4920615"/>
-            <a:ext cx="4127500" cy="1231265"/>
-          </a:xfrm>
-          <a:prstGeom prst="rect"/>
-          <a:noFill/>
-          <a:ln w="0">
-            <a:noFill/>
-            <a:prstDash/>
-          </a:ln>
-        </p:spPr>
-        <p:txBody>
-          <a:bodyPr wrap="square" lIns="89535" tIns="46355" rIns="89535" bIns="46355" numCol="1" vert="horz" anchor="t">
-            <a:spAutoFit/>
-          </a:bodyPr>
-          <a:lstStyle/>
-          <a:p>
-            <a:pPr marL="0" indent="0" rtl="0" algn="l" defTabSz="914400" eaLnBrk="1" latinLnBrk="0" hangingPunct="1">
-              <a:buFontTx/>
-              <a:buNone/>
-            </a:pPr>
-            <a:r>
-              <a:rPr lang="ko-KR" sz="2000" b="1">
-                <a:solidFill>
-                  <a:srgbClr val="0611F2"/>
-                </a:solidFill>
-                <a:latin typeface="맑은 고딕" charset="0"/>
-                <a:ea typeface="맑은 고딕" charset="0"/>
-              </a:rPr>
-              <a:t>35.</a:t>
-            </a:r>
-            <a:r>
-              <a:rPr lang="ko-KR" sz="2000">
-                <a:solidFill>
-                  <a:srgbClr val="0611F2"/>
-                </a:solidFill>
-                <a:latin typeface="맑은 고딕" charset="0"/>
-                <a:ea typeface="맑은 고딕" charset="0"/>
-              </a:rPr>
-              <a:t> </a:t>
-            </a:r>
-            <a:r>
-              <a:rPr lang="ko-KR" sz="1800">
-                <a:latin typeface="맑은 고딕" charset="0"/>
-                <a:ea typeface="맑은 고딕" charset="0"/>
-              </a:rPr>
-              <a:t>그다음으로 SignUpSuccess( ) </a:t>
-            </a:r>
-            <a:r>
-              <a:rPr lang="ko-KR" sz="1800">
-                <a:latin typeface="맑은 고딕" charset="0"/>
-                <a:ea typeface="맑은 고딕" charset="0"/>
-              </a:rPr>
-              <a:t>함수를</a:t>
-            </a:r>
-            <a:r>
-              <a:rPr lang="ko-KR" sz="1800">
-                <a:latin typeface="맑은 고딕" charset="0"/>
-                <a:ea typeface="맑은 고딕" charset="0"/>
-              </a:rPr>
-              <a:t> </a:t>
-            </a:r>
-            <a:r>
-              <a:rPr lang="ko-KR" sz="1800">
-                <a:latin typeface="맑은 고딕" charset="0"/>
-                <a:ea typeface="맑은 고딕" charset="0"/>
-              </a:rPr>
-              <a:t>선언한</a:t>
-            </a:r>
-            <a:r>
-              <a:rPr lang="ko-KR" sz="1800">
-                <a:latin typeface="맑은 고딕" charset="0"/>
-                <a:ea typeface="맑은 고딕" charset="0"/>
-              </a:rPr>
-              <a:t> 다음</a:t>
-            </a:r>
-            <a:r>
-              <a:rPr lang="ko-KR" sz="1800">
-                <a:latin typeface="맑은 고딕" charset="0"/>
-                <a:ea typeface="맑은 고딕" charset="0"/>
-              </a:rPr>
-              <a:t> 정적 </a:t>
-            </a:r>
-            <a:r>
-              <a:rPr lang="ko-KR" sz="1800">
-                <a:latin typeface="맑은 고딕" charset="0"/>
-                <a:ea typeface="맑은 고딕" charset="0"/>
-              </a:rPr>
-              <a:t>함수</a:t>
-            </a:r>
-            <a:r>
-              <a:rPr lang="ko-KR" sz="1800">
-                <a:latin typeface="맑은 고딕" charset="0"/>
-                <a:ea typeface="맑은 고딕" charset="0"/>
-              </a:rPr>
-              <a:t>의 </a:t>
-            </a:r>
-            <a:r>
-              <a:rPr lang="ko-KR" sz="1800">
-                <a:latin typeface="맑은 고딕" charset="0"/>
-                <a:ea typeface="맑은 고딕" charset="0"/>
-              </a:rPr>
-              <a:t>NotificationWindow(</a:t>
-            </a:r>
-            <a:r>
-              <a:rPr lang="ko-KR" sz="1800">
-                <a:latin typeface="맑은 고딕" charset="0"/>
-                <a:ea typeface="맑은 고딕" charset="0"/>
-              </a:rPr>
-              <a:t> </a:t>
-            </a:r>
-            <a:r>
-              <a:rPr lang="ko-KR" sz="1800">
-                <a:latin typeface="맑은 고딕" charset="0"/>
-                <a:ea typeface="맑은 고딕" charset="0"/>
-              </a:rPr>
-              <a:t>) 함수를</a:t>
-            </a:r>
-            <a:r>
-              <a:rPr lang="ko-KR" sz="1800">
-                <a:latin typeface="맑은 고딕" charset="0"/>
-                <a:ea typeface="맑은 고딕" charset="0"/>
-              </a:rPr>
-              <a:t> </a:t>
-            </a:r>
-            <a:r>
-              <a:rPr lang="ko-KR" sz="1800">
-                <a:latin typeface="맑은 고딕" charset="0"/>
-                <a:ea typeface="맑은 고딕" charset="0"/>
-              </a:rPr>
-              <a:t>호출합니다.</a:t>
-            </a:r>
-            <a:endParaRPr lang="ko-KR" altLang="en-US" sz="1800">
-              <a:latin typeface="맑은 고딕" charset="0"/>
-              <a:ea typeface="맑은 고딕" charset="0"/>
-            </a:endParaRPr>
-          </a:p>
-        </p:txBody>
-      </p:sp>
     </p:spTree>
   </p:cSld>
   <p:clrMapOvr>
@@ -12478,7 +12084,7 @@
         <p:spPr>
           <a:xfrm rot="0">
             <a:off x="1229995" y="1337310"/>
-            <a:ext cx="4039235" cy="370840"/>
+            <a:ext cx="4040505" cy="372110"/>
           </a:xfrm>
           <a:prstGeom prst="rect"/>
           <a:noFill/>
@@ -12515,7 +12121,7 @@
         <p:spPr>
           <a:xfrm>
             <a:off x="4334510" y="313055"/>
-            <a:ext cx="3522980" cy="554990"/>
+            <a:ext cx="3524250" cy="554990"/>
           </a:xfrm>
           <a:prstGeom prst="rect"/>
           <a:noFill/>
@@ -12539,7 +12145,14 @@
                 <a:latin typeface="나눔바른고딕" charset="0"/>
                 <a:ea typeface="나눔바른고딕" charset="0"/>
               </a:rPr>
-              <a:t>열여섯</a:t>
+              <a:t>열</a:t>
+            </a:r>
+            <a:r>
+              <a:rPr lang="ko-KR" sz="2500" b="1">
+                <a:latin typeface="나눔바른고딕" charset="0"/>
+                <a:ea typeface="나눔바른고딕" charset="0"/>
+              </a:rPr>
+              <a:t>여섯</a:t>
             </a:r>
             <a:r>
               <a:rPr lang="ko-KR" sz="2500" b="1">
@@ -12564,7 +12177,7 @@
       </p:sp>
       <p:sp>
         <p:nvSpPr>
-          <p:cNvPr id="72" name="텍스트 상자 35"/>
+          <p:cNvPr id="66" name="텍스트 상자 37"/>
           <p:cNvSpPr txBox="1">
             <a:spLocks/>
           </p:cNvSpPr>
@@ -12572,8 +12185,8 @@
         </p:nvSpPr>
         <p:spPr>
           <a:xfrm rot="0">
-            <a:off x="6839585" y="4081780"/>
-            <a:ext cx="4126230" cy="2061845"/>
+            <a:off x="1232535" y="4128770"/>
+            <a:ext cx="4152900" cy="2061845"/>
           </a:xfrm>
           <a:prstGeom prst="rect"/>
           <a:noFill/>
@@ -12600,7 +12213,7 @@
                 <a:latin typeface="맑은 고딕" charset="0"/>
                 <a:ea typeface="맑은 고딕" charset="0"/>
               </a:rPr>
-              <a:t>36.</a:t>
+              <a:t>38.</a:t>
             </a:r>
             <a:r>
               <a:rPr lang="ko-KR" sz="2000">
@@ -12617,35 +12230,35 @@
                 <a:latin typeface="맑은 고딕" charset="0"/>
                 <a:ea typeface="맑은 고딕" charset="0"/>
               </a:rPr>
-              <a:t>그리고 SignUpFailure( ) 함수를 </a:t>
-            </a:r>
-            <a:r>
-              <a:rPr lang="ko-KR" sz="1800">
-                <a:latin typeface="맑은 고딕" charset="0"/>
-                <a:ea typeface="맑은 고딕" charset="0"/>
-              </a:rPr>
-              <a:t>선언한</a:t>
-            </a:r>
-            <a:r>
-              <a:rPr lang="ko-KR" sz="1800">
-                <a:latin typeface="맑은 고딕" charset="0"/>
-                <a:ea typeface="맑은 고딕" charset="0"/>
-              </a:rPr>
-              <a:t> 다음 </a:t>
-            </a:r>
-            <a:r>
-              <a:rPr lang="ko-KR" sz="1800">
-                <a:latin typeface="맑은 고딕" charset="0"/>
-                <a:ea typeface="맑은 고딕" charset="0"/>
-              </a:rPr>
-              <a:t>NotficationManager.NotificationWindow(</a:t>
-            </a:r>
-            <a:r>
-              <a:rPr lang="ko-KR" sz="1800">
-                <a:latin typeface="맑은 고딕" charset="0"/>
-                <a:ea typeface="맑은 고딕" charset="0"/>
-              </a:rPr>
-              <a:t> )를 호출합니다.</a:t>
+              <a:t>그러고 </a:t>
+            </a:r>
+            <a:r>
+              <a:rPr lang="ko-KR" sz="1800">
+                <a:latin typeface="맑은 고딕" charset="0"/>
+                <a:ea typeface="맑은 고딕" charset="0"/>
+              </a:rPr>
+              <a:t>나서</a:t>
+            </a:r>
+            <a:r>
+              <a:rPr lang="ko-KR" sz="1800">
+                <a:latin typeface="맑은 고딕" charset="0"/>
+                <a:ea typeface="맑은 고딕" charset="0"/>
+              </a:rPr>
+              <a:t> SignUp( ) 함수를 선언</a:t>
+            </a:r>
+            <a:r>
+              <a:rPr lang="ko-KR" sz="1800">
+                <a:latin typeface="맑은 고딕" charset="0"/>
+                <a:ea typeface="맑은 고딕" charset="0"/>
+              </a:rPr>
+              <a:t>한 다음</a:t>
+            </a:r>
+            <a:r>
+              <a:rPr lang="ko-KR" sz="1800">
+                <a:latin typeface="맑은 고딕" charset="0"/>
+                <a:ea typeface="맑은 고딕" charset="0"/>
+              </a:rPr>
+              <a:t> 회원 가입에 대한 정보를 입력받습니다.</a:t>
             </a:r>
             <a:endParaRPr lang="ko-KR" altLang="en-US" sz="1800">
               <a:latin typeface="맑은 고딕" charset="0"/>
@@ -12672,42 +12285,14 @@
                 <a:latin typeface="맑은 고딕" charset="0"/>
                 <a:ea typeface="맑은 고딕" charset="0"/>
               </a:rPr>
-              <a:t>그런</a:t>
-            </a:r>
-            <a:r>
-              <a:rPr lang="ko-KR" sz="1800">
-                <a:latin typeface="맑은 고딕" charset="0"/>
-                <a:ea typeface="맑은 고딕" charset="0"/>
-              </a:rPr>
-              <a:t> 다음 NotificationWindow( ) </a:t>
-            </a:r>
-            <a:r>
-              <a:rPr lang="ko-KR" sz="1800">
-                <a:latin typeface="맑은 고딕" charset="0"/>
-                <a:ea typeface="맑은 고딕" charset="0"/>
-              </a:rPr>
-              <a:t>함수의</a:t>
-            </a:r>
-            <a:r>
-              <a:rPr lang="ko-KR" sz="1800">
-                <a:latin typeface="맑은 고딕" charset="0"/>
-                <a:ea typeface="맑은 고딕" charset="0"/>
-              </a:rPr>
-              <a:t> </a:t>
-            </a:r>
-            <a:r>
-              <a:rPr lang="ko-KR" sz="1800">
-                <a:latin typeface="맑은 고딕" charset="0"/>
-                <a:ea typeface="맑은 고딕" charset="0"/>
-              </a:rPr>
-              <a:t>인수로</a:t>
-            </a:r>
-            <a:r>
-              <a:rPr lang="ko-KR" sz="1800">
-                <a:latin typeface="맑은 고딕" charset="0"/>
-                <a:ea typeface="맑은 고딕" charset="0"/>
-              </a:rPr>
-              <a:t> string 값을 넣어줍니다 </a:t>
+              <a:t>이제</a:t>
+            </a:r>
+            <a:r>
+              <a:rPr lang="ko-KR" sz="1800">
+                <a:latin typeface="맑은 고딕" charset="0"/>
+                <a:ea typeface="맑은 고딕" charset="0"/>
+              </a:rPr>
+              <a:t> 회원 가입의 여부를 등록하는 RegisterPlayFabUser( ) 함수로 등록 절차를 확인합니다.</a:t>
             </a:r>
             <a:endParaRPr lang="ko-KR" altLang="en-US" sz="1800">
               <a:latin typeface="맑은 고딕" charset="0"/>
@@ -12718,14 +12303,45 @@
       </p:sp>
       <p:pic>
         <p:nvPicPr>
-          <p:cNvPr id="73" name="그림 36"/>
+          <p:cNvPr id="70" name="그림 15" descr="C:/Users/nwond/AppData/Roaming/PolarisOffice/ETemp/21888_20881416/fImage1380253166334.png"/>
           <p:cNvPicPr>
             <a:picLocks noChangeAspect="1"/>
           </p:cNvPicPr>
           <p:nvPr/>
         </p:nvPicPr>
         <p:blipFill rotWithShape="1">
-          <a:blip r:embed="rId14" cstate="hqprint">
+          <a:blip r:embed="rId9" cstate="print">
+            <a:extLst>
+              <a:ext uri="{28A0092B-C50C-407E-A947-70E740481C1C}">
+                <a14:useLocalDpi xmlns:a14="http://schemas.microsoft.com/office/drawing/2010/main" val="0"/>
+              </a:ext>
+            </a:extLst>
+          </a:blip>
+          <a:stretch>
+            <a:fillRect/>
+          </a:stretch>
+        </p:blipFill>
+        <p:spPr>
+          <a:xfrm rot="0">
+            <a:off x="1231900" y="1449070"/>
+            <a:ext cx="4154170" cy="2509520"/>
+          </a:xfrm>
+          <a:prstGeom prst="roundRect"/>
+          <a:solidFill>
+            <a:srgbClr val="EDEDED"/>
+          </a:solidFill>
+        </p:spPr>
+      </p:pic>
+      <p:pic>
+        <p:nvPicPr>
+          <p:cNvPr id="71" name="그림 29" descr="C:/Users/nwond/AppData/Roaming/PolarisOffice/ETemp/21888_20881416/fImage5250358491.png"/>
+          <p:cNvPicPr>
+            <a:picLocks noChangeAspect="1"/>
+          </p:cNvPicPr>
+          <p:nvPr/>
+        </p:nvPicPr>
+        <p:blipFill rotWithShape="1">
+          <a:blip r:embed="rId10" cstate="hqprint">
             <a:extLst>
               <a:ext uri="{28A0092B-C50C-407E-A947-70E740481C1C}">
                 <a14:useLocalDpi xmlns:a14="http://schemas.microsoft.com/office/drawing/2010/main"/>
@@ -12738,8 +12354,340 @@
         </p:blipFill>
         <p:spPr>
           <a:xfrm rot="0">
-            <a:off x="6839585" y="1447165"/>
-            <a:ext cx="4126230" cy="2472690"/>
+            <a:off x="8131810" y="1455420"/>
+            <a:ext cx="2835275" cy="1224915"/>
+          </a:xfrm>
+          <a:prstGeom prst="roundRect"/>
+          <a:solidFill>
+            <a:srgbClr val="EDEDED"/>
+          </a:solidFill>
+        </p:spPr>
+      </p:pic>
+      <p:sp>
+        <p:nvSpPr>
+          <p:cNvPr id="72" name="텍스트 상자 30"/>
+          <p:cNvSpPr txBox="1">
+            <a:spLocks/>
+          </p:cNvSpPr>
+          <p:nvPr/>
+        </p:nvSpPr>
+        <p:spPr>
+          <a:xfrm rot="0">
+            <a:off x="6816725" y="5249545"/>
+            <a:ext cx="4149725" cy="954405"/>
+          </a:xfrm>
+          <a:prstGeom prst="rect"/>
+          <a:noFill/>
+          <a:ln w="0">
+            <a:noFill/>
+            <a:prstDash/>
+          </a:ln>
+        </p:spPr>
+        <p:txBody>
+          <a:bodyPr wrap="square" lIns="89535" tIns="46355" rIns="89535" bIns="46355" numCol="1" vert="horz" anchor="t">
+            <a:spAutoFit/>
+          </a:bodyPr>
+          <a:lstStyle/>
+          <a:p>
+            <a:pPr marL="0" indent="0" rtl="0" algn="l" defTabSz="914400" eaLnBrk="1" latinLnBrk="0" hangingPunct="1">
+              <a:buFontTx/>
+              <a:buNone/>
+            </a:pPr>
+            <a:r>
+              <a:rPr lang="ko-KR" sz="2000" b="1">
+                <a:solidFill>
+                  <a:srgbClr val="0611F2"/>
+                </a:solidFill>
+                <a:latin typeface="맑은 고딕" charset="0"/>
+                <a:ea typeface="맑은 고딕" charset="0"/>
+              </a:rPr>
+              <a:t>4</a:t>
+            </a:r>
+            <a:r>
+              <a:rPr lang="ko-KR" sz="2000" b="1">
+                <a:solidFill>
+                  <a:srgbClr val="0611F2"/>
+                </a:solidFill>
+                <a:latin typeface="맑은 고딕" charset="0"/>
+                <a:ea typeface="맑은 고딕" charset="0"/>
+              </a:rPr>
+              <a:t>0</a:t>
+            </a:r>
+            <a:r>
+              <a:rPr lang="ko-KR" sz="2000" b="1">
+                <a:solidFill>
+                  <a:srgbClr val="0611F2"/>
+                </a:solidFill>
+                <a:latin typeface="맑은 고딕" charset="0"/>
+                <a:ea typeface="맑은 고딕" charset="0"/>
+              </a:rPr>
+              <a:t>.</a:t>
+            </a:r>
+            <a:r>
+              <a:rPr lang="ko-KR" sz="2000">
+                <a:solidFill>
+                  <a:srgbClr val="0611F2"/>
+                </a:solidFill>
+                <a:latin typeface="맑은 고딕" charset="0"/>
+                <a:ea typeface="맑은 고딕" charset="0"/>
+              </a:rPr>
+              <a:t> </a:t>
+            </a:r>
+            <a:r>
+              <a:rPr lang="ko-KR" sz="1800">
+                <a:latin typeface="맑은 고딕" charset="0"/>
+                <a:ea typeface="맑은 고딕" charset="0"/>
+              </a:rPr>
+              <a:t>그</a:t>
+            </a:r>
+            <a:r>
+              <a:rPr lang="ko-KR" sz="1800">
+                <a:latin typeface="맑은 고딕" charset="0"/>
+                <a:ea typeface="맑은 고딕" charset="0"/>
+              </a:rPr>
+              <a:t>런 </a:t>
+            </a:r>
+            <a:r>
+              <a:rPr lang="ko-KR" sz="1800">
+                <a:latin typeface="맑은 고딕" charset="0"/>
+                <a:ea typeface="맑은 고딕" charset="0"/>
+              </a:rPr>
+              <a:t>다음</a:t>
+            </a:r>
+            <a:r>
+              <a:rPr lang="ko-KR" sz="1800">
+                <a:latin typeface="맑은 고딕" charset="0"/>
+                <a:ea typeface="맑은 고딕" charset="0"/>
+              </a:rPr>
+              <a:t> </a:t>
+            </a:r>
+            <a:r>
+              <a:rPr sz="1800">
+                <a:latin typeface="맑은 고딕" charset="0"/>
+                <a:ea typeface="맑은 고딕" charset="0"/>
+              </a:rPr>
+              <a:t>Sign Up Button 오브젝트</a:t>
+            </a:r>
+            <a:r>
+              <a:rPr lang="ko-KR" sz="1800">
+                <a:latin typeface="맑은 고딕" charset="0"/>
+                <a:ea typeface="맑은 고딕" charset="0"/>
+              </a:rPr>
+              <a:t>에 있는</a:t>
+            </a:r>
+            <a:r>
+              <a:rPr sz="1800">
+                <a:latin typeface="맑은 고딕" charset="0"/>
+                <a:ea typeface="맑은 고딕" charset="0"/>
+              </a:rPr>
+              <a:t> On Click( ) 함수에 SignUp( ) 함수</a:t>
+            </a:r>
+            <a:r>
+              <a:rPr lang="ko-KR" sz="1800">
+                <a:latin typeface="맑은 고딕" charset="0"/>
+                <a:ea typeface="맑은 고딕" charset="0"/>
+              </a:rPr>
+              <a:t>를 </a:t>
+            </a:r>
+            <a:r>
+              <a:rPr sz="1800">
+                <a:latin typeface="맑은 고딕" charset="0"/>
+                <a:ea typeface="맑은 고딕" charset="0"/>
+              </a:rPr>
+              <a:t>등록합니다.</a:t>
+            </a:r>
+            <a:endParaRPr lang="ko-KR" altLang="en-US" sz="1800">
+              <a:latin typeface="맑은 고딕" charset="0"/>
+              <a:ea typeface="맑은 고딕" charset="0"/>
+            </a:endParaRPr>
+          </a:p>
+        </p:txBody>
+      </p:sp>
+      <p:sp>
+        <p:nvSpPr>
+          <p:cNvPr id="73" name="텍스트 상자 31"/>
+          <p:cNvSpPr txBox="1">
+            <a:spLocks/>
+          </p:cNvSpPr>
+          <p:nvPr/>
+        </p:nvSpPr>
+        <p:spPr>
+          <a:xfrm rot="0">
+            <a:off x="6813550" y="2783840"/>
+            <a:ext cx="4145280" cy="954405"/>
+          </a:xfrm>
+          <a:prstGeom prst="rect"/>
+          <a:noFill/>
+          <a:ln w="0">
+            <a:noFill/>
+            <a:prstDash/>
+          </a:ln>
+        </p:spPr>
+        <p:txBody>
+          <a:bodyPr wrap="square" lIns="89535" tIns="46355" rIns="89535" bIns="46355" numCol="1" vert="horz" anchor="t">
+            <a:spAutoFit/>
+          </a:bodyPr>
+          <a:lstStyle/>
+          <a:p>
+            <a:pPr marL="0" indent="0" rtl="0" algn="l" defTabSz="914400" eaLnBrk="1" latinLnBrk="0" hangingPunct="1">
+              <a:buFontTx/>
+              <a:buNone/>
+            </a:pPr>
+            <a:r>
+              <a:rPr lang="ko-KR" sz="2000" b="1">
+                <a:solidFill>
+                  <a:srgbClr val="0611F2"/>
+                </a:solidFill>
+                <a:latin typeface="맑은 고딕" charset="0"/>
+                <a:ea typeface="맑은 고딕" charset="0"/>
+              </a:rPr>
+              <a:t>3</a:t>
+            </a:r>
+            <a:r>
+              <a:rPr lang="ko-KR" sz="2000" b="1">
+                <a:solidFill>
+                  <a:srgbClr val="0611F2"/>
+                </a:solidFill>
+                <a:latin typeface="맑은 고딕" charset="0"/>
+                <a:ea typeface="맑은 고딕" charset="0"/>
+              </a:rPr>
+              <a:t>9</a:t>
+            </a:r>
+            <a:r>
+              <a:rPr lang="ko-KR" sz="2000" b="1">
+                <a:solidFill>
+                  <a:srgbClr val="0611F2"/>
+                </a:solidFill>
+                <a:latin typeface="맑은 고딕" charset="0"/>
+                <a:ea typeface="맑은 고딕" charset="0"/>
+              </a:rPr>
+              <a:t>.</a:t>
+            </a:r>
+            <a:r>
+              <a:rPr lang="ko-KR" sz="2000">
+                <a:solidFill>
+                  <a:srgbClr val="0611F2"/>
+                </a:solidFill>
+                <a:latin typeface="맑은 고딕" charset="0"/>
+                <a:ea typeface="맑은 고딕" charset="0"/>
+              </a:rPr>
+              <a:t> </a:t>
+            </a:r>
+            <a:r>
+              <a:rPr sz="1800">
+                <a:latin typeface="맑은 고딕" charset="0"/>
+                <a:ea typeface="맑은 고딕" charset="0"/>
+              </a:rPr>
+              <a:t>그리고 Sign Un Button 오브젝트의 On Click( ) 함수에 Photon S</a:t>
+            </a:r>
+            <a:r>
+              <a:rPr lang="ko-KR" sz="1800">
+                <a:latin typeface="맑은 고딕" charset="0"/>
+                <a:ea typeface="맑은 고딕" charset="0"/>
+              </a:rPr>
+              <a:t>etting</a:t>
+            </a:r>
+            <a:r>
+              <a:rPr sz="1800">
+                <a:latin typeface="맑은 고딕" charset="0"/>
+                <a:ea typeface="맑은 고딕" charset="0"/>
+              </a:rPr>
+              <a:t> 오브젝트를 넣어줍니다.</a:t>
+            </a:r>
+            <a:endParaRPr lang="ko-KR" altLang="en-US" sz="1800">
+              <a:latin typeface="맑은 고딕" charset="0"/>
+              <a:ea typeface="맑은 고딕" charset="0"/>
+            </a:endParaRPr>
+          </a:p>
+        </p:txBody>
+      </p:sp>
+      <p:pic>
+        <p:nvPicPr>
+          <p:cNvPr id="74" name="그림 32" descr="C:/Users/nwond/AppData/Roaming/PolarisOffice/ETemp/21888_20881416/fImage88134162391.png"/>
+          <p:cNvPicPr>
+            <a:picLocks noChangeAspect="1"/>
+          </p:cNvPicPr>
+          <p:nvPr/>
+        </p:nvPicPr>
+        <p:blipFill rotWithShape="1">
+          <a:blip r:embed="rId11" cstate="hqprint">
+            <a:extLst>
+              <a:ext uri="{28A0092B-C50C-407E-A947-70E740481C1C}">
+                <a14:useLocalDpi xmlns:a14="http://schemas.microsoft.com/office/drawing/2010/main"/>
+              </a:ext>
+            </a:extLst>
+          </a:blip>
+          <a:stretch>
+            <a:fillRect/>
+          </a:stretch>
+        </p:blipFill>
+        <p:spPr>
+          <a:xfrm rot="0">
+            <a:off x="6813550" y="1449070"/>
+            <a:ext cx="1233170" cy="1222375"/>
+          </a:xfrm>
+          <a:prstGeom prst="roundRect"/>
+          <a:solidFill>
+            <a:srgbClr val="EDEDED"/>
+          </a:solidFill>
+        </p:spPr>
+      </p:pic>
+      <p:cxnSp>
+        <p:nvCxnSpPr>
+          <p:cNvPr id="75" name="도형 33"/>
+          <p:cNvCxnSpPr/>
+          <p:nvPr/>
+        </p:nvCxnSpPr>
+        <p:spPr>
+          <a:xfrm rot="0" flipV="1">
+            <a:off x="7838440" y="2162175"/>
+            <a:ext cx="1189990" cy="414655"/>
+          </a:xfrm>
+          <a:prstGeom prst="straightConnector1"/>
+          <a:ln w="6350" cap="flat" cmpd="sng">
+            <a:prstDash/>
+            <a:tailEnd type="triangle" w="med" len="med"/>
+          </a:ln>
+        </p:spPr>
+        <p:style>
+          <a:lnRef idx="1">
+            <a:schemeClr val="accent1"/>
+          </a:lnRef>
+          <a:fillRef idx="0">
+            <a:schemeClr val="accent1"/>
+          </a:fillRef>
+          <a:effectRef idx="0">
+            <a:schemeClr val="accent1"/>
+          </a:effectRef>
+          <a:fontRef idx="minor">
+            <a:schemeClr val="tx1"/>
+          </a:fontRef>
+        </p:style>
+      </p:cxnSp>
+      <p:pic>
+        <p:nvPicPr>
+          <p:cNvPr id="76" name="그림 34" descr="C:/Users/nwond/AppData/Roaming/PolarisOffice/ETemp/21888_20881416/fImage58464067421.png"/>
+          <p:cNvPicPr>
+            <a:picLocks noChangeAspect="1"/>
+          </p:cNvPicPr>
+          <p:nvPr/>
+        </p:nvPicPr>
+        <p:blipFill rotWithShape="1">
+          <a:blip r:embed="rId12" cstate="hqprint">
+            <a:extLst>
+              <a:ext uri="{28A0092B-C50C-407E-A947-70E740481C1C}">
+                <a14:useLocalDpi xmlns:a14="http://schemas.microsoft.com/office/drawing/2010/main"/>
+              </a:ext>
+            </a:extLst>
+          </a:blip>
+          <a:stretch>
+            <a:fillRect/>
+          </a:stretch>
+        </p:blipFill>
+        <p:spPr>
+          <a:xfrm rot="0">
+            <a:off x="6822440" y="3858895"/>
+            <a:ext cx="4135755" cy="1310005"/>
           </a:xfrm>
           <a:prstGeom prst="roundRect"/>
           <a:solidFill>
@@ -12798,7 +12746,7 @@
         <p:spPr>
           <a:xfrm rot="0">
             <a:off x="1229995" y="1337310"/>
-            <a:ext cx="4040505" cy="372110"/>
+            <a:ext cx="4039235" cy="370840"/>
           </a:xfrm>
           <a:prstGeom prst="rect"/>
           <a:noFill/>
@@ -12834,7 +12782,7 @@
         </p:nvSpPr>
         <p:spPr>
           <a:xfrm>
-            <a:off x="4334510" y="313055"/>
+            <a:off x="4334510" y="381635"/>
             <a:ext cx="3523615" cy="554990"/>
           </a:xfrm>
           <a:prstGeom prst="rect"/>
@@ -12859,7 +12807,14 @@
                 <a:latin typeface="나눔바른고딕" charset="0"/>
                 <a:ea typeface="나눔바른고딕" charset="0"/>
               </a:rPr>
-              <a:t>열일곱</a:t>
+              <a:t>열</a:t>
+            </a:r>
+            <a:r>
+              <a:rPr lang="ko-KR" sz="2500" b="1">
+                <a:latin typeface="나눔바른고딕" charset="0"/>
+                <a:ea typeface="나눔바른고딕" charset="0"/>
+              </a:rPr>
+              <a:t>일곱</a:t>
             </a:r>
             <a:r>
               <a:rPr lang="ko-KR" sz="2500" b="1">
@@ -12884,16 +12839,16 @@
       </p:sp>
       <p:sp>
         <p:nvSpPr>
-          <p:cNvPr id="57" name="Rect 0"/>
+          <p:cNvPr id="67" name="텍스트 상자 53"/>
           <p:cNvSpPr txBox="1">
             <a:spLocks/>
           </p:cNvSpPr>
           <p:nvPr/>
         </p:nvSpPr>
         <p:spPr>
-          <a:xfrm rot="0">
-            <a:off x="6805295" y="4133850"/>
-            <a:ext cx="4134485" cy="2061845"/>
+          <a:xfrm>
+            <a:off x="1231900" y="5318760"/>
+            <a:ext cx="4144645" cy="954405"/>
           </a:xfrm>
           <a:prstGeom prst="rect"/>
           <a:noFill/>
@@ -12920,7 +12875,27 @@
                 <a:latin typeface="맑은 고딕" charset="0"/>
                 <a:ea typeface="맑은 고딕" charset="0"/>
               </a:rPr>
-              <a:t>38.</a:t>
+              <a:t>4</a:t>
+            </a:r>
+            <a:r>
+              <a:rPr lang="ko-KR" sz="2000" b="1">
+                <a:solidFill>
+                  <a:srgbClr val="0611F2"/>
+                </a:solidFill>
+                <a:latin typeface="맑은 고딕" charset="0"/>
+                <a:ea typeface="맑은 고딕" charset="0"/>
+              </a:rPr>
+              <a:t>2</a:t>
+            </a:r>
+            <a:r>
+              <a:rPr lang="ko-KR" sz="2000" b="1">
+                <a:solidFill>
+                  <a:srgbClr val="0611F2"/>
+                </a:solidFill>
+                <a:latin typeface="맑은 고딕" charset="0"/>
+                <a:ea typeface="맑은 고딕" charset="0"/>
+              </a:rPr>
+              <a:t>.</a:t>
             </a:r>
             <a:r>
               <a:rPr lang="ko-KR" sz="2000">
@@ -12937,342 +12912,49 @@
                 <a:latin typeface="맑은 고딕" charset="0"/>
                 <a:ea typeface="맑은 고딕" charset="0"/>
               </a:rPr>
-              <a:t>이제 SignUp( ) 함수를 </a:t>
-            </a:r>
-            <a:r>
-              <a:rPr lang="ko-KR" sz="1800">
-                <a:latin typeface="맑은 고딕" charset="0"/>
-                <a:ea typeface="맑은 고딕" charset="0"/>
-              </a:rPr>
-              <a:t>선언하고</a:t>
-            </a:r>
-            <a:r>
-              <a:rPr lang="ko-KR" sz="1800">
-                <a:latin typeface="맑은 고딕" charset="0"/>
-                <a:ea typeface="맑은 고딕" charset="0"/>
-              </a:rPr>
-              <a:t> </a:t>
-            </a:r>
-            <a:r>
-              <a:rPr lang="ko-KR" sz="1800">
-                <a:latin typeface="맑은 고딕" charset="0"/>
-                <a:ea typeface="맑은 고딕" charset="0"/>
-              </a:rPr>
-              <a:t>회원</a:t>
-            </a:r>
-            <a:r>
-              <a:rPr lang="ko-KR" sz="1800">
-                <a:latin typeface="맑은 고딕" charset="0"/>
-                <a:ea typeface="맑은 고딕" charset="0"/>
-              </a:rPr>
-              <a:t> </a:t>
-            </a:r>
-            <a:r>
-              <a:rPr lang="ko-KR" sz="1800">
-                <a:latin typeface="맑은 고딕" charset="0"/>
-                <a:ea typeface="맑은 고딕" charset="0"/>
-              </a:rPr>
-              <a:t>가입에</a:t>
-            </a:r>
-            <a:r>
-              <a:rPr lang="ko-KR" sz="1800">
-                <a:latin typeface="맑은 고딕" charset="0"/>
-                <a:ea typeface="맑은 고딕" charset="0"/>
-              </a:rPr>
-              <a:t> 대한 정보를 </a:t>
-            </a:r>
-            <a:r>
-              <a:rPr lang="ko-KR" sz="1800">
-                <a:latin typeface="맑은 고딕" charset="0"/>
-                <a:ea typeface="맑은 고딕" charset="0"/>
-              </a:rPr>
-              <a:t>입력받습니다.</a:t>
+              <a:t>그</a:t>
+            </a:r>
+            <a:r>
+              <a:rPr lang="ko-KR" sz="1800">
+                <a:latin typeface="맑은 고딕" charset="0"/>
+                <a:ea typeface="맑은 고딕" charset="0"/>
+              </a:rPr>
+              <a:t>러고 </a:t>
+            </a:r>
+            <a:r>
+              <a:rPr lang="ko-KR" sz="1800">
+                <a:latin typeface="맑은 고딕" charset="0"/>
+                <a:ea typeface="맑은 고딕" charset="0"/>
+              </a:rPr>
+              <a:t>나서</a:t>
+            </a:r>
+            <a:r>
+              <a:rPr lang="ko-KR" sz="1800">
+                <a:latin typeface="맑은 고딕" charset="0"/>
+                <a:ea typeface="맑은 고딕" charset="0"/>
+              </a:rPr>
+              <a:t> Password Input 오브젝트의 앵커를 지정하고 위치와 크기를 설정합니다.</a:t>
             </a:r>
             <a:endParaRPr lang="ko-KR" altLang="en-US" sz="1800">
               <a:latin typeface="맑은 고딕" charset="0"/>
               <a:ea typeface="맑은 고딕" charset="0"/>
             </a:endParaRPr>
           </a:p>
-          <a:p>
-            <a:pPr marL="0" indent="0" rtl="0" algn="l" defTabSz="914400" eaLnBrk="1" latinLnBrk="0" hangingPunct="1">
-              <a:buFontTx/>
-              <a:buNone/>
-            </a:pPr>
-            <a:endParaRPr lang="ko-KR" altLang="en-US" sz="1800">
-              <a:latin typeface="맑은 고딕" charset="0"/>
-              <a:ea typeface="맑은 고딕" charset="0"/>
-            </a:endParaRPr>
-          </a:p>
-          <a:p>
-            <a:pPr marL="0" indent="0" rtl="0" algn="l" defTabSz="914400" eaLnBrk="1" latinLnBrk="0" hangingPunct="1">
-              <a:buFontTx/>
-              <a:buNone/>
-            </a:pPr>
-            <a:r>
-              <a:rPr lang="ko-KR" sz="1800">
-                <a:latin typeface="맑은 고딕" charset="0"/>
-                <a:ea typeface="맑은 고딕" charset="0"/>
-              </a:rPr>
-              <a:t>그리고</a:t>
-            </a:r>
-            <a:r>
-              <a:rPr lang="ko-KR" sz="1800">
-                <a:latin typeface="맑은 고딕" charset="0"/>
-                <a:ea typeface="맑은 고딕" charset="0"/>
-              </a:rPr>
-              <a:t> 회원 가입의 여부를 등록하는 </a:t>
-            </a:r>
-            <a:r>
-              <a:rPr lang="ko-KR" sz="1800">
-                <a:latin typeface="맑은 고딕" charset="0"/>
-                <a:ea typeface="맑은 고딕" charset="0"/>
-              </a:rPr>
-              <a:t>RegisterPlayFabUser(</a:t>
-            </a:r>
-            <a:r>
-              <a:rPr lang="ko-KR" sz="1800">
-                <a:latin typeface="맑은 고딕" charset="0"/>
-                <a:ea typeface="맑은 고딕" charset="0"/>
-              </a:rPr>
-              <a:t> ) 함수로 등록 </a:t>
-            </a:r>
-            <a:r>
-              <a:rPr lang="ko-KR" sz="1800">
-                <a:latin typeface="맑은 고딕" charset="0"/>
-                <a:ea typeface="맑은 고딕" charset="0"/>
-              </a:rPr>
-              <a:t>절차를</a:t>
-            </a:r>
-            <a:r>
-              <a:rPr lang="ko-KR" sz="1800">
-                <a:latin typeface="맑은 고딕" charset="0"/>
-                <a:ea typeface="맑은 고딕" charset="0"/>
-              </a:rPr>
-              <a:t> 확인합니다.</a:t>
-            </a:r>
-            <a:endParaRPr lang="ko-KR" altLang="en-US" sz="1800">
-              <a:latin typeface="맑은 고딕" charset="0"/>
-              <a:ea typeface="맑은 고딕" charset="0"/>
-            </a:endParaRPr>
-          </a:p>
-        </p:txBody>
-      </p:sp>
-      <p:sp>
-        <p:nvSpPr>
-          <p:cNvPr id="66" name="텍스트 상자 37"/>
-          <p:cNvSpPr txBox="1">
-            <a:spLocks/>
-          </p:cNvSpPr>
-          <p:nvPr/>
-        </p:nvSpPr>
-        <p:spPr>
-          <a:xfrm rot="0">
-            <a:off x="1232535" y="4135120"/>
-            <a:ext cx="4152265" cy="2061845"/>
-          </a:xfrm>
-          <a:prstGeom prst="rect"/>
-          <a:noFill/>
-          <a:ln w="0">
-            <a:noFill/>
-            <a:prstDash/>
-          </a:ln>
-        </p:spPr>
-        <p:txBody>
-          <a:bodyPr wrap="square" lIns="89535" tIns="46355" rIns="89535" bIns="46355" numCol="1" vert="horz" anchor="t">
-            <a:spAutoFit/>
-          </a:bodyPr>
-          <a:lstStyle/>
-          <a:p>
-            <a:pPr marL="0" indent="0" rtl="0" algn="l" defTabSz="914400" eaLnBrk="1" latinLnBrk="0" hangingPunct="1">
-              <a:buFontTx/>
-              <a:buNone/>
-            </a:pPr>
-            <a:r>
-              <a:rPr lang="ko-KR" sz="2000" b="1">
-                <a:solidFill>
-                  <a:srgbClr val="0611F2"/>
-                </a:solidFill>
-                <a:latin typeface="맑은 고딕" charset="0"/>
-                <a:ea typeface="맑은 고딕" charset="0"/>
-              </a:rPr>
-              <a:t>37.</a:t>
-            </a:r>
-            <a:r>
-              <a:rPr lang="ko-KR" sz="2000">
-                <a:solidFill>
-                  <a:srgbClr val="0611F2"/>
-                </a:solidFill>
-                <a:latin typeface="맑은 고딕" charset="0"/>
-                <a:ea typeface="맑은 고딕" charset="0"/>
-              </a:rPr>
-              <a:t> </a:t>
-            </a:r>
-            <a:r>
-              <a:rPr lang="ko-KR" sz="1800">
-                <a:latin typeface="맑은 고딕" charset="0"/>
-                <a:ea typeface="맑은 고딕" charset="0"/>
-              </a:rPr>
-              <a:t>그다음 Login( ) 함수를 생성하고 </a:t>
-            </a:r>
-            <a:r>
-              <a:rPr lang="ko-KR" sz="1800">
-                <a:latin typeface="맑은 고딕" charset="0"/>
-                <a:ea typeface="맑은 고딕" charset="0"/>
-              </a:rPr>
-              <a:t>로그인에</a:t>
-            </a:r>
-            <a:r>
-              <a:rPr lang="ko-KR" sz="1800">
-                <a:latin typeface="맑은 고딕" charset="0"/>
-                <a:ea typeface="맑은 고딕" charset="0"/>
-              </a:rPr>
-              <a:t> </a:t>
-            </a:r>
-            <a:r>
-              <a:rPr lang="ko-KR" sz="1800">
-                <a:latin typeface="맑은 고딕" charset="0"/>
-                <a:ea typeface="맑은 고딕" charset="0"/>
-              </a:rPr>
-              <a:t>대한</a:t>
-            </a:r>
-            <a:r>
-              <a:rPr lang="ko-KR" sz="1800">
-                <a:latin typeface="맑은 고딕" charset="0"/>
-                <a:ea typeface="맑은 고딕" charset="0"/>
-              </a:rPr>
-              <a:t> 정보를 입력받습니다.</a:t>
-            </a:r>
-            <a:endParaRPr lang="ko-KR" altLang="en-US" sz="1800">
-              <a:latin typeface="맑은 고딕" charset="0"/>
-              <a:ea typeface="맑은 고딕" charset="0"/>
-            </a:endParaRPr>
-          </a:p>
-          <a:p>
-            <a:pPr marL="0" indent="0" rtl="0" algn="l" defTabSz="914400" eaLnBrk="1" latinLnBrk="0" hangingPunct="1">
-              <a:buFontTx/>
-              <a:buNone/>
-            </a:pPr>
-            <a:endParaRPr lang="ko-KR" altLang="en-US" sz="1800">
-              <a:latin typeface="맑은 고딕" charset="0"/>
-              <a:ea typeface="맑은 고딕" charset="0"/>
-            </a:endParaRPr>
-          </a:p>
-          <a:p>
-            <a:pPr marL="0" indent="0" rtl="0" algn="l" defTabSz="914400" eaLnBrk="1" latinLnBrk="0" hangingPunct="1">
-              <a:buFontTx/>
-              <a:buNone/>
-            </a:pPr>
-            <a:r>
-              <a:rPr lang="ko-KR" sz="1800">
-                <a:latin typeface="맑은 고딕" charset="0"/>
-                <a:ea typeface="맑은 고딕" charset="0"/>
-              </a:rPr>
-              <a:t>그러고</a:t>
-            </a:r>
-            <a:r>
-              <a:rPr lang="ko-KR" sz="1800">
-                <a:latin typeface="맑은 고딕" charset="0"/>
-                <a:ea typeface="맑은 고딕" charset="0"/>
-              </a:rPr>
-              <a:t> </a:t>
-            </a:r>
-            <a:r>
-              <a:rPr lang="ko-KR" sz="1800">
-                <a:latin typeface="맑은 고딕" charset="0"/>
-                <a:ea typeface="맑은 고딕" charset="0"/>
-              </a:rPr>
-              <a:t>나서</a:t>
-            </a:r>
-            <a:r>
-              <a:rPr lang="ko-KR" sz="1800">
-                <a:latin typeface="맑은 고딕" charset="0"/>
-                <a:ea typeface="맑은 고딕" charset="0"/>
-              </a:rPr>
-              <a:t> 로그인의 여부를 </a:t>
-            </a:r>
-            <a:r>
-              <a:rPr lang="ko-KR" sz="1800">
-                <a:latin typeface="맑은 고딕" charset="0"/>
-                <a:ea typeface="맑은 고딕" charset="0"/>
-              </a:rPr>
-              <a:t>설정하는</a:t>
-            </a:r>
-            <a:r>
-              <a:rPr lang="ko-KR" sz="1800">
-                <a:latin typeface="맑은 고딕" charset="0"/>
-                <a:ea typeface="맑은 고딕" charset="0"/>
-              </a:rPr>
-              <a:t> </a:t>
-            </a:r>
-            <a:r>
-              <a:rPr lang="ko-KR" sz="1800">
-                <a:latin typeface="맑은 고딕" charset="0"/>
-                <a:ea typeface="맑은 고딕" charset="0"/>
-              </a:rPr>
-              <a:t>LoginWithEmailAddress(</a:t>
-            </a:r>
-            <a:r>
-              <a:rPr lang="ko-KR" sz="1800">
-                <a:latin typeface="맑은 고딕" charset="0"/>
-                <a:ea typeface="맑은 고딕" charset="0"/>
-              </a:rPr>
-              <a:t> ) </a:t>
-            </a:r>
-            <a:r>
-              <a:rPr lang="ko-KR" sz="1800">
-                <a:latin typeface="맑은 고딕" charset="0"/>
-                <a:ea typeface="맑은 고딕" charset="0"/>
-              </a:rPr>
-              <a:t>함수로</a:t>
-            </a:r>
-            <a:r>
-              <a:rPr lang="ko-KR" sz="1800">
-                <a:latin typeface="맑은 고딕" charset="0"/>
-                <a:ea typeface="맑은 고딕" charset="0"/>
-              </a:rPr>
-              <a:t> </a:t>
-            </a:r>
-            <a:r>
-              <a:rPr lang="ko-KR" sz="1800">
-                <a:latin typeface="맑은 고딕" charset="0"/>
-                <a:ea typeface="맑은 고딕" charset="0"/>
-              </a:rPr>
-              <a:t>로그인</a:t>
-            </a:r>
-            <a:r>
-              <a:rPr lang="ko-KR" sz="1800">
-                <a:latin typeface="맑은 고딕" charset="0"/>
-                <a:ea typeface="맑은 고딕" charset="0"/>
-              </a:rPr>
-              <a:t> 인증 절차를 </a:t>
-            </a:r>
-            <a:r>
-              <a:rPr lang="ko-KR" sz="1800">
-                <a:latin typeface="맑은 고딕" charset="0"/>
-                <a:ea typeface="맑은 고딕" charset="0"/>
-              </a:rPr>
-              <a:t>확인합니다.</a:t>
-            </a:r>
-            <a:endParaRPr lang="ko-KR" altLang="en-US" sz="1800">
-              <a:latin typeface="맑은 고딕" charset="0"/>
-              <a:ea typeface="맑은 고딕" charset="0"/>
-            </a:endParaRPr>
-          </a:p>
         </p:txBody>
       </p:sp>
       <p:pic>
         <p:nvPicPr>
-          <p:cNvPr id="68" name="그림 39" descr="C:/Users/Admin1/AppData/Roaming/PolarisOffice/ETemp/20844_15003384/fImage835913849358.png"/>
+          <p:cNvPr id="69" name="그림 50" descr="C:/Users/nwond/AppData/Roaming/PolarisOffice/ETemp/21888_20881416/fImage87493874464.png"/>
           <p:cNvPicPr>
             <a:picLocks noChangeAspect="1"/>
           </p:cNvPicPr>
           <p:nvPr/>
         </p:nvPicPr>
         <p:blipFill rotWithShape="1">
-          <a:blip r:embed="rId7" cstate="print">
+          <a:blip r:embed="rId14" cstate="hqprint">
             <a:extLst>
               <a:ext uri="{28A0092B-C50C-407E-A947-70E740481C1C}">
-                <a14:useLocalDpi xmlns:a14="http://schemas.microsoft.com/office/drawing/2010/main" val="0"/>
+                <a14:useLocalDpi xmlns:a14="http://schemas.microsoft.com/office/drawing/2010/main"/>
               </a:ext>
             </a:extLst>
           </a:blip>
@@ -13282,8 +12964,8 @@
         </p:blipFill>
         <p:spPr>
           <a:xfrm rot="0">
-            <a:off x="6805295" y="1515745"/>
-            <a:ext cx="4143375" cy="2438400"/>
+            <a:off x="1249045" y="1447165"/>
+            <a:ext cx="1267460" cy="1175385"/>
           </a:xfrm>
           <a:prstGeom prst="roundRect"/>
           <a:solidFill>
@@ -13293,17 +12975,17 @@
       </p:pic>
       <p:pic>
         <p:nvPicPr>
-          <p:cNvPr id="69" name="그림 46" descr="C:/Users/Admin1/AppData/Roaming/PolarisOffice/ETemp/20844_15003384/fImage431123856962.png"/>
+          <p:cNvPr id="70" name="그림 55" descr="C:/Users/nwond/AppData/Roaming/PolarisOffice/ETemp/21888_20881416/fImage115533885705.png"/>
           <p:cNvPicPr>
             <a:picLocks noChangeAspect="1"/>
           </p:cNvPicPr>
           <p:nvPr/>
         </p:nvPicPr>
         <p:blipFill rotWithShape="1">
-          <a:blip r:embed="rId8" cstate="print">
+          <a:blip r:embed="rId15" cstate="hqprint">
             <a:extLst>
               <a:ext uri="{28A0092B-C50C-407E-A947-70E740481C1C}">
-                <a14:useLocalDpi xmlns:a14="http://schemas.microsoft.com/office/drawing/2010/main" val="0"/>
+                <a14:useLocalDpi xmlns:a14="http://schemas.microsoft.com/office/drawing/2010/main"/>
               </a:ext>
             </a:extLst>
           </a:blip>
@@ -13313,8 +12995,463 @@
         </p:blipFill>
         <p:spPr>
           <a:xfrm rot="0">
-            <a:off x="1231900" y="1507490"/>
-            <a:ext cx="4144010" cy="2455545"/>
+            <a:off x="2604770" y="1447165"/>
+            <a:ext cx="2762885" cy="1185545"/>
+          </a:xfrm>
+          <a:prstGeom prst="roundRect"/>
+          <a:solidFill>
+            <a:srgbClr val="EDEDED"/>
+          </a:solidFill>
+        </p:spPr>
+      </p:pic>
+      <p:cxnSp>
+        <p:nvCxnSpPr>
+          <p:cNvPr id="71" name="도형 58"/>
+          <p:cNvCxnSpPr/>
+          <p:nvPr/>
+        </p:nvCxnSpPr>
+        <p:spPr>
+          <a:xfrm rot="0" flipV="1">
+            <a:off x="2245995" y="2022475"/>
+            <a:ext cx="3031490" cy="103505"/>
+          </a:xfrm>
+          <a:prstGeom prst="straightConnector1"/>
+          <a:ln w="6350" cap="flat" cmpd="sng">
+            <a:prstDash/>
+            <a:tailEnd type="triangle" w="med" len="med"/>
+          </a:ln>
+        </p:spPr>
+        <p:style>
+          <a:lnRef idx="1">
+            <a:schemeClr val="accent1"/>
+          </a:lnRef>
+          <a:fillRef idx="0">
+            <a:schemeClr val="accent1"/>
+          </a:fillRef>
+          <a:effectRef idx="0">
+            <a:schemeClr val="accent1"/>
+          </a:effectRef>
+          <a:fontRef idx="minor">
+            <a:schemeClr val="tx1"/>
+          </a:fontRef>
+        </p:style>
+      </p:cxnSp>
+      <p:sp>
+        <p:nvSpPr>
+          <p:cNvPr id="72" name="텍스트 상자 59"/>
+          <p:cNvSpPr txBox="1">
+            <a:spLocks/>
+          </p:cNvSpPr>
+          <p:nvPr/>
+        </p:nvSpPr>
+        <p:spPr>
+          <a:xfrm rot="0">
+            <a:off x="1235075" y="2717165"/>
+            <a:ext cx="4126865" cy="954405"/>
+          </a:xfrm>
+          <a:prstGeom prst="rect"/>
+          <a:noFill/>
+          <a:ln w="0">
+            <a:noFill/>
+            <a:prstDash/>
+          </a:ln>
+        </p:spPr>
+        <p:txBody>
+          <a:bodyPr wrap="square" lIns="89535" tIns="46355" rIns="89535" bIns="46355" numCol="1" vert="horz" anchor="t">
+            <a:spAutoFit/>
+          </a:bodyPr>
+          <a:lstStyle/>
+          <a:p>
+            <a:pPr marL="0" indent="0" rtl="0" algn="l" defTabSz="914400" eaLnBrk="1" latinLnBrk="0" hangingPunct="1">
+              <a:buFontTx/>
+              <a:buNone/>
+            </a:pPr>
+            <a:r>
+              <a:rPr lang="ko-KR" sz="2000" b="1">
+                <a:solidFill>
+                  <a:srgbClr val="0611F2"/>
+                </a:solidFill>
+                <a:latin typeface="맑은 고딕" charset="0"/>
+                <a:ea typeface="맑은 고딕" charset="0"/>
+              </a:rPr>
+              <a:t>4</a:t>
+            </a:r>
+            <a:r>
+              <a:rPr lang="ko-KR" sz="2000" b="1">
+                <a:solidFill>
+                  <a:srgbClr val="0611F2"/>
+                </a:solidFill>
+                <a:latin typeface="맑은 고딕" charset="0"/>
+                <a:ea typeface="맑은 고딕" charset="0"/>
+              </a:rPr>
+              <a:t>1</a:t>
+            </a:r>
+            <a:r>
+              <a:rPr lang="ko-KR" sz="2000" b="1">
+                <a:solidFill>
+                  <a:srgbClr val="0611F2"/>
+                </a:solidFill>
+                <a:latin typeface="맑은 고딕" charset="0"/>
+                <a:ea typeface="맑은 고딕" charset="0"/>
+              </a:rPr>
+              <a:t>.</a:t>
+            </a:r>
+            <a:r>
+              <a:rPr lang="ko-KR" sz="2000">
+                <a:solidFill>
+                  <a:srgbClr val="0611F2"/>
+                </a:solidFill>
+                <a:latin typeface="맑은 고딕" charset="0"/>
+                <a:ea typeface="맑은 고딕" charset="0"/>
+              </a:rPr>
+              <a:t> </a:t>
+            </a:r>
+            <a:r>
+              <a:rPr lang="ko-KR" sz="1800">
+                <a:latin typeface="맑은 고딕" charset="0"/>
+                <a:ea typeface="맑은 고딕" charset="0"/>
+              </a:rPr>
+              <a:t>그다음</a:t>
+            </a:r>
+            <a:r>
+              <a:rPr lang="ko-KR" sz="1800">
+                <a:latin typeface="맑은 고딕" charset="0"/>
+                <a:ea typeface="맑은 고딕" charset="0"/>
+              </a:rPr>
+              <a:t>으로</a:t>
+            </a:r>
+            <a:r>
+              <a:rPr lang="ko-KR" sz="1800">
+                <a:latin typeface="맑은 고딕" charset="0"/>
+                <a:ea typeface="맑은 고딕" charset="0"/>
+              </a:rPr>
+              <a:t> Photon Setting 스크립트에 있는 Email 변수에 Email Input 오브젝트를 넣어줍니다.</a:t>
+            </a:r>
+            <a:endParaRPr lang="ko-KR" altLang="en-US" sz="1800">
+              <a:latin typeface="맑은 고딕" charset="0"/>
+              <a:ea typeface="맑은 고딕" charset="0"/>
+            </a:endParaRPr>
+          </a:p>
+        </p:txBody>
+      </p:sp>
+      <p:pic>
+        <p:nvPicPr>
+          <p:cNvPr id="73" name="그림 60" descr="C:/Users/nwond/AppData/Roaming/PolarisOffice/ETemp/21888_20881416/fImage121763918145.png"/>
+          <p:cNvPicPr>
+            <a:picLocks noChangeAspect="1"/>
+          </p:cNvPicPr>
+          <p:nvPr/>
+        </p:nvPicPr>
+        <p:blipFill rotWithShape="1">
+          <a:blip r:embed="rId16" cstate="hqprint">
+            <a:extLst>
+              <a:ext uri="{28A0092B-C50C-407E-A947-70E740481C1C}">
+                <a14:useLocalDpi xmlns:a14="http://schemas.microsoft.com/office/drawing/2010/main"/>
+              </a:ext>
+            </a:extLst>
+          </a:blip>
+          <a:stretch>
+            <a:fillRect/>
+          </a:stretch>
+        </p:blipFill>
+        <p:spPr>
+          <a:xfrm rot="0">
+            <a:off x="1228090" y="3755390"/>
+            <a:ext cx="4140200" cy="1510030"/>
+          </a:xfrm>
+          <a:prstGeom prst="roundRect"/>
+          <a:solidFill>
+            <a:srgbClr val="EDEDED"/>
+          </a:solidFill>
+        </p:spPr>
+      </p:pic>
+      <p:pic>
+        <p:nvPicPr>
+          <p:cNvPr id="75" name="그림 64" descr="C:/Users/nwond/AppData/Roaming/PolarisOffice/ETemp/21888_20881416/fImage120743933281.png"/>
+          <p:cNvPicPr>
+            <a:picLocks noChangeAspect="1"/>
+          </p:cNvPicPr>
+          <p:nvPr/>
+        </p:nvPicPr>
+        <p:blipFill rotWithShape="1">
+          <a:blip r:embed="rId17" cstate="hqprint">
+            <a:extLst>
+              <a:ext uri="{28A0092B-C50C-407E-A947-70E740481C1C}">
+                <a14:useLocalDpi xmlns:a14="http://schemas.microsoft.com/office/drawing/2010/main"/>
+              </a:ext>
+            </a:extLst>
+          </a:blip>
+          <a:stretch>
+            <a:fillRect/>
+          </a:stretch>
+        </p:blipFill>
+        <p:spPr>
+          <a:xfrm rot="0">
+            <a:off x="8174990" y="1454785"/>
+            <a:ext cx="2791460" cy="1111885"/>
+          </a:xfrm>
+          <a:prstGeom prst="roundRect"/>
+          <a:solidFill>
+            <a:srgbClr val="EDEDED"/>
+          </a:solidFill>
+        </p:spPr>
+      </p:pic>
+      <p:pic>
+        <p:nvPicPr>
+          <p:cNvPr id="76" name="그림 67" descr="C:/Users/nwond/AppData/Roaming/PolarisOffice/ETemp/21888_20881416/fImage87493946827.png"/>
+          <p:cNvPicPr>
+            <a:picLocks noChangeAspect="1"/>
+          </p:cNvPicPr>
+          <p:nvPr/>
+        </p:nvPicPr>
+        <p:blipFill rotWithShape="1">
+          <a:blip r:embed="rId18" cstate="hqprint">
+            <a:extLst>
+              <a:ext uri="{28A0092B-C50C-407E-A947-70E740481C1C}">
+                <a14:useLocalDpi xmlns:a14="http://schemas.microsoft.com/office/drawing/2010/main"/>
+              </a:ext>
+            </a:extLst>
+          </a:blip>
+          <a:stretch>
+            <a:fillRect/>
+          </a:stretch>
+        </p:blipFill>
+        <p:spPr>
+          <a:xfrm rot="0">
+            <a:off x="6830695" y="1461135"/>
+            <a:ext cx="1247775" cy="1111885"/>
+          </a:xfrm>
+          <a:prstGeom prst="roundRect"/>
+          <a:solidFill>
+            <a:srgbClr val="EDEDED"/>
+          </a:solidFill>
+        </p:spPr>
+      </p:pic>
+      <p:cxnSp>
+        <p:nvCxnSpPr>
+          <p:cNvPr id="77" name="도형 70"/>
+          <p:cNvCxnSpPr/>
+          <p:nvPr/>
+        </p:nvCxnSpPr>
+        <p:spPr>
+          <a:xfrm rot="0" flipV="1">
+            <a:off x="8041640" y="2197735"/>
+            <a:ext cx="2826385" cy="103505"/>
+          </a:xfrm>
+          <a:prstGeom prst="straightConnector1"/>
+          <a:ln w="6350" cap="flat" cmpd="sng">
+            <a:prstDash/>
+            <a:tailEnd type="triangle" w="med" len="med"/>
+          </a:ln>
+        </p:spPr>
+        <p:style>
+          <a:lnRef idx="1">
+            <a:schemeClr val="accent1"/>
+          </a:lnRef>
+          <a:fillRef idx="0">
+            <a:schemeClr val="accent1"/>
+          </a:fillRef>
+          <a:effectRef idx="0">
+            <a:schemeClr val="accent1"/>
+          </a:effectRef>
+          <a:fontRef idx="minor">
+            <a:schemeClr val="tx1"/>
+          </a:fontRef>
+        </p:style>
+      </p:cxnSp>
+      <p:sp>
+        <p:nvSpPr>
+          <p:cNvPr id="78" name="텍스트 상자 71"/>
+          <p:cNvSpPr txBox="1">
+            <a:spLocks/>
+          </p:cNvSpPr>
+          <p:nvPr/>
+        </p:nvSpPr>
+        <p:spPr>
+          <a:xfrm rot="0">
+            <a:off x="6837045" y="2642870"/>
+            <a:ext cx="4121785" cy="954405"/>
+          </a:xfrm>
+          <a:prstGeom prst="rect"/>
+          <a:noFill/>
+          <a:ln w="0">
+            <a:noFill/>
+            <a:prstDash/>
+          </a:ln>
+        </p:spPr>
+        <p:txBody>
+          <a:bodyPr wrap="square" lIns="89535" tIns="46355" rIns="89535" bIns="46355" numCol="1" vert="horz" anchor="t">
+            <a:spAutoFit/>
+          </a:bodyPr>
+          <a:lstStyle/>
+          <a:p>
+            <a:pPr marL="0" indent="0" rtl="0" algn="l" defTabSz="914400" eaLnBrk="1" latinLnBrk="0" hangingPunct="1">
+              <a:buFontTx/>
+              <a:buNone/>
+            </a:pPr>
+            <a:r>
+              <a:rPr lang="ko-KR" sz="2000" b="1">
+                <a:solidFill>
+                  <a:srgbClr val="0611F2"/>
+                </a:solidFill>
+                <a:latin typeface="맑은 고딕" charset="0"/>
+                <a:ea typeface="맑은 고딕" charset="0"/>
+              </a:rPr>
+              <a:t>4</a:t>
+            </a:r>
+            <a:r>
+              <a:rPr lang="ko-KR" sz="2000" b="1">
+                <a:solidFill>
+                  <a:srgbClr val="0611F2"/>
+                </a:solidFill>
+                <a:latin typeface="맑은 고딕" charset="0"/>
+                <a:ea typeface="맑은 고딕" charset="0"/>
+              </a:rPr>
+              <a:t>3</a:t>
+            </a:r>
+            <a:r>
+              <a:rPr lang="ko-KR" sz="2000" b="1">
+                <a:solidFill>
+                  <a:srgbClr val="0611F2"/>
+                </a:solidFill>
+                <a:latin typeface="맑은 고딕" charset="0"/>
+                <a:ea typeface="맑은 고딕" charset="0"/>
+              </a:rPr>
+              <a:t>.</a:t>
+            </a:r>
+            <a:r>
+              <a:rPr lang="ko-KR" sz="2000">
+                <a:solidFill>
+                  <a:srgbClr val="0611F2"/>
+                </a:solidFill>
+                <a:latin typeface="맑은 고딕" charset="0"/>
+                <a:ea typeface="맑은 고딕" charset="0"/>
+              </a:rPr>
+              <a:t> </a:t>
+            </a:r>
+            <a:r>
+              <a:rPr lang="ko-KR" sz="1800">
+                <a:latin typeface="맑은 고딕" charset="0"/>
+                <a:ea typeface="맑은 고딕" charset="0"/>
+              </a:rPr>
+              <a:t>이제 </a:t>
+            </a:r>
+            <a:r>
+              <a:rPr lang="ko-KR" sz="1800">
+                <a:latin typeface="맑은 고딕" charset="0"/>
+                <a:ea typeface="맑은 고딕" charset="0"/>
+              </a:rPr>
+              <a:t>Photon Setting 스크립트에 있는 User ID 변수에 User Name Input 오브젝트를 넣어줍니다.</a:t>
+            </a:r>
+            <a:endParaRPr lang="ko-KR" altLang="en-US" sz="1800">
+              <a:latin typeface="맑은 고딕" charset="0"/>
+              <a:ea typeface="맑은 고딕" charset="0"/>
+            </a:endParaRPr>
+          </a:p>
+        </p:txBody>
+      </p:sp>
+      <p:sp>
+        <p:nvSpPr>
+          <p:cNvPr id="79" name="텍스트 상자 50"/>
+          <p:cNvSpPr txBox="1">
+            <a:spLocks/>
+          </p:cNvSpPr>
+          <p:nvPr/>
+        </p:nvSpPr>
+        <p:spPr>
+          <a:xfrm rot="0">
+            <a:off x="6837680" y="5316220"/>
+            <a:ext cx="4141470" cy="954405"/>
+          </a:xfrm>
+          <a:prstGeom prst="rect"/>
+          <a:noFill/>
+          <a:ln w="0">
+            <a:noFill/>
+            <a:prstDash/>
+          </a:ln>
+        </p:spPr>
+        <p:txBody>
+          <a:bodyPr wrap="square" lIns="89535" tIns="46355" rIns="89535" bIns="46355" numCol="1" vert="horz" anchor="t">
+            <a:spAutoFit/>
+          </a:bodyPr>
+          <a:lstStyle/>
+          <a:p>
+            <a:pPr marL="0" indent="0" rtl="0" algn="l" defTabSz="914400" eaLnBrk="1" latinLnBrk="0" hangingPunct="1">
+              <a:buFontTx/>
+              <a:buNone/>
+            </a:pPr>
+            <a:r>
+              <a:rPr lang="ko-KR" sz="2000" b="1">
+                <a:solidFill>
+                  <a:srgbClr val="0611F2"/>
+                </a:solidFill>
+                <a:latin typeface="맑은 고딕" charset="0"/>
+                <a:ea typeface="맑은 고딕" charset="0"/>
+              </a:rPr>
+              <a:t>44.</a:t>
+            </a:r>
+            <a:r>
+              <a:rPr lang="ko-KR" sz="2000">
+                <a:solidFill>
+                  <a:srgbClr val="0611F2"/>
+                </a:solidFill>
+                <a:latin typeface="맑은 고딕" charset="0"/>
+                <a:ea typeface="맑은 고딕" charset="0"/>
+              </a:rPr>
+              <a:t> </a:t>
+            </a:r>
+            <a:r>
+              <a:rPr lang="ko-KR" sz="1800">
+                <a:latin typeface="맑은 고딕" charset="0"/>
+                <a:ea typeface="맑은 고딕" charset="0"/>
+              </a:rPr>
+              <a:t>그</a:t>
+            </a:r>
+            <a:r>
+              <a:rPr lang="ko-KR" sz="1800">
+                <a:latin typeface="맑은 고딕" charset="0"/>
+                <a:ea typeface="맑은 고딕" charset="0"/>
+              </a:rPr>
+              <a:t>리고</a:t>
+            </a:r>
+            <a:r>
+              <a:rPr lang="ko-KR" sz="1800">
+                <a:latin typeface="맑은 고딕" charset="0"/>
+                <a:ea typeface="맑은 고딕" charset="0"/>
+              </a:rPr>
+              <a:t> UserName Input 오브젝트의 앵커를 지정하고 위치와 크기를 설정합니다.</a:t>
+            </a:r>
+            <a:endParaRPr lang="ko-KR" altLang="en-US" sz="1800">
+              <a:latin typeface="맑은 고딕" charset="0"/>
+              <a:ea typeface="맑은 고딕" charset="0"/>
+            </a:endParaRPr>
+          </a:p>
+        </p:txBody>
+      </p:sp>
+      <p:pic>
+        <p:nvPicPr>
+          <p:cNvPr id="80" name="그림 51" descr="C:/Users/nwond/AppData/Roaming/PolarisOffice/ETemp/21888_20881416/fImage122264054827.png"/>
+          <p:cNvPicPr>
+            <a:picLocks noChangeAspect="1"/>
+          </p:cNvPicPr>
+          <p:nvPr/>
+        </p:nvPicPr>
+        <p:blipFill rotWithShape="1">
+          <a:blip r:embed="rId21" cstate="hqprint">
+            <a:extLst>
+              <a:ext uri="{28A0092B-C50C-407E-A947-70E740481C1C}">
+                <a14:useLocalDpi xmlns:a14="http://schemas.microsoft.com/office/drawing/2010/main"/>
+              </a:ext>
+            </a:extLst>
+          </a:blip>
+          <a:stretch>
+            <a:fillRect/>
+          </a:stretch>
+        </p:blipFill>
+        <p:spPr>
+          <a:xfrm rot="0">
+            <a:off x="6835140" y="3682365"/>
+            <a:ext cx="4129405" cy="1564640"/>
           </a:xfrm>
           <a:prstGeom prst="roundRect"/>
           <a:solidFill>
@@ -13373,7 +13510,7 @@
         <p:spPr>
           <a:xfrm rot="0">
             <a:off x="1229995" y="1337310"/>
-            <a:ext cx="4039235" cy="370840"/>
+            <a:ext cx="4039870" cy="371475"/>
           </a:xfrm>
           <a:prstGeom prst="rect"/>
           <a:noFill/>
@@ -13408,9 +13545,9 @@
           <p:nvPr/>
         </p:nvSpPr>
         <p:spPr>
-          <a:xfrm rot="0">
-            <a:off x="4334510" y="381635"/>
-            <a:ext cx="3522980" cy="554990"/>
+          <a:xfrm>
+            <a:off x="4334510" y="398780"/>
+            <a:ext cx="3523615" cy="554990"/>
           </a:xfrm>
           <a:prstGeom prst="rect"/>
           <a:noFill/>
@@ -13434,7 +13571,14 @@
                 <a:latin typeface="나눔바른고딕" charset="0"/>
                 <a:ea typeface="나눔바른고딕" charset="0"/>
               </a:rPr>
-              <a:t>열여덟</a:t>
+              <a:t>열</a:t>
+            </a:r>
+            <a:r>
+              <a:rPr lang="ko-KR" sz="2500" b="1">
+                <a:latin typeface="나눔바른고딕" charset="0"/>
+                <a:ea typeface="나눔바른고딕" charset="0"/>
+              </a:rPr>
+              <a:t>여덟</a:t>
             </a:r>
             <a:r>
               <a:rPr lang="ko-KR" sz="2500" b="1">
@@ -13459,7 +13603,7 @@
       </p:sp>
       <p:sp>
         <p:nvSpPr>
-          <p:cNvPr id="67" name="텍스트 상자 53"/>
+          <p:cNvPr id="60" name="Rect 0"/>
           <p:cNvSpPr txBox="1">
             <a:spLocks/>
           </p:cNvSpPr>
@@ -13467,8 +13611,8 @@
         </p:nvSpPr>
         <p:spPr>
           <a:xfrm rot="0">
-            <a:off x="1231900" y="5318760"/>
-            <a:ext cx="4144010" cy="954405"/>
+            <a:off x="1231900" y="2644140"/>
+            <a:ext cx="4142105" cy="954405"/>
           </a:xfrm>
           <a:prstGeom prst="rect"/>
           <a:noFill/>
@@ -13505,7 +13649,7 @@
                 <a:latin typeface="맑은 고딕" charset="0"/>
                 <a:ea typeface="맑은 고딕" charset="0"/>
               </a:rPr>
-              <a:t>0</a:t>
+              <a:t>5</a:t>
             </a:r>
             <a:r>
               <a:rPr lang="ko-KR" sz="2000" b="1">
@@ -13532,56 +13676,28 @@
                 <a:latin typeface="맑은 고딕" charset="0"/>
                 <a:ea typeface="맑은 고딕" charset="0"/>
               </a:rPr>
-              <a:t>그다음으로 Password Input </a:t>
-            </a:r>
-            <a:r>
-              <a:rPr lang="ko-KR" sz="1800">
-                <a:latin typeface="맑은 고딕" charset="0"/>
-                <a:ea typeface="맑은 고딕" charset="0"/>
-              </a:rPr>
-              <a:t>오브젝트의</a:t>
-            </a:r>
-            <a:r>
-              <a:rPr lang="ko-KR" sz="1800">
-                <a:latin typeface="맑은 고딕" charset="0"/>
-                <a:ea typeface="맑은 고딕" charset="0"/>
-              </a:rPr>
-              <a:t> </a:t>
-            </a:r>
-            <a:r>
-              <a:rPr lang="ko-KR" sz="1800">
-                <a:latin typeface="맑은 고딕" charset="0"/>
-                <a:ea typeface="맑은 고딕" charset="0"/>
-              </a:rPr>
-              <a:t>앵커를</a:t>
-            </a:r>
-            <a:r>
-              <a:rPr lang="ko-KR" sz="1800">
-                <a:latin typeface="맑은 고딕" charset="0"/>
-                <a:ea typeface="맑은 고딕" charset="0"/>
-              </a:rPr>
-              <a:t> 지정하고 위치와 </a:t>
-            </a:r>
-            <a:r>
-              <a:rPr lang="ko-KR" sz="1800">
-                <a:latin typeface="맑은 고딕" charset="0"/>
-                <a:ea typeface="맑은 고딕" charset="0"/>
-              </a:rPr>
-              <a:t>크기를</a:t>
-            </a:r>
-            <a:r>
-              <a:rPr lang="ko-KR" sz="1800">
-                <a:latin typeface="맑은 고딕" charset="0"/>
-                <a:ea typeface="맑은 고딕" charset="0"/>
-              </a:rPr>
-              <a:t> </a:t>
-            </a:r>
-            <a:r>
-              <a:rPr lang="ko-KR" sz="1800">
-                <a:latin typeface="맑은 고딕" charset="0"/>
-                <a:ea typeface="맑은 고딕" charset="0"/>
-              </a:rPr>
-              <a:t>설정합니다.</a:t>
+              <a:t>그</a:t>
+            </a:r>
+            <a:r>
+              <a:rPr lang="ko-KR" sz="1800">
+                <a:latin typeface="맑은 고딕" charset="0"/>
+                <a:ea typeface="맑은 고딕" charset="0"/>
+              </a:rPr>
+              <a:t>런 </a:t>
+            </a:r>
+            <a:r>
+              <a:rPr lang="ko-KR" sz="1800">
+                <a:latin typeface="맑은 고딕" charset="0"/>
+                <a:ea typeface="맑은 고딕" charset="0"/>
+              </a:rPr>
+              <a:t>다음</a:t>
+            </a:r>
+            <a:r>
+              <a:rPr lang="ko-KR" sz="1800">
+                <a:latin typeface="맑은 고딕" charset="0"/>
+                <a:ea typeface="맑은 고딕" charset="0"/>
+              </a:rPr>
+              <a:t> Sign In Button 오브젝트의 OnClick( ) 함수를 추가합니다.</a:t>
             </a:r>
             <a:endParaRPr lang="ko-KR" altLang="en-US" sz="1800">
               <a:latin typeface="맑은 고딕" charset="0"/>
@@ -13590,19 +13706,145 @@
           </a:p>
         </p:txBody>
       </p:sp>
+      <p:sp>
+        <p:nvSpPr>
+          <p:cNvPr id="67" name="Rect 0"/>
+          <p:cNvSpPr txBox="1">
+            <a:spLocks/>
+          </p:cNvSpPr>
+          <p:nvPr/>
+        </p:nvSpPr>
+        <p:spPr>
+          <a:xfrm rot="0">
+            <a:off x="6816725" y="5249545"/>
+            <a:ext cx="4154170" cy="954405"/>
+          </a:xfrm>
+          <a:prstGeom prst="rect"/>
+          <a:noFill/>
+          <a:ln w="0">
+            <a:noFill/>
+            <a:prstDash/>
+          </a:ln>
+        </p:spPr>
+        <p:txBody>
+          <a:bodyPr wrap="square" lIns="89535" tIns="46355" rIns="89535" bIns="46355" numCol="1" vert="horz" anchor="t">
+            <a:spAutoFit/>
+          </a:bodyPr>
+          <a:lstStyle/>
+          <a:p>
+            <a:pPr marL="0" indent="0" rtl="0" algn="l" defTabSz="914400" eaLnBrk="1" latinLnBrk="0" hangingPunct="1">
+              <a:buFontTx/>
+              <a:buNone/>
+            </a:pPr>
+            <a:r>
+              <a:rPr lang="ko-KR" sz="2000" b="1">
+                <a:solidFill>
+                  <a:srgbClr val="0611F2"/>
+                </a:solidFill>
+                <a:latin typeface="맑은 고딕" charset="0"/>
+                <a:ea typeface="맑은 고딕" charset="0"/>
+              </a:rPr>
+              <a:t>4</a:t>
+            </a:r>
+            <a:r>
+              <a:rPr lang="ko-KR" sz="2000" b="1">
+                <a:solidFill>
+                  <a:srgbClr val="0611F2"/>
+                </a:solidFill>
+                <a:latin typeface="맑은 고딕" charset="0"/>
+                <a:ea typeface="맑은 고딕" charset="0"/>
+              </a:rPr>
+              <a:t>8</a:t>
+            </a:r>
+            <a:r>
+              <a:rPr lang="ko-KR" sz="2000" b="1">
+                <a:solidFill>
+                  <a:srgbClr val="0611F2"/>
+                </a:solidFill>
+                <a:latin typeface="맑은 고딕" charset="0"/>
+                <a:ea typeface="맑은 고딕" charset="0"/>
+              </a:rPr>
+              <a:t>.</a:t>
+            </a:r>
+            <a:r>
+              <a:rPr lang="ko-KR" sz="2000">
+                <a:solidFill>
+                  <a:srgbClr val="0611F2"/>
+                </a:solidFill>
+                <a:latin typeface="맑은 고딕" charset="0"/>
+                <a:ea typeface="맑은 고딕" charset="0"/>
+              </a:rPr>
+              <a:t> </a:t>
+            </a:r>
+            <a:r>
+              <a:rPr lang="ko-KR" sz="1800">
+                <a:latin typeface="맑은 고딕" charset="0"/>
+                <a:ea typeface="맑은 고딕" charset="0"/>
+              </a:rPr>
+              <a:t>이제</a:t>
+            </a:r>
+            <a:r>
+              <a:rPr lang="ko-KR" sz="1800">
+                <a:latin typeface="맑은 고딕" charset="0"/>
+                <a:ea typeface="맑은 고딕" charset="0"/>
+              </a:rPr>
+              <a:t> </a:t>
+            </a:r>
+            <a:r>
+              <a:rPr sz="1800">
+                <a:latin typeface="맑은 고딕" charset="0"/>
+                <a:ea typeface="맑은 고딕" charset="0"/>
+              </a:rPr>
+              <a:t>Sign In Button 오브젝트</a:t>
+            </a:r>
+            <a:r>
+              <a:rPr lang="ko-KR" sz="1800">
+                <a:latin typeface="맑은 고딕" charset="0"/>
+                <a:ea typeface="맑은 고딕" charset="0"/>
+              </a:rPr>
+              <a:t>에 있는</a:t>
+            </a:r>
+            <a:r>
+              <a:rPr sz="1800">
+                <a:latin typeface="맑은 고딕" charset="0"/>
+                <a:ea typeface="맑은 고딕" charset="0"/>
+              </a:rPr>
+              <a:t> On Click( ) 함수에 Login( ) 함수</a:t>
+            </a:r>
+            <a:r>
+              <a:rPr lang="ko-KR" sz="1800">
+                <a:latin typeface="맑은 고딕" charset="0"/>
+                <a:ea typeface="맑은 고딕" charset="0"/>
+              </a:rPr>
+              <a:t>를 </a:t>
+            </a:r>
+            <a:r>
+              <a:rPr sz="1800">
+                <a:latin typeface="맑은 고딕" charset="0"/>
+                <a:ea typeface="맑은 고딕" charset="0"/>
+              </a:rPr>
+              <a:t>등록합니다.</a:t>
+            </a:r>
+            <a:endParaRPr lang="ko-KR" altLang="en-US" sz="1800">
+              <a:latin typeface="맑은 고딕" charset="0"/>
+              <a:ea typeface="맑은 고딕" charset="0"/>
+            </a:endParaRPr>
+          </a:p>
+        </p:txBody>
+      </p:sp>
       <p:pic>
         <p:nvPicPr>
-          <p:cNvPr id="69" name="그림 50" descr="C:/Users/Admin1/AppData/Roaming/PolarisOffice/ETemp/20844_15003384/fImage87493874464.png"/>
+          <p:cNvPr id="68" name="그림 55" descr="C:/Users/nwond/AppData/Roaming/PolarisOffice/ETemp/21888_20881416/fImage30173553281.png"/>
           <p:cNvPicPr>
             <a:picLocks noChangeAspect="1"/>
           </p:cNvPicPr>
           <p:nvPr/>
         </p:nvPicPr>
         <p:blipFill rotWithShape="1">
-          <a:blip r:embed="rId14" cstate="print">
+          <a:blip r:embed="rId2" cstate="hqprint">
             <a:extLst>
               <a:ext uri="{28A0092B-C50C-407E-A947-70E740481C1C}">
-                <a14:useLocalDpi xmlns:a14="http://schemas.microsoft.com/office/drawing/2010/main" val="0"/>
+                <a14:useLocalDpi xmlns:a14="http://schemas.microsoft.com/office/drawing/2010/main"/>
               </a:ext>
             </a:extLst>
           </a:blip>
@@ -13612,8 +13854,8 @@
         </p:blipFill>
         <p:spPr>
           <a:xfrm rot="0">
-            <a:off x="1249045" y="1447165"/>
-            <a:ext cx="1266825" cy="1222375"/>
+            <a:off x="2609850" y="1455420"/>
+            <a:ext cx="2758440" cy="1123315"/>
           </a:xfrm>
           <a:prstGeom prst="roundRect"/>
           <a:solidFill>
@@ -13623,17 +13865,17 @@
       </p:pic>
       <p:pic>
         <p:nvPicPr>
-          <p:cNvPr id="70" name="그림 55" descr="C:/Users/Admin1/AppData/Roaming/PolarisOffice/ETemp/20844_15003384/fImage115533885705.png"/>
+          <p:cNvPr id="71" name="그림 60" descr="C:/Users/nwond/AppData/Roaming/PolarisOffice/ETemp/21888_20881416/fImage5250358491.png"/>
           <p:cNvPicPr>
             <a:picLocks noChangeAspect="1"/>
           </p:cNvPicPr>
           <p:nvPr/>
         </p:nvPicPr>
         <p:blipFill rotWithShape="1">
-          <a:blip r:embed="rId15" cstate="print">
+          <a:blip r:embed="rId5" cstate="hqprint">
             <a:extLst>
               <a:ext uri="{28A0092B-C50C-407E-A947-70E740481C1C}">
-                <a14:useLocalDpi xmlns:a14="http://schemas.microsoft.com/office/drawing/2010/main" val="0"/>
+                <a14:useLocalDpi xmlns:a14="http://schemas.microsoft.com/office/drawing/2010/main"/>
               </a:ext>
             </a:extLst>
           </a:blip>
@@ -13643,8 +13885,8 @@
         </p:blipFill>
         <p:spPr>
           <a:xfrm rot="0">
-            <a:off x="2604770" y="1447165"/>
-            <a:ext cx="2762250" cy="1232535"/>
+            <a:off x="8131810" y="1455420"/>
+            <a:ext cx="2835275" cy="1224915"/>
           </a:xfrm>
           <a:prstGeom prst="roundRect"/>
           <a:solidFill>
@@ -13652,21 +13894,232 @@
           </a:solidFill>
         </p:spPr>
       </p:pic>
+      <p:sp>
+        <p:nvSpPr>
+          <p:cNvPr id="73" name="텍스트 상자 66"/>
+          <p:cNvSpPr txBox="1">
+            <a:spLocks/>
+          </p:cNvSpPr>
+          <p:nvPr/>
+        </p:nvSpPr>
+        <p:spPr>
+          <a:xfrm rot="0">
+            <a:off x="6813550" y="2776855"/>
+            <a:ext cx="4145915" cy="954405"/>
+          </a:xfrm>
+          <a:prstGeom prst="rect"/>
+          <a:noFill/>
+          <a:ln w="0">
+            <a:noFill/>
+            <a:prstDash/>
+          </a:ln>
+        </p:spPr>
+        <p:txBody>
+          <a:bodyPr wrap="square" lIns="89535" tIns="46355" rIns="89535" bIns="46355" numCol="1" vert="horz" anchor="t">
+            <a:spAutoFit/>
+          </a:bodyPr>
+          <a:lstStyle/>
+          <a:p>
+            <a:pPr marL="0" indent="0" rtl="0" algn="l" defTabSz="914400" eaLnBrk="1" latinLnBrk="0" hangingPunct="1">
+              <a:buFontTx/>
+              <a:buNone/>
+            </a:pPr>
+            <a:r>
+              <a:rPr lang="ko-KR" sz="2000" b="1">
+                <a:solidFill>
+                  <a:srgbClr val="0611F2"/>
+                </a:solidFill>
+                <a:latin typeface="맑은 고딕" charset="0"/>
+                <a:ea typeface="맑은 고딕" charset="0"/>
+              </a:rPr>
+              <a:t>4</a:t>
+            </a:r>
+            <a:r>
+              <a:rPr lang="ko-KR" sz="2000" b="1">
+                <a:solidFill>
+                  <a:srgbClr val="0611F2"/>
+                </a:solidFill>
+                <a:latin typeface="맑은 고딕" charset="0"/>
+                <a:ea typeface="맑은 고딕" charset="0"/>
+              </a:rPr>
+              <a:t>7</a:t>
+            </a:r>
+            <a:r>
+              <a:rPr lang="ko-KR" sz="2000" b="1">
+                <a:solidFill>
+                  <a:srgbClr val="0611F2"/>
+                </a:solidFill>
+                <a:latin typeface="맑은 고딕" charset="0"/>
+                <a:ea typeface="맑은 고딕" charset="0"/>
+              </a:rPr>
+              <a:t>.</a:t>
+            </a:r>
+            <a:r>
+              <a:rPr lang="ko-KR" sz="2000">
+                <a:solidFill>
+                  <a:srgbClr val="0611F2"/>
+                </a:solidFill>
+                <a:latin typeface="맑은 고딕" charset="0"/>
+                <a:ea typeface="맑은 고딕" charset="0"/>
+              </a:rPr>
+              <a:t> </a:t>
+            </a:r>
+            <a:r>
+              <a:rPr sz="1800">
+                <a:latin typeface="맑은 고딕" charset="0"/>
+                <a:ea typeface="맑은 고딕" charset="0"/>
+              </a:rPr>
+              <a:t>그</a:t>
+            </a:r>
+            <a:r>
+              <a:rPr sz="1800">
+                <a:latin typeface="맑은 고딕" charset="0"/>
+                <a:ea typeface="맑은 고딕" charset="0"/>
+              </a:rPr>
+              <a:t>러고 </a:t>
+            </a:r>
+            <a:r>
+              <a:rPr sz="1800">
+                <a:latin typeface="맑은 고딕" charset="0"/>
+                <a:ea typeface="맑은 고딕" charset="0"/>
+              </a:rPr>
+              <a:t>나서</a:t>
+            </a:r>
+            <a:r>
+              <a:rPr sz="1800">
+                <a:latin typeface="맑은 고딕" charset="0"/>
+                <a:ea typeface="맑은 고딕" charset="0"/>
+              </a:rPr>
+              <a:t> Sign In Button 오브젝트의 On Click( ) 함수에 Photon S</a:t>
+            </a:r>
+            <a:r>
+              <a:rPr lang="ko-KR" sz="1800">
+                <a:latin typeface="맑은 고딕" charset="0"/>
+                <a:ea typeface="맑은 고딕" charset="0"/>
+              </a:rPr>
+              <a:t>etting</a:t>
+            </a:r>
+            <a:r>
+              <a:rPr sz="1800">
+                <a:latin typeface="맑은 고딕" charset="0"/>
+                <a:ea typeface="맑은 고딕" charset="0"/>
+              </a:rPr>
+              <a:t> 오브젝트를 넣어줍니다.</a:t>
+            </a:r>
+            <a:endParaRPr lang="ko-KR" altLang="en-US" sz="1800">
+              <a:latin typeface="맑은 고딕" charset="0"/>
+              <a:ea typeface="맑은 고딕" charset="0"/>
+            </a:endParaRPr>
+          </a:p>
+        </p:txBody>
+      </p:sp>
+      <p:pic>
+        <p:nvPicPr>
+          <p:cNvPr id="76" name="그림 71" descr="C:/Users/nwond/AppData/Roaming/PolarisOffice/ETemp/21888_20881416/fImage56133631942.png"/>
+          <p:cNvPicPr>
+            <a:picLocks noChangeAspect="1"/>
+          </p:cNvPicPr>
+          <p:nvPr/>
+        </p:nvPicPr>
+        <p:blipFill rotWithShape="1">
+          <a:blip r:embed="rId7" cstate="hqprint">
+            <a:extLst>
+              <a:ext uri="{28A0092B-C50C-407E-A947-70E740481C1C}">
+                <a14:useLocalDpi xmlns:a14="http://schemas.microsoft.com/office/drawing/2010/main"/>
+              </a:ext>
+            </a:extLst>
+          </a:blip>
+          <a:stretch>
+            <a:fillRect/>
+          </a:stretch>
+        </p:blipFill>
+        <p:spPr>
+          <a:xfrm rot="0">
+            <a:off x="6813550" y="3839845"/>
+            <a:ext cx="4150995" cy="1334770"/>
+          </a:xfrm>
+          <a:prstGeom prst="roundRect"/>
+          <a:solidFill>
+            <a:srgbClr val="EDEDED"/>
+          </a:solidFill>
+        </p:spPr>
+      </p:pic>
+      <p:pic>
+        <p:nvPicPr>
+          <p:cNvPr id="77" name="그림 75" descr="C:/Users/nwond/AppData/Roaming/PolarisOffice/ETemp/21888_20881416/fImage86133982995.png"/>
+          <p:cNvPicPr>
+            <a:picLocks noChangeAspect="1"/>
+          </p:cNvPicPr>
+          <p:nvPr/>
+        </p:nvPicPr>
+        <p:blipFill rotWithShape="1">
+          <a:blip r:embed="rId9" cstate="hqprint">
+            <a:extLst>
+              <a:ext uri="{28A0092B-C50C-407E-A947-70E740481C1C}">
+                <a14:useLocalDpi xmlns:a14="http://schemas.microsoft.com/office/drawing/2010/main"/>
+              </a:ext>
+            </a:extLst>
+          </a:blip>
+          <a:stretch>
+            <a:fillRect/>
+          </a:stretch>
+        </p:blipFill>
+        <p:spPr>
+          <a:xfrm rot="0">
+            <a:off x="1240790" y="1455420"/>
+            <a:ext cx="1289685" cy="1121410"/>
+          </a:xfrm>
+          <a:prstGeom prst="roundRect"/>
+          <a:solidFill>
+            <a:srgbClr val="EDEDED"/>
+          </a:solidFill>
+        </p:spPr>
+      </p:pic>
+      <p:pic>
+        <p:nvPicPr>
+          <p:cNvPr id="78" name="그림 78" descr="C:/Users/nwond/AppData/Roaming/PolarisOffice/ETemp/21888_20881416/fImage88133991942.png"/>
+          <p:cNvPicPr>
+            <a:picLocks noChangeAspect="1"/>
+          </p:cNvPicPr>
+          <p:nvPr/>
+        </p:nvPicPr>
+        <p:blipFill rotWithShape="1">
+          <a:blip r:embed="rId10" cstate="hqprint">
+            <a:extLst>
+              <a:ext uri="{28A0092B-C50C-407E-A947-70E740481C1C}">
+                <a14:useLocalDpi xmlns:a14="http://schemas.microsoft.com/office/drawing/2010/main"/>
+              </a:ext>
+            </a:extLst>
+          </a:blip>
+          <a:stretch>
+            <a:fillRect/>
+          </a:stretch>
+        </p:blipFill>
+        <p:spPr>
+          <a:xfrm rot="0">
+            <a:off x="6813550" y="1455420"/>
+            <a:ext cx="1233170" cy="1216025"/>
+          </a:xfrm>
+          <a:prstGeom prst="roundRect"/>
+          <a:solidFill>
+            <a:srgbClr val="EDEDED"/>
+          </a:solidFill>
+        </p:spPr>
+      </p:pic>
       <p:cxnSp>
         <p:nvCxnSpPr>
-          <p:cNvPr id="71" name="도형 58"/>
+          <p:cNvPr id="75" name="도형 70"/>
           <p:cNvCxnSpPr/>
           <p:nvPr/>
         </p:nvCxnSpPr>
         <p:spPr>
           <a:xfrm rot="0" flipV="1">
-            <a:off x="2239645" y="2041525"/>
-            <a:ext cx="3049905" cy="138430"/>
+            <a:off x="7838440" y="2162175"/>
+            <a:ext cx="1189990" cy="414655"/>
           </a:xfrm>
           <a:prstGeom prst="straightConnector1"/>
           <a:ln w="6350" cap="flat" cmpd="sng">
             <a:prstDash/>
-            <a:headEnd type="none" w="med" len="med"/>
             <a:tailEnd type="triangle" w="med" len="med"/>
           </a:ln>
         </p:spPr>
@@ -13687,7 +14140,7 @@
       </p:cxnSp>
       <p:sp>
         <p:nvSpPr>
-          <p:cNvPr id="72" name="텍스트 상자 59"/>
+          <p:cNvPr id="79" name="텍스트 상자 87"/>
           <p:cNvSpPr txBox="1">
             <a:spLocks/>
           </p:cNvSpPr>
@@ -13695,8 +14148,8 @@
         </p:nvSpPr>
         <p:spPr>
           <a:xfrm rot="0">
-            <a:off x="1235075" y="2777490"/>
-            <a:ext cx="4140835" cy="954405"/>
+            <a:off x="1229360" y="4984115"/>
+            <a:ext cx="4138930" cy="1231265"/>
           </a:xfrm>
           <a:prstGeom prst="rect"/>
           <a:noFill/>
@@ -13723,7 +14176,7 @@
                 <a:latin typeface="맑은 고딕" charset="0"/>
                 <a:ea typeface="맑은 고딕" charset="0"/>
               </a:rPr>
-              <a:t>3</a:t>
+              <a:t>4</a:t>
             </a:r>
             <a:r>
               <a:rPr lang="ko-KR" sz="2000" b="1">
@@ -13733,7 +14186,7 @@
                 <a:latin typeface="맑은 고딕" charset="0"/>
                 <a:ea typeface="맑은 고딕" charset="0"/>
               </a:rPr>
-              <a:t>9</a:t>
+              <a:t>6</a:t>
             </a:r>
             <a:r>
               <a:rPr lang="ko-KR" sz="2000" b="1">
@@ -13760,56 +14213,21 @@
                 <a:latin typeface="맑은 고딕" charset="0"/>
                 <a:ea typeface="맑은 고딕" charset="0"/>
               </a:rPr>
-              <a:t>그런 다음 Photon Setting </a:t>
-            </a:r>
-            <a:r>
-              <a:rPr lang="ko-KR" sz="1800">
-                <a:latin typeface="맑은 고딕" charset="0"/>
-                <a:ea typeface="맑은 고딕" charset="0"/>
-              </a:rPr>
-              <a:t>스크립트에</a:t>
-            </a:r>
-            <a:r>
-              <a:rPr lang="ko-KR" sz="1800">
-                <a:latin typeface="맑은 고딕" charset="0"/>
-                <a:ea typeface="맑은 고딕" charset="0"/>
-              </a:rPr>
-              <a:t> </a:t>
-            </a:r>
-            <a:r>
-              <a:rPr lang="ko-KR" sz="1800">
-                <a:latin typeface="맑은 고딕" charset="0"/>
-                <a:ea typeface="맑은 고딕" charset="0"/>
-              </a:rPr>
-              <a:t>있는</a:t>
-            </a:r>
-            <a:r>
-              <a:rPr lang="ko-KR" sz="1800">
-                <a:latin typeface="맑은 고딕" charset="0"/>
-                <a:ea typeface="맑은 고딕" charset="0"/>
-              </a:rPr>
-              <a:t> Email 변수에 Email </a:t>
-            </a:r>
-            <a:r>
-              <a:rPr lang="ko-KR" sz="1800">
-                <a:latin typeface="맑은 고딕" charset="0"/>
-                <a:ea typeface="맑은 고딕" charset="0"/>
-              </a:rPr>
-              <a:t>Input</a:t>
-            </a:r>
-            <a:r>
-              <a:rPr lang="ko-KR" sz="1800">
-                <a:latin typeface="맑은 고딕" charset="0"/>
-                <a:ea typeface="맑은 고딕" charset="0"/>
-              </a:rPr>
-              <a:t> 오브젝트를</a:t>
-            </a:r>
-            <a:r>
-              <a:rPr lang="ko-KR" sz="1800">
-                <a:latin typeface="맑은 고딕" charset="0"/>
-                <a:ea typeface="맑은 고딕" charset="0"/>
-              </a:rPr>
-              <a:t> 넣어줍니다.</a:t>
+              <a:t>그다음</a:t>
+            </a:r>
+            <a:r>
+              <a:rPr lang="ko-KR" sz="1800">
+                <a:latin typeface="맑은 고딕" charset="0"/>
+                <a:ea typeface="맑은 고딕" charset="0"/>
+              </a:rPr>
+              <a:t>으로</a:t>
+            </a:r>
+            <a:r>
+              <a:rPr lang="ko-KR" sz="1800">
+                <a:latin typeface="맑은 고딕" charset="0"/>
+                <a:ea typeface="맑은 고딕" charset="0"/>
+              </a:rPr>
+              <a:t> Photon Setting 스크립트에 있는 Password 변수에 Password Input 오브젝트를 넣어줍니다.</a:t>
             </a:r>
             <a:endParaRPr lang="ko-KR" altLang="en-US" sz="1800">
               <a:latin typeface="맑은 고딕" charset="0"/>
@@ -13820,17 +14238,17 @@
       </p:sp>
       <p:pic>
         <p:nvPicPr>
-          <p:cNvPr id="73" name="그림 60" descr="C:/Users/Admin1/AppData/Roaming/PolarisOffice/ETemp/20844_15003384/fImage121763918145.png"/>
+          <p:cNvPr id="81" name="그림 43" descr="C:/Users/nwond/AppData/Roaming/PolarisOffice/ETemp/21888_20881416/fImage87784069961.png"/>
           <p:cNvPicPr>
             <a:picLocks noChangeAspect="1"/>
           </p:cNvPicPr>
           <p:nvPr/>
         </p:nvPicPr>
         <p:blipFill rotWithShape="1">
-          <a:blip r:embed="rId16" cstate="print">
+          <a:blip r:embed="rId12" cstate="hqprint">
             <a:extLst>
               <a:ext uri="{28A0092B-C50C-407E-A947-70E740481C1C}">
-                <a14:useLocalDpi xmlns:a14="http://schemas.microsoft.com/office/drawing/2010/main" val="0"/>
+                <a14:useLocalDpi xmlns:a14="http://schemas.microsoft.com/office/drawing/2010/main"/>
               </a:ext>
             </a:extLst>
           </a:blip>
@@ -13840,8 +14258,8 @@
         </p:blipFill>
         <p:spPr>
           <a:xfrm rot="0">
-            <a:off x="1228090" y="3875405"/>
-            <a:ext cx="4147820" cy="1370330"/>
+            <a:off x="1237615" y="3695065"/>
+            <a:ext cx="1292860" cy="1214120"/>
           </a:xfrm>
           <a:prstGeom prst="roundRect"/>
           <a:solidFill>
@@ -13851,17 +14269,17 @@
       </p:pic>
       <p:pic>
         <p:nvPicPr>
-          <p:cNvPr id="75" name="그림 64" descr="C:/Users/Admin1/AppData/Roaming/PolarisOffice/ETemp/20844_15003384/fImage120743933281.png"/>
+          <p:cNvPr id="82" name="그림 44" descr="C:/Users/nwond/AppData/Roaming/PolarisOffice/ETemp/21888_20881416/fImage12563407491.png"/>
           <p:cNvPicPr>
             <a:picLocks noChangeAspect="1"/>
           </p:cNvPicPr>
           <p:nvPr/>
         </p:nvPicPr>
         <p:blipFill rotWithShape="1">
-          <a:blip r:embed="rId17" cstate="print">
+          <a:blip r:embed="rId13" cstate="hqprint">
             <a:extLst>
               <a:ext uri="{28A0092B-C50C-407E-A947-70E740481C1C}">
-                <a14:useLocalDpi xmlns:a14="http://schemas.microsoft.com/office/drawing/2010/main" val="0"/>
+                <a14:useLocalDpi xmlns:a14="http://schemas.microsoft.com/office/drawing/2010/main"/>
               </a:ext>
             </a:extLst>
           </a:blip>
@@ -13871,8 +14289,8 @@
         </p:blipFill>
         <p:spPr>
           <a:xfrm rot="0">
-            <a:off x="8217535" y="1438275"/>
-            <a:ext cx="2748280" cy="1232535"/>
+            <a:off x="2614930" y="3694430"/>
+            <a:ext cx="2759075" cy="1214755"/>
           </a:xfrm>
           <a:prstGeom prst="roundRect"/>
           <a:solidFill>
@@ -13880,470 +14298,20 @@
           </a:solidFill>
         </p:spPr>
       </p:pic>
-      <p:pic>
-        <p:nvPicPr>
-          <p:cNvPr id="76" name="그림 67" descr="C:/Users/Admin1/AppData/Roaming/PolarisOffice/ETemp/20844_15003384/fImage87493946827.png"/>
-          <p:cNvPicPr>
-            <a:picLocks noChangeAspect="1"/>
-          </p:cNvPicPr>
-          <p:nvPr/>
-        </p:nvPicPr>
-        <p:blipFill rotWithShape="1">
-          <a:blip r:embed="rId18" cstate="print">
-            <a:extLst>
-              <a:ext uri="{28A0092B-C50C-407E-A947-70E740481C1C}">
-                <a14:useLocalDpi xmlns:a14="http://schemas.microsoft.com/office/drawing/2010/main" val="0"/>
-              </a:ext>
-            </a:extLst>
-          </a:blip>
-          <a:stretch>
-            <a:fillRect/>
-          </a:stretch>
-        </p:blipFill>
-        <p:spPr>
-          <a:xfrm rot="0">
-            <a:off x="6830695" y="1447165"/>
-            <a:ext cx="1283970" cy="1223645"/>
-          </a:xfrm>
-          <a:prstGeom prst="roundRect"/>
-          <a:solidFill>
-            <a:srgbClr val="EDEDED"/>
-          </a:solidFill>
-        </p:spPr>
-      </p:pic>
       <p:cxnSp>
         <p:nvCxnSpPr>
-          <p:cNvPr id="77" name="도형 70"/>
+          <p:cNvPr id="84" name="도형 46"/>
           <p:cNvCxnSpPr/>
           <p:nvPr/>
         </p:nvCxnSpPr>
         <p:spPr>
-          <a:xfrm rot="0" flipV="1">
-            <a:off x="8070850" y="2265045"/>
-            <a:ext cx="2809240" cy="130175"/>
+          <a:xfrm rot="0">
+            <a:off x="2414905" y="4504055"/>
+            <a:ext cx="2874645" cy="217805"/>
           </a:xfrm>
           <a:prstGeom prst="straightConnector1"/>
           <a:ln w="6350" cap="flat" cmpd="sng">
             <a:prstDash/>
-            <a:headEnd type="none" w="med" len="med"/>
-            <a:tailEnd type="triangle" w="med" len="med"/>
-          </a:ln>
-        </p:spPr>
-        <p:style>
-          <a:lnRef idx="1">
-            <a:schemeClr val="accent1"/>
-          </a:lnRef>
-          <a:fillRef idx="0">
-            <a:schemeClr val="accent1"/>
-          </a:fillRef>
-          <a:effectRef idx="0">
-            <a:schemeClr val="accent1"/>
-          </a:effectRef>
-          <a:fontRef idx="minor">
-            <a:schemeClr val="tx1"/>
-          </a:fontRef>
-        </p:style>
-      </p:cxnSp>
-      <p:sp>
-        <p:nvSpPr>
-          <p:cNvPr id="78" name="텍스트 상자 71"/>
-          <p:cNvSpPr txBox="1">
-            <a:spLocks/>
-          </p:cNvSpPr>
-          <p:nvPr/>
-        </p:nvSpPr>
-        <p:spPr>
-          <a:xfrm rot="0">
-            <a:off x="6837045" y="2806065"/>
-            <a:ext cx="4128770" cy="954405"/>
-          </a:xfrm>
-          <a:prstGeom prst="rect"/>
-          <a:noFill/>
-          <a:ln w="0">
-            <a:noFill/>
-            <a:prstDash/>
-          </a:ln>
-        </p:spPr>
-        <p:txBody>
-          <a:bodyPr wrap="square" lIns="89535" tIns="46355" rIns="89535" bIns="46355" numCol="1" vert="horz" anchor="t">
-            <a:spAutoFit/>
-          </a:bodyPr>
-          <a:lstStyle/>
-          <a:p>
-            <a:pPr marL="0" indent="0" rtl="0" algn="l" defTabSz="914400" eaLnBrk="1" latinLnBrk="0" hangingPunct="1">
-              <a:buFontTx/>
-              <a:buNone/>
-            </a:pPr>
-            <a:r>
-              <a:rPr lang="ko-KR" sz="2000" b="1">
-                <a:solidFill>
-                  <a:srgbClr val="0611F2"/>
-                </a:solidFill>
-                <a:latin typeface="맑은 고딕" charset="0"/>
-                <a:ea typeface="맑은 고딕" charset="0"/>
-              </a:rPr>
-              <a:t>4</a:t>
-            </a:r>
-            <a:r>
-              <a:rPr lang="ko-KR" sz="2000" b="1">
-                <a:solidFill>
-                  <a:srgbClr val="0611F2"/>
-                </a:solidFill>
-                <a:latin typeface="맑은 고딕" charset="0"/>
-                <a:ea typeface="맑은 고딕" charset="0"/>
-              </a:rPr>
-              <a:t>1</a:t>
-            </a:r>
-            <a:r>
-              <a:rPr lang="ko-KR" sz="2000" b="1">
-                <a:solidFill>
-                  <a:srgbClr val="0611F2"/>
-                </a:solidFill>
-                <a:latin typeface="맑은 고딕" charset="0"/>
-                <a:ea typeface="맑은 고딕" charset="0"/>
-              </a:rPr>
-              <a:t>.</a:t>
-            </a:r>
-            <a:r>
-              <a:rPr lang="ko-KR" sz="2000">
-                <a:solidFill>
-                  <a:srgbClr val="0611F2"/>
-                </a:solidFill>
-                <a:latin typeface="맑은 고딕" charset="0"/>
-                <a:ea typeface="맑은 고딕" charset="0"/>
-              </a:rPr>
-              <a:t> </a:t>
-            </a:r>
-            <a:r>
-              <a:rPr lang="ko-KR" sz="1800">
-                <a:latin typeface="맑은 고딕" charset="0"/>
-                <a:ea typeface="맑은 고딕" charset="0"/>
-              </a:rPr>
-              <a:t>그러고 나서 Photon Setting </a:t>
-            </a:r>
-            <a:r>
-              <a:rPr lang="ko-KR" sz="1800">
-                <a:latin typeface="맑은 고딕" charset="0"/>
-                <a:ea typeface="맑은 고딕" charset="0"/>
-              </a:rPr>
-              <a:t>스크립트에</a:t>
-            </a:r>
-            <a:r>
-              <a:rPr lang="ko-KR" sz="1800">
-                <a:latin typeface="맑은 고딕" charset="0"/>
-                <a:ea typeface="맑은 고딕" charset="0"/>
-              </a:rPr>
-              <a:t> </a:t>
-            </a:r>
-            <a:r>
-              <a:rPr lang="ko-KR" sz="1800">
-                <a:latin typeface="맑은 고딕" charset="0"/>
-                <a:ea typeface="맑은 고딕" charset="0"/>
-              </a:rPr>
-              <a:t>있는</a:t>
-            </a:r>
-            <a:r>
-              <a:rPr lang="ko-KR" sz="1800">
-                <a:latin typeface="맑은 고딕" charset="0"/>
-                <a:ea typeface="맑은 고딕" charset="0"/>
-              </a:rPr>
-              <a:t> </a:t>
-            </a:r>
-            <a:r>
-              <a:rPr lang="ko-KR" sz="1800">
-                <a:latin typeface="맑은 고딕" charset="0"/>
-                <a:ea typeface="맑은 고딕" charset="0"/>
-              </a:rPr>
-              <a:t>User ID</a:t>
-            </a:r>
-            <a:r>
-              <a:rPr lang="ko-KR" sz="1800">
-                <a:latin typeface="맑은 고딕" charset="0"/>
-                <a:ea typeface="맑은 고딕" charset="0"/>
-              </a:rPr>
-              <a:t> 변수에 </a:t>
-            </a:r>
-            <a:r>
-              <a:rPr lang="ko-KR" sz="1800">
-                <a:latin typeface="맑은 고딕" charset="0"/>
-                <a:ea typeface="맑은 고딕" charset="0"/>
-              </a:rPr>
-              <a:t>User</a:t>
-            </a:r>
-            <a:r>
-              <a:rPr lang="ko-KR" sz="1800">
-                <a:latin typeface="맑은 고딕" charset="0"/>
-                <a:ea typeface="맑은 고딕" charset="0"/>
-              </a:rPr>
-              <a:t> </a:t>
-            </a:r>
-            <a:r>
-              <a:rPr lang="ko-KR" sz="1800">
-                <a:latin typeface="맑은 고딕" charset="0"/>
-                <a:ea typeface="맑은 고딕" charset="0"/>
-              </a:rPr>
-              <a:t>Name</a:t>
-            </a:r>
-            <a:r>
-              <a:rPr lang="ko-KR" sz="1800">
-                <a:latin typeface="맑은 고딕" charset="0"/>
-                <a:ea typeface="맑은 고딕" charset="0"/>
-              </a:rPr>
-              <a:t> </a:t>
-            </a:r>
-            <a:r>
-              <a:rPr lang="ko-KR" sz="1800">
-                <a:latin typeface="맑은 고딕" charset="0"/>
-                <a:ea typeface="맑은 고딕" charset="0"/>
-              </a:rPr>
-              <a:t>Input 오브젝트를</a:t>
-            </a:r>
-            <a:r>
-              <a:rPr lang="ko-KR" sz="1800">
-                <a:latin typeface="맑은 고딕" charset="0"/>
-                <a:ea typeface="맑은 고딕" charset="0"/>
-              </a:rPr>
-              <a:t> </a:t>
-            </a:r>
-            <a:r>
-              <a:rPr lang="ko-KR" sz="1800">
-                <a:latin typeface="맑은 고딕" charset="0"/>
-                <a:ea typeface="맑은 고딕" charset="0"/>
-              </a:rPr>
-              <a:t>넣어줍니다.</a:t>
-            </a:r>
-            <a:endParaRPr lang="ko-KR" altLang="en-US" sz="1800">
-              <a:latin typeface="맑은 고딕" charset="0"/>
-              <a:ea typeface="맑은 고딕" charset="0"/>
-            </a:endParaRPr>
-          </a:p>
-        </p:txBody>
-      </p:sp>
-      <p:pic>
-        <p:nvPicPr>
-          <p:cNvPr id="79" name="그림 89" descr="C:/Users/Admin1/AppData/Roaming/PolarisOffice/ETemp/20844_15003384/fImage87784069961.png"/>
-          <p:cNvPicPr>
-            <a:picLocks noChangeAspect="1"/>
-          </p:cNvPicPr>
-          <p:nvPr/>
-        </p:nvPicPr>
-        <p:blipFill rotWithShape="1">
-          <a:blip r:embed="rId19" cstate="print">
-            <a:extLst>
-              <a:ext uri="{28A0092B-C50C-407E-A947-70E740481C1C}">
-                <a14:useLocalDpi xmlns:a14="http://schemas.microsoft.com/office/drawing/2010/main" val="0"/>
-              </a:ext>
-            </a:extLst>
-          </a:blip>
-          <a:stretch>
-            <a:fillRect/>
-          </a:stretch>
-        </p:blipFill>
-        <p:spPr>
-          <a:xfrm rot="0">
-            <a:off x="6839585" y="3953510"/>
-            <a:ext cx="1266825" cy="1214755"/>
-          </a:xfrm>
-          <a:prstGeom prst="roundRect"/>
-          <a:solidFill>
-            <a:srgbClr val="EDEDED"/>
-          </a:solidFill>
-        </p:spPr>
-      </p:pic>
-      <p:pic>
-        <p:nvPicPr>
-          <p:cNvPr id="80" name="그림 90" descr="C:/Users/Admin1/AppData/Roaming/PolarisOffice/ETemp/20844_15003384/fImage12563407491.png"/>
-          <p:cNvPicPr>
-            <a:picLocks noChangeAspect="1"/>
-          </p:cNvPicPr>
-          <p:nvPr/>
-        </p:nvPicPr>
-        <p:blipFill rotWithShape="1">
-          <a:blip r:embed="rId20" cstate="print">
-            <a:extLst>
-              <a:ext uri="{28A0092B-C50C-407E-A947-70E740481C1C}">
-                <a14:useLocalDpi xmlns:a14="http://schemas.microsoft.com/office/drawing/2010/main" val="0"/>
-              </a:ext>
-            </a:extLst>
-          </a:blip>
-          <a:stretch>
-            <a:fillRect/>
-          </a:stretch>
-        </p:blipFill>
-        <p:spPr>
-          <a:xfrm rot="0">
-            <a:off x="8217535" y="3953510"/>
-            <a:ext cx="2748280" cy="1198245"/>
-          </a:xfrm>
-          <a:prstGeom prst="roundRect"/>
-          <a:solidFill>
-            <a:srgbClr val="EDEDED"/>
-          </a:solidFill>
-        </p:spPr>
-      </p:pic>
-      <p:sp>
-        <p:nvSpPr>
-          <p:cNvPr id="81" name="텍스트 상자 96"/>
-          <p:cNvSpPr txBox="1">
-            <a:spLocks/>
-          </p:cNvSpPr>
-          <p:nvPr/>
-        </p:nvSpPr>
-        <p:spPr>
-          <a:xfrm rot="0">
-            <a:off x="6847840" y="5315585"/>
-            <a:ext cx="4117975" cy="954405"/>
-          </a:xfrm>
-          <a:prstGeom prst="rect"/>
-          <a:noFill/>
-          <a:ln w="0">
-            <a:noFill/>
-            <a:prstDash/>
-          </a:ln>
-        </p:spPr>
-        <p:txBody>
-          <a:bodyPr wrap="square" lIns="89535" tIns="46355" rIns="89535" bIns="46355" numCol="1" vert="horz" anchor="t">
-            <a:spAutoFit/>
-          </a:bodyPr>
-          <a:lstStyle/>
-          <a:p>
-            <a:pPr marL="0" indent="0" rtl="0" algn="l" defTabSz="914400" eaLnBrk="1" latinLnBrk="0" hangingPunct="1">
-              <a:buFontTx/>
-              <a:buNone/>
-            </a:pPr>
-            <a:r>
-              <a:rPr lang="ko-KR" sz="2000" b="1">
-                <a:solidFill>
-                  <a:srgbClr val="0611F2"/>
-                </a:solidFill>
-                <a:latin typeface="맑은 고딕" charset="0"/>
-                <a:ea typeface="맑은 고딕" charset="0"/>
-              </a:rPr>
-              <a:t>42.</a:t>
-            </a:r>
-            <a:r>
-              <a:rPr lang="ko-KR" sz="2000">
-                <a:solidFill>
-                  <a:srgbClr val="0611F2"/>
-                </a:solidFill>
-                <a:latin typeface="맑은 고딕" charset="0"/>
-                <a:ea typeface="맑은 고딕" charset="0"/>
-              </a:rPr>
-              <a:t> </a:t>
-            </a:r>
-            <a:r>
-              <a:rPr lang="ko-KR" sz="1800">
-                <a:latin typeface="맑은 고딕" charset="0"/>
-                <a:ea typeface="맑은 고딕" charset="0"/>
-              </a:rPr>
-              <a:t>이제 Photon Setting </a:t>
-            </a:r>
-            <a:r>
-              <a:rPr lang="ko-KR" sz="1800">
-                <a:latin typeface="맑은 고딕" charset="0"/>
-                <a:ea typeface="맑은 고딕" charset="0"/>
-              </a:rPr>
-              <a:t>스크립트에</a:t>
-            </a:r>
-            <a:r>
-              <a:rPr lang="ko-KR" sz="1800">
-                <a:latin typeface="맑은 고딕" charset="0"/>
-                <a:ea typeface="맑은 고딕" charset="0"/>
-              </a:rPr>
-              <a:t> </a:t>
-            </a:r>
-            <a:r>
-              <a:rPr lang="ko-KR" sz="1800">
-                <a:latin typeface="맑은 고딕" charset="0"/>
-                <a:ea typeface="맑은 고딕" charset="0"/>
-              </a:rPr>
-              <a:t>있는</a:t>
-            </a:r>
-            <a:r>
-              <a:rPr lang="ko-KR" sz="1800">
-                <a:latin typeface="맑은 고딕" charset="0"/>
-                <a:ea typeface="맑은 고딕" charset="0"/>
-              </a:rPr>
-              <a:t> </a:t>
-            </a:r>
-            <a:r>
-              <a:rPr lang="ko-KR" sz="1800">
-                <a:latin typeface="맑은 고딕" charset="0"/>
-                <a:ea typeface="맑은 고딕" charset="0"/>
-              </a:rPr>
-              <a:t>Password</a:t>
-            </a:r>
-            <a:r>
-              <a:rPr lang="ko-KR" sz="1800">
-                <a:latin typeface="맑은 고딕" charset="0"/>
-                <a:ea typeface="맑은 고딕" charset="0"/>
-              </a:rPr>
-              <a:t> 변수에 </a:t>
-            </a:r>
-            <a:r>
-              <a:rPr lang="ko-KR" sz="1800">
-                <a:latin typeface="맑은 고딕" charset="0"/>
-                <a:ea typeface="맑은 고딕" charset="0"/>
-              </a:rPr>
-              <a:t>Password</a:t>
-            </a:r>
-            <a:r>
-              <a:rPr lang="ko-KR" sz="1800">
-                <a:latin typeface="맑은 고딕" charset="0"/>
-                <a:ea typeface="맑은 고딕" charset="0"/>
-              </a:rPr>
-              <a:t> </a:t>
-            </a:r>
-            <a:r>
-              <a:rPr lang="ko-KR" sz="1800">
-                <a:latin typeface="맑은 고딕" charset="0"/>
-                <a:ea typeface="맑은 고딕" charset="0"/>
-              </a:rPr>
-              <a:t>Input </a:t>
-            </a:r>
-            <a:r>
-              <a:rPr lang="ko-KR" sz="1800">
-                <a:latin typeface="맑은 고딕" charset="0"/>
-                <a:ea typeface="맑은 고딕" charset="0"/>
-              </a:rPr>
-              <a:t>오브젝트를</a:t>
-            </a:r>
-            <a:r>
-              <a:rPr lang="ko-KR" sz="1800">
-                <a:latin typeface="맑은 고딕" charset="0"/>
-                <a:ea typeface="맑은 고딕" charset="0"/>
-              </a:rPr>
-              <a:t> </a:t>
-            </a:r>
-            <a:r>
-              <a:rPr lang="ko-KR" sz="1800">
-                <a:latin typeface="맑은 고딕" charset="0"/>
-                <a:ea typeface="맑은 고딕" charset="0"/>
-              </a:rPr>
-              <a:t>넣어줍니다.</a:t>
-            </a:r>
-            <a:endParaRPr lang="ko-KR" altLang="en-US" sz="1800">
-              <a:latin typeface="맑은 고딕" charset="0"/>
-              <a:ea typeface="맑은 고딕" charset="0"/>
-            </a:endParaRPr>
-          </a:p>
-        </p:txBody>
-      </p:sp>
-      <p:cxnSp>
-        <p:nvCxnSpPr>
-          <p:cNvPr id="82" name="도형 97"/>
-          <p:cNvCxnSpPr/>
-          <p:nvPr/>
-        </p:nvCxnSpPr>
-        <p:spPr>
-          <a:xfrm rot="0">
-            <a:off x="8036560" y="4737735"/>
-            <a:ext cx="2851785" cy="215265"/>
-          </a:xfrm>
-          <a:prstGeom prst="straightConnector1"/>
-          <a:ln w="6350" cap="flat" cmpd="sng">
-            <a:prstDash/>
-            <a:headEnd type="none" w="med" len="med"/>
             <a:tailEnd type="triangle" w="med" len="med"/>
           </a:ln>
         </p:spPr>
@@ -14450,7 +14418,7 @@
         <p:spPr>
           <a:xfrm>
             <a:off x="4334510" y="398780"/>
-            <a:ext cx="3522980" cy="554990"/>
+            <a:ext cx="3523615" cy="554990"/>
           </a:xfrm>
           <a:prstGeom prst="rect"/>
           <a:noFill/>
@@ -14499,7 +14467,7 @@
       </p:sp>
       <p:sp>
         <p:nvSpPr>
-          <p:cNvPr id="60" name="Rect 0"/>
+          <p:cNvPr id="67" name="Rect 0"/>
           <p:cNvSpPr txBox="1">
             <a:spLocks/>
           </p:cNvSpPr>
@@ -14507,8 +14475,8 @@
         </p:nvSpPr>
         <p:spPr>
           <a:xfrm rot="0">
-            <a:off x="1231900" y="2800985"/>
-            <a:ext cx="4144010" cy="677545"/>
+            <a:off x="1256030" y="4422775"/>
+            <a:ext cx="4126865" cy="1784985"/>
           </a:xfrm>
           <a:prstGeom prst="rect"/>
           <a:noFill/>
@@ -14528,7 +14496,7 @@
               <a:buNone/>
             </a:pPr>
             <a:r>
-              <a:rPr lang="ko-KR" sz="2000" b="1">
+              <a:rPr sz="2000" b="1">
                 <a:solidFill>
                   <a:srgbClr val="0611F2"/>
                 </a:solidFill>
@@ -14538,17 +14506,17 @@
               <a:t>4</a:t>
             </a:r>
             <a:r>
-              <a:rPr lang="ko-KR" sz="2000" b="1">
+              <a:rPr sz="2000" b="1">
                 <a:solidFill>
                   <a:srgbClr val="0611F2"/>
                 </a:solidFill>
                 <a:latin typeface="맑은 고딕" charset="0"/>
                 <a:ea typeface="맑은 고딕" charset="0"/>
               </a:rPr>
-              <a:t>3</a:t>
-            </a:r>
-            <a:r>
-              <a:rPr lang="ko-KR" sz="2000" b="1">
+              <a:t>9</a:t>
+            </a:r>
+            <a:r>
+              <a:rPr sz="2000" b="1">
                 <a:solidFill>
                   <a:srgbClr val="0611F2"/>
                 </a:solidFill>
@@ -14558,7 +14526,7 @@
               <a:t>.</a:t>
             </a:r>
             <a:r>
-              <a:rPr lang="ko-KR" sz="2000">
+              <a:rPr sz="2000">
                 <a:solidFill>
                   <a:srgbClr val="0611F2"/>
                 </a:solidFill>
@@ -14568,18 +14536,25 @@
               <a:t> </a:t>
             </a:r>
             <a:r>
-              <a:rPr lang="ko-KR" sz="1800">
-                <a:latin typeface="맑은 고딕" charset="0"/>
-                <a:ea typeface="맑은 고딕" charset="0"/>
-              </a:rPr>
-              <a:t>그리고 Sign In Button </a:t>
-            </a:r>
-            <a:r>
-              <a:rPr lang="ko-KR" sz="1800">
-                <a:latin typeface="맑은 고딕" charset="0"/>
-                <a:ea typeface="맑은 고딕" charset="0"/>
-              </a:rPr>
-              <a:t>오브젝트의</a:t>
+              <a:rPr sz="1800">
+                <a:latin typeface="맑은 고딕" charset="0"/>
+                <a:ea typeface="맑은 고딕" charset="0"/>
+              </a:rPr>
+              <a:t>그</a:t>
+            </a:r>
+            <a:r>
+              <a:rPr sz="1800">
+                <a:latin typeface="맑은 고딕" charset="0"/>
+                <a:ea typeface="맑은 고딕" charset="0"/>
+              </a:rPr>
+              <a:t>리고</a:t>
+            </a:r>
+            <a:r>
+              <a:rPr sz="1800">
+                <a:latin typeface="맑은 고딕" charset="0"/>
+                <a:ea typeface="맑은 고딕" charset="0"/>
+              </a:rPr>
+              <a:t> Texture 폴더 아래에 있는 Login Texture 폴더에 Sign In Button</a:t>
             </a:r>
             <a:r>
               <a:rPr lang="ko-KR" sz="1800">
@@ -14589,249 +14564,63 @@
               <a:t> </a:t>
             </a:r>
             <a:r>
-              <a:rPr lang="ko-KR" sz="1800">
-                <a:latin typeface="맑은 고딕" charset="0"/>
-                <a:ea typeface="맑은 고딕" charset="0"/>
-              </a:rPr>
-              <a:t>OnClick(</a:t>
-            </a:r>
-            <a:r>
-              <a:rPr lang="ko-KR" sz="1800">
-                <a:latin typeface="맑은 고딕" charset="0"/>
-                <a:ea typeface="맑은 고딕" charset="0"/>
-              </a:rPr>
-              <a:t> ) 함수를 </a:t>
-            </a:r>
-            <a:r>
-              <a:rPr lang="ko-KR" sz="1800">
-                <a:latin typeface="맑은 고딕" charset="0"/>
-                <a:ea typeface="맑은 고딕" charset="0"/>
-              </a:rPr>
-              <a:t>추가합니다.</a:t>
+              <a:rPr sz="1800">
+                <a:latin typeface="맑은 고딕" charset="0"/>
+                <a:ea typeface="맑은 고딕" charset="0"/>
+              </a:rPr>
+              <a:t>텍스처를 선택합니다.</a:t>
             </a:r>
             <a:endParaRPr lang="ko-KR" altLang="en-US" sz="1800">
               <a:latin typeface="맑은 고딕" charset="0"/>
               <a:ea typeface="맑은 고딕" charset="0"/>
             </a:endParaRPr>
           </a:p>
-        </p:txBody>
-      </p:sp>
-      <p:sp>
-        <p:nvSpPr>
-          <p:cNvPr id="67" name="Rect 0"/>
-          <p:cNvSpPr txBox="1">
-            <a:spLocks/>
-          </p:cNvSpPr>
-          <p:nvPr/>
-        </p:nvSpPr>
-        <p:spPr>
-          <a:xfrm rot="0">
-            <a:off x="6816725" y="5249545"/>
-            <a:ext cx="4157980" cy="954405"/>
-          </a:xfrm>
-          <a:prstGeom prst="rect"/>
-          <a:noFill/>
-          <a:ln w="0">
-            <a:noFill/>
-            <a:prstDash/>
-          </a:ln>
-        </p:spPr>
-        <p:txBody>
-          <a:bodyPr wrap="square" lIns="89535" tIns="46355" rIns="89535" bIns="46355" numCol="1" vert="horz" anchor="t">
-            <a:spAutoFit/>
-          </a:bodyPr>
-          <a:lstStyle/>
           <a:p>
             <a:pPr marL="0" indent="0" rtl="0" algn="l" defTabSz="914400" eaLnBrk="1" latinLnBrk="0" hangingPunct="1">
               <a:buFontTx/>
               <a:buNone/>
             </a:pPr>
-            <a:r>
-              <a:rPr lang="ko-KR" sz="2000" b="1">
-                <a:solidFill>
-                  <a:srgbClr val="0611F2"/>
-                </a:solidFill>
-                <a:latin typeface="맑은 고딕" charset="0"/>
-                <a:ea typeface="맑은 고딕" charset="0"/>
-              </a:rPr>
-              <a:t>4</a:t>
-            </a:r>
-            <a:r>
-              <a:rPr lang="ko-KR" sz="2000" b="1">
-                <a:solidFill>
-                  <a:srgbClr val="0611F2"/>
-                </a:solidFill>
-                <a:latin typeface="맑은 고딕" charset="0"/>
-                <a:ea typeface="맑은 고딕" charset="0"/>
-              </a:rPr>
-              <a:t>6</a:t>
-            </a:r>
-            <a:r>
-              <a:rPr lang="ko-KR" sz="2000" b="1">
-                <a:solidFill>
-                  <a:srgbClr val="0611F2"/>
-                </a:solidFill>
-                <a:latin typeface="맑은 고딕" charset="0"/>
-                <a:ea typeface="맑은 고딕" charset="0"/>
-              </a:rPr>
-              <a:t>.</a:t>
-            </a:r>
-            <a:r>
-              <a:rPr lang="ko-KR" sz="2000">
-                <a:solidFill>
-                  <a:srgbClr val="0611F2"/>
-                </a:solidFill>
-                <a:latin typeface="맑은 고딕" charset="0"/>
-                <a:ea typeface="맑은 고딕" charset="0"/>
-              </a:rPr>
-              <a:t> </a:t>
-            </a:r>
-            <a:r>
-              <a:rPr lang="ko-KR" sz="1800">
-                <a:latin typeface="맑은 고딕" charset="0"/>
-                <a:ea typeface="맑은 고딕" charset="0"/>
-              </a:rPr>
-              <a:t>그러고 나서 </a:t>
-            </a:r>
-            <a:r>
-              <a:rPr sz="1800">
-                <a:latin typeface="맑은 고딕" charset="0"/>
-                <a:ea typeface="맑은 고딕" charset="0"/>
-              </a:rPr>
-              <a:t>Sign In Button </a:t>
-            </a:r>
-            <a:r>
-              <a:rPr sz="1800">
-                <a:latin typeface="맑은 고딕" charset="0"/>
-                <a:ea typeface="맑은 고딕" charset="0"/>
-              </a:rPr>
-              <a:t>오브젝트</a:t>
-            </a:r>
-            <a:r>
-              <a:rPr lang="ko-KR" sz="1800">
-                <a:latin typeface="맑은 고딕" charset="0"/>
-                <a:ea typeface="맑은 고딕" charset="0"/>
-              </a:rPr>
-              <a:t>에</a:t>
-            </a:r>
-            <a:r>
-              <a:rPr lang="ko-KR" sz="1800">
-                <a:latin typeface="맑은 고딕" charset="0"/>
-                <a:ea typeface="맑은 고딕" charset="0"/>
-              </a:rPr>
-              <a:t> </a:t>
-            </a:r>
-            <a:r>
-              <a:rPr lang="ko-KR" sz="1800">
-                <a:latin typeface="맑은 고딕" charset="0"/>
-                <a:ea typeface="맑은 고딕" charset="0"/>
-              </a:rPr>
-              <a:t>있는</a:t>
-            </a:r>
-            <a:r>
-              <a:rPr sz="1800">
-                <a:latin typeface="맑은 고딕" charset="0"/>
-                <a:ea typeface="맑은 고딕" charset="0"/>
-              </a:rPr>
-              <a:t> </a:t>
-            </a:r>
-            <a:r>
-              <a:rPr sz="1800">
-                <a:latin typeface="맑은 고딕" charset="0"/>
-                <a:ea typeface="맑은 고딕" charset="0"/>
-              </a:rPr>
-              <a:t>On</a:t>
-            </a:r>
-            <a:r>
-              <a:rPr sz="1800">
-                <a:latin typeface="맑은 고딕" charset="0"/>
-                <a:ea typeface="맑은 고딕" charset="0"/>
-              </a:rPr>
-              <a:t> Click( ) 함수에 </a:t>
-            </a:r>
-            <a:r>
-              <a:rPr sz="1800">
-                <a:latin typeface="맑은 고딕" charset="0"/>
-                <a:ea typeface="맑은 고딕" charset="0"/>
-              </a:rPr>
-              <a:t>Login(</a:t>
-            </a:r>
-            <a:r>
-              <a:rPr sz="1800">
-                <a:latin typeface="맑은 고딕" charset="0"/>
-                <a:ea typeface="맑은 고딕" charset="0"/>
-              </a:rPr>
-              <a:t> ) </a:t>
-            </a:r>
-            <a:r>
-              <a:rPr sz="1800">
-                <a:latin typeface="맑은 고딕" charset="0"/>
-                <a:ea typeface="맑은 고딕" charset="0"/>
-              </a:rPr>
-              <a:t>함수</a:t>
-            </a:r>
-            <a:r>
-              <a:rPr lang="ko-KR" sz="1800">
-                <a:latin typeface="맑은 고딕" charset="0"/>
-                <a:ea typeface="맑은 고딕" charset="0"/>
-              </a:rPr>
-              <a:t>를</a:t>
-            </a:r>
-            <a:r>
-              <a:rPr lang="ko-KR" sz="1800">
-                <a:latin typeface="맑은 고딕" charset="0"/>
-                <a:ea typeface="맑은 고딕" charset="0"/>
-              </a:rPr>
-              <a:t> </a:t>
-            </a:r>
-            <a:r>
-              <a:rPr sz="1800">
-                <a:latin typeface="맑은 고딕" charset="0"/>
-                <a:ea typeface="맑은 고딕" charset="0"/>
-              </a:rPr>
-              <a:t>등록합니다.</a:t>
-            </a:r>
             <a:endParaRPr lang="ko-KR" altLang="en-US" sz="1800">
               <a:latin typeface="맑은 고딕" charset="0"/>
               <a:ea typeface="맑은 고딕" charset="0"/>
             </a:endParaRPr>
           </a:p>
+          <a:p>
+            <a:pPr marL="0" indent="0" rtl="0" algn="l" defTabSz="914400" eaLnBrk="1" latinLnBrk="0" hangingPunct="1">
+              <a:buFontTx/>
+              <a:buNone/>
+            </a:pPr>
+            <a:r>
+              <a:rPr sz="1800">
+                <a:latin typeface="맑은 고딕" charset="0"/>
+                <a:ea typeface="맑은 고딕" charset="0"/>
+              </a:rPr>
+              <a:t>그런 </a:t>
+            </a:r>
+            <a:r>
+              <a:rPr sz="1800">
+                <a:latin typeface="맑은 고딕" charset="0"/>
+                <a:ea typeface="맑은 고딕" charset="0"/>
+              </a:rPr>
+              <a:t>다음</a:t>
+            </a:r>
+            <a:r>
+              <a:rPr sz="1800">
+                <a:latin typeface="맑은 고딕" charset="0"/>
+                <a:ea typeface="맑은 고딕" charset="0"/>
+              </a:rPr>
+              <a:t>Sign In Button 오브젝트의 이미지 컴포넌트에 넣어줍니다.</a:t>
+            </a:r>
+            <a:endParaRPr lang="ko-KR" altLang="en-US" sz="1800">
+              <a:latin typeface="맑은 고딕" charset="0"/>
+              <a:ea typeface="맑은 고딕" charset="0"/>
+            </a:endParaRPr>
+          </a:p>
         </p:txBody>
       </p:sp>
       <p:pic>
         <p:nvPicPr>
-          <p:cNvPr id="68" name="그림 55" descr="C:/Users/Admin1/AppData/Roaming/PolarisOffice/ETemp/20844_15003384/fImage30173553281.png"/>
-          <p:cNvPicPr>
-            <a:picLocks noChangeAspect="1"/>
-          </p:cNvPicPr>
-          <p:nvPr/>
-        </p:nvPicPr>
-        <p:blipFill rotWithShape="1">
-          <a:blip r:embed="rId2" cstate="hqprint">
-            <a:extLst>
-              <a:ext uri="{28A0092B-C50C-407E-A947-70E740481C1C}">
-                <a14:useLocalDpi xmlns:a14="http://schemas.microsoft.com/office/drawing/2010/main"/>
-              </a:ext>
-            </a:extLst>
-          </a:blip>
-          <a:stretch>
-            <a:fillRect/>
-          </a:stretch>
-        </p:blipFill>
-        <p:spPr>
-          <a:xfrm rot="0">
-            <a:off x="2609850" y="1455420"/>
-            <a:ext cx="2757805" cy="1224280"/>
-          </a:xfrm>
-          <a:prstGeom prst="roundRect"/>
-          <a:solidFill>
-            <a:srgbClr val="EDEDED"/>
-          </a:solidFill>
-        </p:spPr>
-      </p:pic>
-      <p:pic>
-        <p:nvPicPr>
-          <p:cNvPr id="71" name="그림 60" descr="C:/Users/Admin1/AppData/Roaming/PolarisOffice/ETemp/20844_15003384/fImage5250358491.png"/>
+          <p:cNvPr id="82" name="그림 101" descr="C:/Users/nwond/AppData/Roaming/PolarisOffice/ETemp/21888_20881416/fImage159744078716.png"/>
           <p:cNvPicPr>
             <a:picLocks noChangeAspect="1"/>
           </p:cNvPicPr>
@@ -14851,8 +14640,8 @@
         </p:blipFill>
         <p:spPr>
           <a:xfrm rot="0">
-            <a:off x="8131810" y="1455420"/>
-            <a:ext cx="2834640" cy="1224280"/>
+            <a:off x="1249680" y="1458595"/>
+            <a:ext cx="4130675" cy="1766570"/>
           </a:xfrm>
           <a:prstGeom prst="roundRect"/>
           <a:solidFill>
@@ -14860,177 +14649,16 @@
           </a:solidFill>
         </p:spPr>
       </p:pic>
-      <p:sp>
-        <p:nvSpPr>
-          <p:cNvPr id="73" name="텍스트 상자 66"/>
-          <p:cNvSpPr txBox="1">
-            <a:spLocks/>
-          </p:cNvSpPr>
-          <p:nvPr/>
-        </p:nvSpPr>
-        <p:spPr>
-          <a:xfrm rot="0">
-            <a:off x="6813550" y="2788920"/>
-            <a:ext cx="4145280" cy="954405"/>
-          </a:xfrm>
-          <a:prstGeom prst="rect"/>
-          <a:noFill/>
-          <a:ln w="0">
-            <a:noFill/>
-            <a:prstDash/>
-          </a:ln>
-        </p:spPr>
-        <p:txBody>
-          <a:bodyPr wrap="square" lIns="89535" tIns="46355" rIns="89535" bIns="46355" numCol="1" vert="horz" anchor="t">
-            <a:spAutoFit/>
-          </a:bodyPr>
-          <a:lstStyle/>
-          <a:p>
-            <a:pPr marL="0" indent="0" rtl="0" algn="l" defTabSz="914400" eaLnBrk="1" latinLnBrk="0" hangingPunct="1">
-              <a:buFontTx/>
-              <a:buNone/>
-            </a:pPr>
-            <a:r>
-              <a:rPr lang="ko-KR" sz="2000" b="1">
-                <a:solidFill>
-                  <a:srgbClr val="0611F2"/>
-                </a:solidFill>
-                <a:latin typeface="맑은 고딕" charset="0"/>
-                <a:ea typeface="맑은 고딕" charset="0"/>
-              </a:rPr>
-              <a:t>4</a:t>
-            </a:r>
-            <a:r>
-              <a:rPr lang="ko-KR" sz="2000" b="1">
-                <a:solidFill>
-                  <a:srgbClr val="0611F2"/>
-                </a:solidFill>
-                <a:latin typeface="맑은 고딕" charset="0"/>
-                <a:ea typeface="맑은 고딕" charset="0"/>
-              </a:rPr>
-              <a:t>5</a:t>
-            </a:r>
-            <a:r>
-              <a:rPr lang="ko-KR" sz="2000" b="1">
-                <a:solidFill>
-                  <a:srgbClr val="0611F2"/>
-                </a:solidFill>
-                <a:latin typeface="맑은 고딕" charset="0"/>
-                <a:ea typeface="맑은 고딕" charset="0"/>
-              </a:rPr>
-              <a:t>.</a:t>
-            </a:r>
-            <a:r>
-              <a:rPr lang="ko-KR" sz="2000">
-                <a:solidFill>
-                  <a:srgbClr val="0611F2"/>
-                </a:solidFill>
-                <a:latin typeface="맑은 고딕" charset="0"/>
-                <a:ea typeface="맑은 고딕" charset="0"/>
-              </a:rPr>
-              <a:t> </a:t>
-            </a:r>
-            <a:r>
-              <a:rPr sz="1800">
-                <a:latin typeface="맑은 고딕" charset="0"/>
-                <a:ea typeface="맑은 고딕" charset="0"/>
-              </a:rPr>
-              <a:t>그다음 Sign In Button </a:t>
-            </a:r>
-            <a:r>
-              <a:rPr sz="1800">
-                <a:latin typeface="맑은 고딕" charset="0"/>
-                <a:ea typeface="맑은 고딕" charset="0"/>
-              </a:rPr>
-              <a:t>오브젝트의</a:t>
-            </a:r>
-            <a:r>
-              <a:rPr sz="1800">
-                <a:latin typeface="맑은 고딕" charset="0"/>
-                <a:ea typeface="맑은 고딕" charset="0"/>
-              </a:rPr>
-              <a:t> </a:t>
-            </a:r>
-            <a:r>
-              <a:rPr sz="1800">
-                <a:latin typeface="맑은 고딕" charset="0"/>
-                <a:ea typeface="맑은 고딕" charset="0"/>
-              </a:rPr>
-              <a:t>On</a:t>
-            </a:r>
-            <a:r>
-              <a:rPr sz="1800">
-                <a:latin typeface="맑은 고딕" charset="0"/>
-                <a:ea typeface="맑은 고딕" charset="0"/>
-              </a:rPr>
-              <a:t> </a:t>
-            </a:r>
-            <a:r>
-              <a:rPr sz="1800">
-                <a:latin typeface="맑은 고딕" charset="0"/>
-                <a:ea typeface="맑은 고딕" charset="0"/>
-              </a:rPr>
-              <a:t>Click(</a:t>
-            </a:r>
-            <a:r>
-              <a:rPr sz="1800">
-                <a:latin typeface="맑은 고딕" charset="0"/>
-                <a:ea typeface="맑은 고딕" charset="0"/>
-              </a:rPr>
-              <a:t> ) 함수에 Photon </a:t>
-            </a:r>
-            <a:r>
-              <a:rPr sz="1800">
-                <a:latin typeface="맑은 고딕" charset="0"/>
-                <a:ea typeface="맑은 고딕" charset="0"/>
-              </a:rPr>
-              <a:t>S</a:t>
-            </a:r>
-            <a:r>
-              <a:rPr lang="ko-KR" sz="1800">
-                <a:latin typeface="맑은 고딕" charset="0"/>
-                <a:ea typeface="맑은 고딕" charset="0"/>
-              </a:rPr>
-              <a:t>etting</a:t>
-            </a:r>
-            <a:r>
-              <a:rPr sz="1800">
-                <a:latin typeface="맑은 고딕" charset="0"/>
-                <a:ea typeface="맑은 고딕" charset="0"/>
-              </a:rPr>
-              <a:t> </a:t>
-            </a:r>
-            <a:r>
-              <a:rPr sz="1800">
-                <a:latin typeface="맑은 고딕" charset="0"/>
-                <a:ea typeface="맑은 고딕" charset="0"/>
-              </a:rPr>
-              <a:t>오브젝트를</a:t>
-            </a:r>
-            <a:r>
-              <a:rPr sz="1800">
-                <a:latin typeface="맑은 고딕" charset="0"/>
-                <a:ea typeface="맑은 고딕" charset="0"/>
-              </a:rPr>
-              <a:t> 넣어줍니다.</a:t>
-            </a:r>
-            <a:endParaRPr lang="ko-KR" altLang="en-US" sz="1800">
-              <a:latin typeface="맑은 고딕" charset="0"/>
-              <a:ea typeface="맑은 고딕" charset="0"/>
-            </a:endParaRPr>
-          </a:p>
-        </p:txBody>
-      </p:sp>
       <p:pic>
         <p:nvPicPr>
-          <p:cNvPr id="76" name="그림 71" descr="C:/Users/Admin1/AppData/Roaming/PolarisOffice/ETemp/20844_15003384/fImage56133631942.png"/>
+          <p:cNvPr id="83" name="그림 104" descr="C:/Users/nwond/AppData/Roaming/PolarisOffice/ETemp/21888_20881416/fImage119524089718.png"/>
           <p:cNvPicPr>
             <a:picLocks noChangeAspect="1"/>
           </p:cNvPicPr>
           <p:nvPr/>
         </p:nvPicPr>
         <p:blipFill rotWithShape="1">
-          <a:blip r:embed="rId7" cstate="hqprint">
+          <a:blip r:embed="rId6" cstate="hqprint">
             <a:extLst>
               <a:ext uri="{28A0092B-C50C-407E-A947-70E740481C1C}">
                 <a14:useLocalDpi xmlns:a14="http://schemas.microsoft.com/office/drawing/2010/main"/>
@@ -15043,8 +14671,8 @@
         </p:blipFill>
         <p:spPr>
           <a:xfrm rot="0">
-            <a:off x="6813550" y="3867150"/>
-            <a:ext cx="4152900" cy="1293495"/>
+            <a:off x="1249045" y="3375025"/>
+            <a:ext cx="4131310" cy="1014095"/>
           </a:xfrm>
           <a:prstGeom prst="roundRect"/>
           <a:solidFill>
@@ -15052,78 +14680,16 @@
           </a:solidFill>
         </p:spPr>
       </p:pic>
-      <p:pic>
-        <p:nvPicPr>
-          <p:cNvPr id="77" name="그림 75" descr="C:/Users/Admin1/AppData/Roaming/PolarisOffice/ETemp/20844_15003384/fImage86133982995.png"/>
-          <p:cNvPicPr>
-            <a:picLocks noChangeAspect="1"/>
-          </p:cNvPicPr>
-          <p:nvPr/>
-        </p:nvPicPr>
-        <p:blipFill rotWithShape="1">
-          <a:blip r:embed="rId9" cstate="print">
-            <a:extLst>
-              <a:ext uri="{28A0092B-C50C-407E-A947-70E740481C1C}">
-                <a14:useLocalDpi xmlns:a14="http://schemas.microsoft.com/office/drawing/2010/main" val="0"/>
-              </a:ext>
-            </a:extLst>
-          </a:blip>
-          <a:stretch>
-            <a:fillRect/>
-          </a:stretch>
-        </p:blipFill>
-        <p:spPr>
-          <a:xfrm rot="0">
-            <a:off x="1240790" y="1455420"/>
-            <a:ext cx="1231900" cy="1222375"/>
-          </a:xfrm>
-          <a:prstGeom prst="roundRect"/>
-          <a:solidFill>
-            <a:srgbClr val="EDEDED"/>
-          </a:solidFill>
-        </p:spPr>
-      </p:pic>
-      <p:pic>
-        <p:nvPicPr>
-          <p:cNvPr id="78" name="그림 78" descr="C:/Users/Admin1/AppData/Roaming/PolarisOffice/ETemp/20844_15003384/fImage88133991942.png"/>
-          <p:cNvPicPr>
-            <a:picLocks noChangeAspect="1"/>
-          </p:cNvPicPr>
-          <p:nvPr/>
-        </p:nvPicPr>
-        <p:blipFill rotWithShape="1">
-          <a:blip r:embed="rId10" cstate="print">
-            <a:extLst>
-              <a:ext uri="{28A0092B-C50C-407E-A947-70E740481C1C}">
-                <a14:useLocalDpi xmlns:a14="http://schemas.microsoft.com/office/drawing/2010/main" val="0"/>
-              </a:ext>
-            </a:extLst>
-          </a:blip>
-          <a:stretch>
-            <a:fillRect/>
-          </a:stretch>
-        </p:blipFill>
-        <p:spPr>
-          <a:xfrm rot="0">
-            <a:off x="6813550" y="1455420"/>
-            <a:ext cx="1232535" cy="1215390"/>
-          </a:xfrm>
-          <a:prstGeom prst="roundRect"/>
-          <a:solidFill>
-            <a:srgbClr val="EDEDED"/>
-          </a:solidFill>
-        </p:spPr>
-      </p:pic>
       <p:cxnSp>
         <p:nvCxnSpPr>
-          <p:cNvPr id="75" name="도형 70"/>
+          <p:cNvPr id="84" name="도형 107"/>
           <p:cNvCxnSpPr/>
           <p:nvPr/>
         </p:nvCxnSpPr>
         <p:spPr>
           <a:xfrm rot="0" flipV="1">
-            <a:off x="7838440" y="2162175"/>
-            <a:ext cx="1189355" cy="414020"/>
+            <a:off x="2274570" y="1722755"/>
+            <a:ext cx="2937510" cy="2180590"/>
           </a:xfrm>
           <a:prstGeom prst="straightConnector1"/>
           <a:ln w="6350" cap="flat" cmpd="sng">
@@ -15146,166 +14712,19 @@
           </a:fontRef>
         </p:style>
       </p:cxnSp>
-      <p:sp>
-        <p:nvSpPr>
-          <p:cNvPr id="79" name="텍스트 상자 87"/>
-          <p:cNvSpPr txBox="1">
-            <a:spLocks/>
-          </p:cNvSpPr>
-          <p:nvPr/>
-        </p:nvSpPr>
-        <p:spPr>
-          <a:xfrm rot="0">
-            <a:off x="1229360" y="5243830"/>
-            <a:ext cx="4140835" cy="954405"/>
-          </a:xfrm>
-          <a:prstGeom prst="rect"/>
-          <a:noFill/>
-          <a:ln w="0">
-            <a:noFill/>
-            <a:prstDash/>
-          </a:ln>
-        </p:spPr>
-        <p:txBody>
-          <a:bodyPr wrap="square" lIns="89535" tIns="46355" rIns="89535" bIns="46355" numCol="1" vert="horz" anchor="t">
-            <a:spAutoFit/>
-          </a:bodyPr>
-          <a:lstStyle/>
-          <a:p>
-            <a:pPr marL="0" indent="0" rtl="0" algn="l" defTabSz="914400" eaLnBrk="1" latinLnBrk="0" hangingPunct="1">
-              <a:buFontTx/>
-              <a:buNone/>
-            </a:pPr>
-            <a:r>
-              <a:rPr lang="ko-KR" sz="2000" b="1">
-                <a:solidFill>
-                  <a:srgbClr val="0611F2"/>
-                </a:solidFill>
-                <a:latin typeface="맑은 고딕" charset="0"/>
-                <a:ea typeface="맑은 고딕" charset="0"/>
-              </a:rPr>
-              <a:t>4</a:t>
-            </a:r>
-            <a:r>
-              <a:rPr lang="ko-KR" sz="2000" b="1">
-                <a:solidFill>
-                  <a:srgbClr val="0611F2"/>
-                </a:solidFill>
-                <a:latin typeface="맑은 고딕" charset="0"/>
-                <a:ea typeface="맑은 고딕" charset="0"/>
-              </a:rPr>
-              <a:t>4</a:t>
-            </a:r>
-            <a:r>
-              <a:rPr lang="ko-KR" sz="2000" b="1">
-                <a:solidFill>
-                  <a:srgbClr val="0611F2"/>
-                </a:solidFill>
-                <a:latin typeface="맑은 고딕" charset="0"/>
-                <a:ea typeface="맑은 고딕" charset="0"/>
-              </a:rPr>
-              <a:t>.</a:t>
-            </a:r>
-            <a:r>
-              <a:rPr lang="ko-KR" sz="2000">
-                <a:solidFill>
-                  <a:srgbClr val="0611F2"/>
-                </a:solidFill>
-                <a:latin typeface="맑은 고딕" charset="0"/>
-                <a:ea typeface="맑은 고딕" charset="0"/>
-              </a:rPr>
-              <a:t> </a:t>
-            </a:r>
-            <a:r>
-              <a:rPr lang="ko-KR" sz="1800">
-                <a:latin typeface="맑은 고딕" charset="0"/>
-                <a:ea typeface="맑은 고딕" charset="0"/>
-              </a:rPr>
-              <a:t>그런 다음 UserName Input </a:t>
-            </a:r>
-            <a:r>
-              <a:rPr lang="ko-KR" sz="1800">
-                <a:latin typeface="맑은 고딕" charset="0"/>
-                <a:ea typeface="맑은 고딕" charset="0"/>
-              </a:rPr>
-              <a:t>오브젝트의</a:t>
-            </a:r>
-            <a:r>
-              <a:rPr lang="ko-KR" sz="1800">
-                <a:latin typeface="맑은 고딕" charset="0"/>
-                <a:ea typeface="맑은 고딕" charset="0"/>
-              </a:rPr>
-              <a:t> </a:t>
-            </a:r>
-            <a:r>
-              <a:rPr lang="ko-KR" sz="1800">
-                <a:latin typeface="맑은 고딕" charset="0"/>
-                <a:ea typeface="맑은 고딕" charset="0"/>
-              </a:rPr>
-              <a:t>앵커를</a:t>
-            </a:r>
-            <a:r>
-              <a:rPr lang="ko-KR" sz="1800">
-                <a:latin typeface="맑은 고딕" charset="0"/>
-                <a:ea typeface="맑은 고딕" charset="0"/>
-              </a:rPr>
-              <a:t> </a:t>
-            </a:r>
-            <a:r>
-              <a:rPr lang="ko-KR" sz="1800">
-                <a:latin typeface="맑은 고딕" charset="0"/>
-                <a:ea typeface="맑은 고딕" charset="0"/>
-              </a:rPr>
-              <a:t>지정하고</a:t>
-            </a:r>
-            <a:r>
-              <a:rPr lang="ko-KR" sz="1800">
-                <a:latin typeface="맑은 고딕" charset="0"/>
-                <a:ea typeface="맑은 고딕" charset="0"/>
-              </a:rPr>
-              <a:t> 위치와 </a:t>
-            </a:r>
-            <a:r>
-              <a:rPr lang="ko-KR" sz="1800">
-                <a:latin typeface="맑은 고딕" charset="0"/>
-                <a:ea typeface="맑은 고딕" charset="0"/>
-              </a:rPr>
-              <a:t>크기를</a:t>
-            </a:r>
-            <a:r>
-              <a:rPr lang="ko-KR" sz="1800">
-                <a:latin typeface="맑은 고딕" charset="0"/>
-                <a:ea typeface="맑은 고딕" charset="0"/>
-              </a:rPr>
-              <a:t> </a:t>
-            </a:r>
-            <a:r>
-              <a:rPr lang="ko-KR" sz="1800">
-                <a:latin typeface="맑은 고딕" charset="0"/>
-                <a:ea typeface="맑은 고딕" charset="0"/>
-              </a:rPr>
-              <a:t>설정합니다.</a:t>
-            </a:r>
-            <a:endParaRPr lang="ko-KR" altLang="en-US" sz="1800">
-              <a:latin typeface="맑은 고딕" charset="0"/>
-              <a:ea typeface="맑은 고딕" charset="0"/>
-            </a:endParaRPr>
-          </a:p>
-        </p:txBody>
-      </p:sp>
       <p:pic>
         <p:nvPicPr>
-          <p:cNvPr id="80" name="그림 88" descr="C:/Users/Admin1/AppData/Roaming/PolarisOffice/ETemp/20844_15003384/fImage122264054827.png"/>
+          <p:cNvPr id="85" name="그림 112"/>
           <p:cNvPicPr>
             <a:picLocks noChangeAspect="1"/>
           </p:cNvPicPr>
           <p:nvPr/>
         </p:nvPicPr>
         <p:blipFill rotWithShape="1">
-          <a:blip r:embed="rId11" cstate="print">
+          <a:blip r:embed="rId8" cstate="hqprint">
             <a:extLst>
               <a:ext uri="{28A0092B-C50C-407E-A947-70E740481C1C}">
-                <a14:useLocalDpi xmlns:a14="http://schemas.microsoft.com/office/drawing/2010/main" val="0"/>
+                <a14:useLocalDpi xmlns:a14="http://schemas.microsoft.com/office/drawing/2010/main"/>
               </a:ext>
             </a:extLst>
           </a:blip>
@@ -15315,8 +14734,8 @@
         </p:blipFill>
         <p:spPr>
           <a:xfrm rot="0">
-            <a:off x="1232535" y="3634740"/>
-            <a:ext cx="4143375" cy="1499235"/>
+            <a:off x="6822440" y="1455420"/>
+            <a:ext cx="4144010" cy="3429635"/>
           </a:xfrm>
           <a:prstGeom prst="roundRect"/>
           <a:solidFill>
@@ -15324,6 +14743,90 @@
           </a:solidFill>
         </p:spPr>
       </p:pic>
+      <p:sp>
+        <p:nvSpPr>
+          <p:cNvPr id="86" name="텍스트 상자 113"/>
+          <p:cNvSpPr txBox="1">
+            <a:spLocks/>
+          </p:cNvSpPr>
+          <p:nvPr/>
+        </p:nvSpPr>
+        <p:spPr>
+          <a:xfrm>
+            <a:off x="6831330" y="5068570"/>
+            <a:ext cx="4144010" cy="1139190"/>
+          </a:xfrm>
+          <a:prstGeom prst="rect"/>
+          <a:noFill/>
+        </p:spPr>
+        <p:txBody>
+          <a:bodyPr wrap="square" lIns="0" tIns="0" rIns="0" bIns="0" numCol="1" vert="horz" anchor="t">
+            <a:noAutofit/>
+          </a:bodyPr>
+          <a:lstStyle/>
+          <a:p>
+            <a:pPr marL="0" indent="0" rtl="0" algn="l" defTabSz="914400" eaLnBrk="1" latinLnBrk="0" hangingPunct="1">
+              <a:buFontTx/>
+              <a:buNone/>
+            </a:pPr>
+            <a:r>
+              <a:rPr sz="2000" b="1">
+                <a:solidFill>
+                  <a:srgbClr val="0611F2"/>
+                </a:solidFill>
+                <a:latin typeface="맑은 고딕" charset="0"/>
+                <a:ea typeface="맑은 고딕" charset="0"/>
+              </a:rPr>
+              <a:t>5</a:t>
+            </a:r>
+            <a:r>
+              <a:rPr lang="ko-KR" sz="2000" b="1">
+                <a:solidFill>
+                  <a:srgbClr val="0611F2"/>
+                </a:solidFill>
+                <a:latin typeface="맑은 고딕" charset="0"/>
+                <a:ea typeface="맑은 고딕" charset="0"/>
+              </a:rPr>
+              <a:t>0</a:t>
+            </a:r>
+            <a:r>
+              <a:rPr sz="2000" b="1">
+                <a:solidFill>
+                  <a:srgbClr val="0611F2"/>
+                </a:solidFill>
+                <a:latin typeface="맑은 고딕" charset="0"/>
+                <a:ea typeface="맑은 고딕" charset="0"/>
+              </a:rPr>
+              <a:t>. </a:t>
+            </a:r>
+            <a:r>
+              <a:rPr sz="1800">
+                <a:latin typeface="맑은 고딕" charset="0"/>
+                <a:ea typeface="맑은 고딕" charset="0"/>
+              </a:rPr>
+              <a:t>그</a:t>
+            </a:r>
+            <a:r>
+              <a:rPr sz="1800">
+                <a:latin typeface="맑은 고딕" charset="0"/>
+                <a:ea typeface="맑은 고딕" charset="0"/>
+              </a:rPr>
+              <a:t>다음으로</a:t>
+            </a:r>
+            <a:r>
+              <a:rPr sz="1800">
+                <a:latin typeface="맑은 고딕" charset="0"/>
+                <a:ea typeface="맑은 고딕" charset="0"/>
+              </a:rPr>
+              <a:t> Password Input 오브젝트의 하위 오브젝트에 있는 Text 컴포넌트에 Font size와 Text 내용을 설정한 다음 Alignment를 설정합니다.</a:t>
+            </a:r>
+            <a:endParaRPr lang="ko-KR" altLang="en-US" sz="1800">
+              <a:latin typeface="맑은 고딕" charset="0"/>
+              <a:ea typeface="맑은 고딕" charset="0"/>
+            </a:endParaRPr>
+          </a:p>
+        </p:txBody>
+      </p:sp>
     </p:spTree>
   </p:cSld>
   <p:clrMapOvr>
@@ -15780,7 +15283,7 @@
         <p:spPr>
           <a:xfrm rot="0">
             <a:off x="1229995" y="1337310"/>
-            <a:ext cx="4039870" cy="371475"/>
+            <a:ext cx="4040505" cy="372110"/>
           </a:xfrm>
           <a:prstGeom prst="rect"/>
           <a:noFill/>
@@ -15817,7 +15320,7 @@
         <p:spPr>
           <a:xfrm>
             <a:off x="4334510" y="398780"/>
-            <a:ext cx="3522980" cy="554990"/>
+            <a:ext cx="3523615" cy="554990"/>
           </a:xfrm>
           <a:prstGeom prst="rect"/>
           <a:noFill/>
@@ -15841,14 +15344,7 @@
                 <a:latin typeface="나눔바른고딕" charset="0"/>
                 <a:ea typeface="나눔바른고딕" charset="0"/>
               </a:rPr>
-              <a:t>스물</a:t>
-            </a:r>
-            <a:r>
-              <a:rPr lang="ko-KR" sz="2500" b="1">
-                <a:latin typeface="나눔바른고딕" charset="0"/>
-                <a:ea typeface="나눔바른고딕" charset="0"/>
-              </a:rPr>
-              <a:t> 번째 튜토리얼</a:t>
+              <a:t>스물 번째 튜토리얼</a:t>
             </a:r>
             <a:r>
               <a:rPr sz="3000" b="1">
@@ -15866,7 +15362,7 @@
       </p:sp>
       <p:sp>
         <p:nvSpPr>
-          <p:cNvPr id="72" name="텍스트 상자 84"/>
+          <p:cNvPr id="36" name="텍스트 상자 115"/>
           <p:cNvSpPr txBox="1">
             <a:spLocks/>
           </p:cNvSpPr>
@@ -15874,8 +15370,8 @@
         </p:nvSpPr>
         <p:spPr>
           <a:xfrm rot="0">
-            <a:off x="1229360" y="5278755"/>
-            <a:ext cx="4137660" cy="923925"/>
+            <a:off x="6831330" y="5075555"/>
+            <a:ext cx="4133215" cy="954405"/>
           </a:xfrm>
           <a:prstGeom prst="rect"/>
           <a:noFill/>
@@ -15895,88 +15391,21 @@
               <a:buNone/>
             </a:pPr>
             <a:r>
-              <a:rPr lang="ko-KR" sz="1800">
-                <a:latin typeface="맑은 고딕" charset="0"/>
-                <a:ea typeface="맑은 고딕" charset="0"/>
-              </a:rPr>
-              <a:t>PlayFab</a:t>
-            </a:r>
-            <a:r>
-              <a:rPr lang="ko-KR" sz="1800">
-                <a:latin typeface="맑은 고딕" charset="0"/>
-                <a:ea typeface="맑은 고딕" charset="0"/>
-              </a:rPr>
-              <a:t> API</a:t>
-            </a:r>
-            <a:r>
-              <a:rPr lang="ko-KR" sz="1800">
-                <a:latin typeface="맑은 고딕" charset="0"/>
-                <a:ea typeface="맑은 고딕" charset="0"/>
-              </a:rPr>
-              <a:t>는 </a:t>
-            </a:r>
-            <a:r>
-              <a:rPr lang="ko-KR" sz="1800">
-                <a:latin typeface="맑은 고딕" charset="0"/>
-                <a:ea typeface="맑은 고딕" charset="0"/>
-              </a:rPr>
-              <a:t>호출 후 데이터가 </a:t>
-            </a:r>
-            <a:r>
-              <a:rPr lang="ko-KR" sz="1800">
-                <a:latin typeface="맑은 고딕" charset="0"/>
-                <a:ea typeface="맑은 고딕" charset="0"/>
-              </a:rPr>
-              <a:t>정상적으로</a:t>
-            </a:r>
-            <a:r>
-              <a:rPr lang="ko-KR" sz="1800">
-                <a:latin typeface="맑은 고딕" charset="0"/>
-                <a:ea typeface="맑은 고딕" charset="0"/>
-              </a:rPr>
-              <a:t> 불러왔는</a:t>
-            </a:r>
-            <a:r>
-              <a:rPr lang="ko-KR" sz="1800">
-                <a:latin typeface="맑은 고딕" charset="0"/>
-                <a:ea typeface="맑은 고딕" charset="0"/>
-              </a:rPr>
-              <a:t>지 </a:t>
-            </a:r>
-            <a:r>
-              <a:rPr lang="ko-KR" sz="1800">
-                <a:latin typeface="맑은 고딕" charset="0"/>
-                <a:ea typeface="맑은 고딕" charset="0"/>
-              </a:rPr>
-              <a:t>확인한 후 </a:t>
-            </a:r>
-            <a:r>
-              <a:rPr lang="ko-KR" sz="1800">
-                <a:latin typeface="맑은 고딕" charset="0"/>
-                <a:ea typeface="맑은 고딕" charset="0"/>
-              </a:rPr>
-              <a:t>다음</a:t>
-            </a:r>
-            <a:r>
-              <a:rPr lang="ko-KR" sz="1800">
-                <a:latin typeface="맑은 고딕" charset="0"/>
-                <a:ea typeface="맑은 고딕" charset="0"/>
-              </a:rPr>
-              <a:t> 작업</a:t>
-            </a:r>
-            <a:r>
-              <a:rPr lang="ko-KR" sz="1800">
-                <a:latin typeface="맑은 고딕" charset="0"/>
-                <a:ea typeface="맑은 고딕" charset="0"/>
-              </a:rPr>
-              <a:t>을 </a:t>
-            </a:r>
-            <a:r>
-              <a:rPr lang="ko-KR" sz="1800">
-                <a:latin typeface="맑은 고딕" charset="0"/>
-                <a:ea typeface="맑은 고딕" charset="0"/>
-              </a:rPr>
-              <a:t>수행합니다.</a:t>
+              <a:rPr sz="2000" b="1">
+                <a:solidFill>
+                  <a:srgbClr val="0611F2"/>
+                </a:solidFill>
+                <a:latin typeface="맑은 고딕" charset="0"/>
+                <a:ea typeface="맑은 고딕" charset="0"/>
+              </a:rPr>
+              <a:t>53. </a:t>
+            </a:r>
+            <a:r>
+              <a:rPr sz="1800">
+                <a:latin typeface="맑은 고딕" charset="0"/>
+                <a:ea typeface="맑은 고딕" charset="0"/>
+              </a:rPr>
+              <a:t>그리고 Project 폴더 아래에 있는 Scene 폴더에 Photon Lobby 씬을 Scenes In Build에 넣어줍니다. </a:t>
             </a:r>
             <a:endParaRPr lang="ko-KR" altLang="en-US" sz="1800">
               <a:latin typeface="맑은 고딕" charset="0"/>
@@ -15987,1646 +15416,7 @@
       </p:sp>
       <p:pic>
         <p:nvPicPr>
-          <p:cNvPr id="73" name="그림 85" descr="C:/Users/Admin1/AppData/Roaming/PolarisOffice/ETemp/20844_15003384/fImage30173824604.png"/>
-          <p:cNvPicPr>
-            <a:picLocks noChangeAspect="1"/>
-          </p:cNvPicPr>
-          <p:nvPr/>
-        </p:nvPicPr>
-        <p:blipFill rotWithShape="1">
-          <a:blip r:embed="rId5" cstate="hqprint">
-            <a:extLst>
-              <a:ext uri="{28A0092B-C50C-407E-A947-70E740481C1C}">
-                <a14:useLocalDpi xmlns:a14="http://schemas.microsoft.com/office/drawing/2010/main"/>
-              </a:ext>
-            </a:extLst>
-          </a:blip>
-          <a:stretch>
-            <a:fillRect/>
-          </a:stretch>
-        </p:blipFill>
-        <p:spPr>
-          <a:xfrm rot="0">
-            <a:off x="2661920" y="1438275"/>
-            <a:ext cx="2705100" cy="1163955"/>
-          </a:xfrm>
-          <a:prstGeom prst="roundRect"/>
-          <a:solidFill>
-            <a:srgbClr val="EDEDED"/>
-          </a:solidFill>
-        </p:spPr>
-      </p:pic>
-      <p:pic>
-        <p:nvPicPr>
-          <p:cNvPr id="77" name="그림 98" descr="C:/Users/Admin1/AppData/Roaming/PolarisOffice/ETemp/20844_15003384/fImage87134105436.png"/>
-          <p:cNvPicPr>
-            <a:picLocks noChangeAspect="1"/>
-          </p:cNvPicPr>
-          <p:nvPr/>
-        </p:nvPicPr>
-        <p:blipFill rotWithShape="1">
-          <a:blip r:embed="rId9" cstate="print">
-            <a:extLst>
-              <a:ext uri="{28A0092B-C50C-407E-A947-70E740481C1C}">
-                <a14:useLocalDpi xmlns:a14="http://schemas.microsoft.com/office/drawing/2010/main" val="0"/>
-              </a:ext>
-            </a:extLst>
-          </a:blip>
-          <a:stretch>
-            <a:fillRect/>
-          </a:stretch>
-        </p:blipFill>
-        <p:spPr>
-          <a:xfrm rot="0">
-            <a:off x="1228725" y="1447165"/>
-            <a:ext cx="1278890" cy="1154430"/>
-          </a:xfrm>
-          <a:prstGeom prst="roundRect"/>
-          <a:solidFill>
-            <a:srgbClr val="EDEDED"/>
-          </a:solidFill>
-        </p:spPr>
-      </p:pic>
-      <p:sp>
-        <p:nvSpPr>
-          <p:cNvPr id="78" name="텍스트 상자 101"/>
-          <p:cNvSpPr txBox="1">
-            <a:spLocks/>
-          </p:cNvSpPr>
-          <p:nvPr/>
-        </p:nvSpPr>
-        <p:spPr>
-          <a:xfrm rot="0">
-            <a:off x="1231900" y="2706370"/>
-            <a:ext cx="4144010" cy="677545"/>
-          </a:xfrm>
-          <a:prstGeom prst="rect"/>
-          <a:noFill/>
-          <a:ln w="0">
-            <a:noFill/>
-            <a:prstDash/>
-          </a:ln>
-        </p:spPr>
-        <p:txBody>
-          <a:bodyPr wrap="square" lIns="89535" tIns="46355" rIns="89535" bIns="46355" numCol="1" vert="horz" anchor="t">
-            <a:spAutoFit/>
-          </a:bodyPr>
-          <a:lstStyle/>
-          <a:p>
-            <a:pPr marL="0" indent="0" rtl="0" algn="l" defTabSz="914400" eaLnBrk="1" latinLnBrk="0" hangingPunct="1">
-              <a:buFontTx/>
-              <a:buNone/>
-            </a:pPr>
-            <a:r>
-              <a:rPr lang="ko-KR" sz="2000" b="1">
-                <a:solidFill>
-                  <a:srgbClr val="0611F2"/>
-                </a:solidFill>
-                <a:latin typeface="맑은 고딕" charset="0"/>
-                <a:ea typeface="맑은 고딕" charset="0"/>
-              </a:rPr>
-              <a:t>47.</a:t>
-            </a:r>
-            <a:r>
-              <a:rPr lang="ko-KR" sz="2000">
-                <a:solidFill>
-                  <a:srgbClr val="0611F2"/>
-                </a:solidFill>
-                <a:latin typeface="맑은 고딕" charset="0"/>
-                <a:ea typeface="맑은 고딕" charset="0"/>
-              </a:rPr>
-              <a:t> </a:t>
-            </a:r>
-            <a:r>
-              <a:rPr lang="ko-KR" sz="1800">
-                <a:latin typeface="맑은 고딕" charset="0"/>
-                <a:ea typeface="맑은 고딕" charset="0"/>
-              </a:rPr>
-              <a:t>이제 Sign Up Button </a:t>
-            </a:r>
-            <a:r>
-              <a:rPr lang="ko-KR" sz="1800">
-                <a:latin typeface="맑은 고딕" charset="0"/>
-                <a:ea typeface="맑은 고딕" charset="0"/>
-              </a:rPr>
-              <a:t>오브젝트의</a:t>
-            </a:r>
-            <a:r>
-              <a:rPr lang="ko-KR" sz="1800">
-                <a:latin typeface="맑은 고딕" charset="0"/>
-                <a:ea typeface="맑은 고딕" charset="0"/>
-              </a:rPr>
-              <a:t> </a:t>
-            </a:r>
-            <a:r>
-              <a:rPr lang="ko-KR" sz="1800">
-                <a:latin typeface="맑은 고딕" charset="0"/>
-                <a:ea typeface="맑은 고딕" charset="0"/>
-              </a:rPr>
-              <a:t>OnClick(</a:t>
-            </a:r>
-            <a:r>
-              <a:rPr lang="ko-KR" sz="1800">
-                <a:latin typeface="맑은 고딕" charset="0"/>
-                <a:ea typeface="맑은 고딕" charset="0"/>
-              </a:rPr>
-              <a:t> ) 함수를 </a:t>
-            </a:r>
-            <a:r>
-              <a:rPr lang="ko-KR" sz="1800">
-                <a:latin typeface="맑은 고딕" charset="0"/>
-                <a:ea typeface="맑은 고딕" charset="0"/>
-              </a:rPr>
-              <a:t>추가합니다.</a:t>
-            </a:r>
-            <a:endParaRPr lang="ko-KR" altLang="en-US" sz="1800">
-              <a:latin typeface="맑은 고딕" charset="0"/>
-              <a:ea typeface="맑은 고딕" charset="0"/>
-            </a:endParaRPr>
-          </a:p>
-        </p:txBody>
-      </p:sp>
-      <p:pic>
-        <p:nvPicPr>
-          <p:cNvPr id="79" name="그림 102" descr="C:/Users/Admin1/AppData/Roaming/PolarisOffice/ETemp/20844_15003384/fImage5250358491.png"/>
-          <p:cNvPicPr>
-            <a:picLocks noChangeAspect="1"/>
-          </p:cNvPicPr>
-          <p:nvPr/>
-        </p:nvPicPr>
-        <p:blipFill rotWithShape="1">
-          <a:blip r:embed="rId10" cstate="hqprint">
-            <a:extLst>
-              <a:ext uri="{28A0092B-C50C-407E-A947-70E740481C1C}">
-                <a14:useLocalDpi xmlns:a14="http://schemas.microsoft.com/office/drawing/2010/main"/>
-              </a:ext>
-            </a:extLst>
-          </a:blip>
-          <a:stretch>
-            <a:fillRect/>
-          </a:stretch>
-        </p:blipFill>
-        <p:spPr>
-          <a:xfrm rot="0">
-            <a:off x="8131810" y="1455420"/>
-            <a:ext cx="2834640" cy="1224280"/>
-          </a:xfrm>
-          <a:prstGeom prst="roundRect"/>
-          <a:solidFill>
-            <a:srgbClr val="EDEDED"/>
-          </a:solidFill>
-        </p:spPr>
-      </p:pic>
-      <p:sp>
-        <p:nvSpPr>
-          <p:cNvPr id="80" name="텍스트 상자 103"/>
-          <p:cNvSpPr txBox="1">
-            <a:spLocks/>
-          </p:cNvSpPr>
-          <p:nvPr/>
-        </p:nvSpPr>
-        <p:spPr>
-          <a:xfrm rot="0">
-            <a:off x="6816725" y="5249545"/>
-            <a:ext cx="4149090" cy="954405"/>
-          </a:xfrm>
-          <a:prstGeom prst="rect"/>
-          <a:noFill/>
-          <a:ln w="0">
-            <a:noFill/>
-            <a:prstDash/>
-          </a:ln>
-        </p:spPr>
-        <p:txBody>
-          <a:bodyPr wrap="square" lIns="89535" tIns="46355" rIns="89535" bIns="46355" numCol="1" vert="horz" anchor="t">
-            <a:spAutoFit/>
-          </a:bodyPr>
-          <a:lstStyle/>
-          <a:p>
-            <a:pPr marL="0" indent="0" rtl="0" algn="l" defTabSz="914400" eaLnBrk="1" latinLnBrk="0" hangingPunct="1">
-              <a:buFontTx/>
-              <a:buNone/>
-            </a:pPr>
-            <a:r>
-              <a:rPr lang="ko-KR" sz="2000" b="1">
-                <a:solidFill>
-                  <a:srgbClr val="0611F2"/>
-                </a:solidFill>
-                <a:latin typeface="맑은 고딕" charset="0"/>
-                <a:ea typeface="맑은 고딕" charset="0"/>
-              </a:rPr>
-              <a:t>4</a:t>
-            </a:r>
-            <a:r>
-              <a:rPr lang="ko-KR" sz="2000" b="1">
-                <a:solidFill>
-                  <a:srgbClr val="0611F2"/>
-                </a:solidFill>
-                <a:latin typeface="맑은 고딕" charset="0"/>
-                <a:ea typeface="맑은 고딕" charset="0"/>
-              </a:rPr>
-              <a:t>9</a:t>
-            </a:r>
-            <a:r>
-              <a:rPr lang="ko-KR" sz="2000" b="1">
-                <a:solidFill>
-                  <a:srgbClr val="0611F2"/>
-                </a:solidFill>
-                <a:latin typeface="맑은 고딕" charset="0"/>
-                <a:ea typeface="맑은 고딕" charset="0"/>
-              </a:rPr>
-              <a:t>.</a:t>
-            </a:r>
-            <a:r>
-              <a:rPr lang="ko-KR" sz="2000">
-                <a:solidFill>
-                  <a:srgbClr val="0611F2"/>
-                </a:solidFill>
-                <a:latin typeface="맑은 고딕" charset="0"/>
-                <a:ea typeface="맑은 고딕" charset="0"/>
-              </a:rPr>
-              <a:t> </a:t>
-            </a:r>
-            <a:r>
-              <a:rPr lang="ko-KR" sz="1800">
-                <a:latin typeface="맑은 고딕" charset="0"/>
-                <a:ea typeface="맑은 고딕" charset="0"/>
-              </a:rPr>
-              <a:t>그다음으로 </a:t>
-            </a:r>
-            <a:r>
-              <a:rPr sz="1800">
-                <a:latin typeface="맑은 고딕" charset="0"/>
-                <a:ea typeface="맑은 고딕" charset="0"/>
-              </a:rPr>
-              <a:t>Sign Up Button </a:t>
-            </a:r>
-            <a:r>
-              <a:rPr sz="1800">
-                <a:latin typeface="맑은 고딕" charset="0"/>
-                <a:ea typeface="맑은 고딕" charset="0"/>
-              </a:rPr>
-              <a:t>오브젝트</a:t>
-            </a:r>
-            <a:r>
-              <a:rPr lang="ko-KR" sz="1800">
-                <a:latin typeface="맑은 고딕" charset="0"/>
-                <a:ea typeface="맑은 고딕" charset="0"/>
-              </a:rPr>
-              <a:t>에</a:t>
-            </a:r>
-            <a:r>
-              <a:rPr lang="ko-KR" sz="1800">
-                <a:latin typeface="맑은 고딕" charset="0"/>
-                <a:ea typeface="맑은 고딕" charset="0"/>
-              </a:rPr>
-              <a:t> 있는</a:t>
-            </a:r>
-            <a:r>
-              <a:rPr sz="1800">
-                <a:latin typeface="맑은 고딕" charset="0"/>
-                <a:ea typeface="맑은 고딕" charset="0"/>
-              </a:rPr>
-              <a:t> On Click( ) 함수에 </a:t>
-            </a:r>
-            <a:r>
-              <a:rPr sz="1800">
-                <a:latin typeface="맑은 고딕" charset="0"/>
-                <a:ea typeface="맑은 고딕" charset="0"/>
-              </a:rPr>
-              <a:t>SignUp(</a:t>
-            </a:r>
-            <a:r>
-              <a:rPr sz="1800">
-                <a:latin typeface="맑은 고딕" charset="0"/>
-                <a:ea typeface="맑은 고딕" charset="0"/>
-              </a:rPr>
-              <a:t> ) 함수</a:t>
-            </a:r>
-            <a:r>
-              <a:rPr lang="ko-KR" sz="1800">
-                <a:latin typeface="맑은 고딕" charset="0"/>
-                <a:ea typeface="맑은 고딕" charset="0"/>
-              </a:rPr>
-              <a:t>를 </a:t>
-            </a:r>
-            <a:r>
-              <a:rPr sz="1800">
-                <a:latin typeface="맑은 고딕" charset="0"/>
-                <a:ea typeface="맑은 고딕" charset="0"/>
-              </a:rPr>
-              <a:t>등록합니다.</a:t>
-            </a:r>
-            <a:endParaRPr lang="ko-KR" altLang="en-US" sz="1800">
-              <a:latin typeface="맑은 고딕" charset="0"/>
-              <a:ea typeface="맑은 고딕" charset="0"/>
-            </a:endParaRPr>
-          </a:p>
-        </p:txBody>
-      </p:sp>
-      <p:sp>
-        <p:nvSpPr>
-          <p:cNvPr id="81" name="텍스트 상자 104"/>
-          <p:cNvSpPr txBox="1">
-            <a:spLocks/>
-          </p:cNvSpPr>
-          <p:nvPr/>
-        </p:nvSpPr>
-        <p:spPr>
-          <a:xfrm rot="0">
-            <a:off x="6813550" y="2771775"/>
-            <a:ext cx="4145280" cy="954405"/>
-          </a:xfrm>
-          <a:prstGeom prst="rect"/>
-          <a:noFill/>
-          <a:ln w="0">
-            <a:noFill/>
-            <a:prstDash/>
-          </a:ln>
-        </p:spPr>
-        <p:txBody>
-          <a:bodyPr wrap="square" lIns="89535" tIns="46355" rIns="89535" bIns="46355" numCol="1" vert="horz" anchor="t">
-            <a:spAutoFit/>
-          </a:bodyPr>
-          <a:lstStyle/>
-          <a:p>
-            <a:pPr marL="0" indent="0" rtl="0" algn="l" defTabSz="914400" eaLnBrk="1" latinLnBrk="0" hangingPunct="1">
-              <a:buFontTx/>
-              <a:buNone/>
-            </a:pPr>
-            <a:r>
-              <a:rPr lang="ko-KR" sz="2000" b="1">
-                <a:solidFill>
-                  <a:srgbClr val="0611F2"/>
-                </a:solidFill>
-                <a:latin typeface="맑은 고딕" charset="0"/>
-                <a:ea typeface="맑은 고딕" charset="0"/>
-              </a:rPr>
-              <a:t>48.</a:t>
-            </a:r>
-            <a:r>
-              <a:rPr lang="ko-KR" sz="2000">
-                <a:solidFill>
-                  <a:srgbClr val="0611F2"/>
-                </a:solidFill>
-                <a:latin typeface="맑은 고딕" charset="0"/>
-                <a:ea typeface="맑은 고딕" charset="0"/>
-              </a:rPr>
-              <a:t> </a:t>
-            </a:r>
-            <a:r>
-              <a:rPr sz="1800">
-                <a:latin typeface="맑은 고딕" charset="0"/>
-                <a:ea typeface="맑은 고딕" charset="0"/>
-              </a:rPr>
-              <a:t>그리고 Sign Un Button </a:t>
-            </a:r>
-            <a:r>
-              <a:rPr sz="1800">
-                <a:latin typeface="맑은 고딕" charset="0"/>
-                <a:ea typeface="맑은 고딕" charset="0"/>
-              </a:rPr>
-              <a:t>오브젝트의</a:t>
-            </a:r>
-            <a:r>
-              <a:rPr sz="1800">
-                <a:latin typeface="맑은 고딕" charset="0"/>
-                <a:ea typeface="맑은 고딕" charset="0"/>
-              </a:rPr>
-              <a:t> </a:t>
-            </a:r>
-            <a:r>
-              <a:rPr sz="1800">
-                <a:latin typeface="맑은 고딕" charset="0"/>
-                <a:ea typeface="맑은 고딕" charset="0"/>
-              </a:rPr>
-              <a:t>On</a:t>
-            </a:r>
-            <a:r>
-              <a:rPr sz="1800">
-                <a:latin typeface="맑은 고딕" charset="0"/>
-                <a:ea typeface="맑은 고딕" charset="0"/>
-              </a:rPr>
-              <a:t> </a:t>
-            </a:r>
-            <a:r>
-              <a:rPr sz="1800">
-                <a:latin typeface="맑은 고딕" charset="0"/>
-                <a:ea typeface="맑은 고딕" charset="0"/>
-              </a:rPr>
-              <a:t>Click(</a:t>
-            </a:r>
-            <a:r>
-              <a:rPr sz="1800">
-                <a:latin typeface="맑은 고딕" charset="0"/>
-                <a:ea typeface="맑은 고딕" charset="0"/>
-              </a:rPr>
-              <a:t> ) 함수에 Photon </a:t>
-            </a:r>
-            <a:r>
-              <a:rPr sz="1800">
-                <a:latin typeface="맑은 고딕" charset="0"/>
-                <a:ea typeface="맑은 고딕" charset="0"/>
-              </a:rPr>
-              <a:t>S</a:t>
-            </a:r>
-            <a:r>
-              <a:rPr lang="ko-KR" sz="1800">
-                <a:latin typeface="맑은 고딕" charset="0"/>
-                <a:ea typeface="맑은 고딕" charset="0"/>
-              </a:rPr>
-              <a:t>etting</a:t>
-            </a:r>
-            <a:r>
-              <a:rPr sz="1800">
-                <a:latin typeface="맑은 고딕" charset="0"/>
-                <a:ea typeface="맑은 고딕" charset="0"/>
-              </a:rPr>
-              <a:t> </a:t>
-            </a:r>
-            <a:r>
-              <a:rPr sz="1800">
-                <a:latin typeface="맑은 고딕" charset="0"/>
-                <a:ea typeface="맑은 고딕" charset="0"/>
-              </a:rPr>
-              <a:t>오브젝트를</a:t>
-            </a:r>
-            <a:r>
-              <a:rPr sz="1800">
-                <a:latin typeface="맑은 고딕" charset="0"/>
-                <a:ea typeface="맑은 고딕" charset="0"/>
-              </a:rPr>
-              <a:t> 넣어줍니다.</a:t>
-            </a:r>
-            <a:endParaRPr lang="ko-KR" altLang="en-US" sz="1800">
-              <a:latin typeface="맑은 고딕" charset="0"/>
-              <a:ea typeface="맑은 고딕" charset="0"/>
-            </a:endParaRPr>
-          </a:p>
-        </p:txBody>
-      </p:sp>
-      <p:pic>
-        <p:nvPicPr>
-          <p:cNvPr id="83" name="그림 106" descr="C:/Users/Admin1/AppData/Roaming/PolarisOffice/ETemp/20844_15003384/fImage88134162391.png"/>
-          <p:cNvPicPr>
-            <a:picLocks noChangeAspect="1"/>
-          </p:cNvPicPr>
-          <p:nvPr/>
-        </p:nvPicPr>
-        <p:blipFill rotWithShape="1">
-          <a:blip r:embed="rId11" cstate="print">
-            <a:extLst>
-              <a:ext uri="{28A0092B-C50C-407E-A947-70E740481C1C}">
-                <a14:useLocalDpi xmlns:a14="http://schemas.microsoft.com/office/drawing/2010/main" val="0"/>
-              </a:ext>
-            </a:extLst>
-          </a:blip>
-          <a:stretch>
-            <a:fillRect/>
-          </a:stretch>
-        </p:blipFill>
-        <p:spPr>
-          <a:xfrm rot="0">
-            <a:off x="6813550" y="1455420"/>
-            <a:ext cx="1232535" cy="1215390"/>
-          </a:xfrm>
-          <a:prstGeom prst="roundRect"/>
-          <a:solidFill>
-            <a:srgbClr val="EDEDED"/>
-          </a:solidFill>
-        </p:spPr>
-      </p:pic>
-      <p:cxnSp>
-        <p:nvCxnSpPr>
-          <p:cNvPr id="84" name="도형 107"/>
-          <p:cNvCxnSpPr/>
-          <p:nvPr/>
-        </p:nvCxnSpPr>
-        <p:spPr>
-          <a:xfrm rot="0" flipV="1">
-            <a:off x="7838440" y="2162175"/>
-            <a:ext cx="1189355" cy="414020"/>
-          </a:xfrm>
-          <a:prstGeom prst="straightConnector1"/>
-          <a:ln w="6350" cap="flat" cmpd="sng">
-            <a:prstDash/>
-            <a:tailEnd type="triangle" w="med" len="med"/>
-          </a:ln>
-        </p:spPr>
-        <p:style>
-          <a:lnRef idx="1">
-            <a:schemeClr val="accent1"/>
-          </a:lnRef>
-          <a:fillRef idx="0">
-            <a:schemeClr val="accent1"/>
-          </a:fillRef>
-          <a:effectRef idx="0">
-            <a:schemeClr val="accent1"/>
-          </a:effectRef>
-          <a:fontRef idx="minor">
-            <a:schemeClr val="tx1"/>
-          </a:fontRef>
-        </p:style>
-      </p:cxnSp>
-      <p:pic>
-        <p:nvPicPr>
-          <p:cNvPr id="85" name="그림 108" descr="C:/Users/Admin1/AppData/Roaming/PolarisOffice/ETemp/20844_15003384/fImage58464067421.png"/>
-          <p:cNvPicPr>
-            <a:picLocks noChangeAspect="1"/>
-          </p:cNvPicPr>
-          <p:nvPr/>
-        </p:nvPicPr>
-        <p:blipFill rotWithShape="1">
-          <a:blip r:embed="rId12" cstate="hqprint">
-            <a:extLst>
-              <a:ext uri="{28A0092B-C50C-407E-A947-70E740481C1C}">
-                <a14:useLocalDpi xmlns:a14="http://schemas.microsoft.com/office/drawing/2010/main"/>
-              </a:ext>
-            </a:extLst>
-          </a:blip>
-          <a:stretch>
-            <a:fillRect/>
-          </a:stretch>
-        </p:blipFill>
-        <p:spPr>
-          <a:xfrm rot="0">
-            <a:off x="6822440" y="3870960"/>
-            <a:ext cx="4135120" cy="1298575"/>
-          </a:xfrm>
-          <a:prstGeom prst="roundRect"/>
-          <a:solidFill>
-            <a:srgbClr val="EDEDED"/>
-          </a:solidFill>
-        </p:spPr>
-      </p:pic>
-      <p:pic>
-        <p:nvPicPr>
-          <p:cNvPr id="86" name="그림 109" descr="C:/Users/Admin1/AppData/Roaming/PolarisOffice/ETemp/20844_15003384/fImage216284194604.png"/>
-          <p:cNvPicPr>
-            <a:picLocks noChangeAspect="1"/>
-          </p:cNvPicPr>
-          <p:nvPr/>
-        </p:nvPicPr>
-        <p:blipFill rotWithShape="1">
-          <a:blip r:embed="rId13" cstate="print">
-            <a:extLst>
-              <a:ext uri="{28A0092B-C50C-407E-A947-70E740481C1C}">
-                <a14:useLocalDpi xmlns:a14="http://schemas.microsoft.com/office/drawing/2010/main" val="0"/>
-              </a:ext>
-            </a:extLst>
-          </a:blip>
-          <a:stretch>
-            <a:fillRect/>
-          </a:stretch>
-        </p:blipFill>
-        <p:spPr>
-          <a:xfrm rot="0">
-            <a:off x="1231900" y="3566160"/>
-            <a:ext cx="4126230" cy="1533525"/>
-          </a:xfrm>
-          <a:prstGeom prst="roundRect"/>
-          <a:solidFill>
-            <a:srgbClr val="EDEDED"/>
-          </a:solidFill>
-        </p:spPr>
-      </p:pic>
-    </p:spTree>
-  </p:cSld>
-  <p:clrMapOvr>
-    <a:masterClrMapping/>
-  </p:clrMapOvr>
-  <mc:AlternateContent xmlns:mc="http://schemas.openxmlformats.org/markup-compatibility/2006">
-    <mc:Choice xmlns:p14="http://schemas.microsoft.com/office/powerpoint/2010/main" Requires="p14">
-      <p:transition spd="slow" p14:dur="2000"/>
-    </mc:Choice>
-    <mc:Fallback>
-      <p:transition spd="slow"/>
-    </mc:Fallback>
-  </mc:AlternateContent>
-  <p:timing>
-    <p:tnLst>
-      <p:par>
-        <p:cTn id="1" dur="indefinite" restart="never" nodeType="tmRoot"/>
-      </p:par>
-    </p:tnLst>
-  </p:timing>
-</p:sld>
-</file>
-
-<file path=ppt/slides/slide21.xml><?xml version="1.0" encoding="utf-8"?>
-<p:sld xmlns:a="http://schemas.openxmlformats.org/drawingml/2006/main" xmlns:r="http://schemas.openxmlformats.org/officeDocument/2006/relationships" xmlns:p="http://schemas.openxmlformats.org/presentationml/2006/main" xmlns:p14="http://schemas.microsoft.com/office/powerpoint/2010/main">
-  <p:cSld>
-    <p:spTree>
-      <p:nvGrpSpPr>
-        <p:cNvPr id="1" name=""/>
-        <p:cNvGrpSpPr/>
-        <p:nvPr/>
-      </p:nvGrpSpPr>
-      <p:grpSpPr>
-        <a:xfrm>
-          <a:off x="0" y="0"/>
-          <a:ext cx="0" cy="0"/>
-          <a:chOff x="0" y="0"/>
-          <a:chExt cx="0" cy="0"/>
-        </a:xfrm>
-      </p:grpSpPr>
-      <p:sp>
-        <p:nvSpPr>
-          <p:cNvPr id="29" name="Rect 0"/>
-          <p:cNvSpPr txBox="1">
-            <a:spLocks/>
-          </p:cNvSpPr>
-          <p:nvPr/>
-        </p:nvSpPr>
-        <p:spPr>
-          <a:xfrm rot="0">
-            <a:off x="1229995" y="1337310"/>
-            <a:ext cx="4039870" cy="371475"/>
-          </a:xfrm>
-          <a:prstGeom prst="rect"/>
-          <a:noFill/>
-          <a:ln w="0">
-            <a:noFill/>
-            <a:prstDash/>
-          </a:ln>
-        </p:spPr>
-        <p:txBody>
-          <a:bodyPr wrap="square" lIns="89535" tIns="46355" rIns="89535" bIns="46355" numCol="1" vert="horz" anchor="t">
-            <a:spAutoFit/>
-          </a:bodyPr>
-          <a:lstStyle/>
-          <a:p>
-            <a:pPr marL="0" indent="0" algn="l" latinLnBrk="0" hangingPunct="1">
-              <a:buFontTx/>
-              <a:buNone/>
-            </a:pPr>
-            <a:endParaRPr lang="ko-KR" altLang="en-US" sz="1800">
-              <a:latin typeface="맑은 고딕" charset="0"/>
-              <a:ea typeface="맑은 고딕" charset="0"/>
-            </a:endParaRPr>
-          </a:p>
-        </p:txBody>
-      </p:sp>
-      <p:sp>
-        <p:nvSpPr>
-          <p:cNvPr id="35" name="Rect 0"/>
-          <p:cNvSpPr txBox="1">
-            <a:spLocks/>
-          </p:cNvSpPr>
-          <p:nvPr/>
-        </p:nvSpPr>
-        <p:spPr>
-          <a:xfrm>
-            <a:off x="4334510" y="398780"/>
-            <a:ext cx="3522980" cy="554990"/>
-          </a:xfrm>
-          <a:prstGeom prst="rect"/>
-          <a:noFill/>
-          <a:ln w="0">
-            <a:noFill/>
-            <a:prstDash/>
-          </a:ln>
-        </p:spPr>
-        <p:txBody>
-          <a:bodyPr wrap="square" lIns="89535" tIns="46355" rIns="89535" bIns="46355" numCol="1" vert="horz" anchor="t">
-            <a:spAutoFit/>
-          </a:bodyPr>
-          <a:lstStyle/>
-          <a:p>
-            <a:pPr marL="0" indent="0" rtl="0" algn="ctr" defTabSz="914400" eaLnBrk="1" latinLnBrk="0" hangingPunct="1">
-              <a:buFontTx/>
-              <a:buNone/>
-            </a:pPr>
-            <a:r>
-              <a:rPr lang="ko-KR" sz="2500" b="1">
-                <a:latin typeface="나눔바른고딕" charset="0"/>
-                <a:ea typeface="나눔바른고딕" charset="0"/>
-              </a:rPr>
-              <a:t>스물</a:t>
-            </a:r>
-            <a:r>
-              <a:rPr lang="ko-KR" sz="2500" b="1">
-                <a:latin typeface="나눔바른고딕" charset="0"/>
-                <a:ea typeface="나눔바른고딕" charset="0"/>
-              </a:rPr>
-              <a:t>한</a:t>
-            </a:r>
-            <a:r>
-              <a:rPr lang="ko-KR" sz="2500" b="1">
-                <a:latin typeface="나눔바른고딕" charset="0"/>
-                <a:ea typeface="나눔바른고딕" charset="0"/>
-              </a:rPr>
-              <a:t> </a:t>
-            </a:r>
-            <a:r>
-              <a:rPr lang="ko-KR" sz="2500" b="1">
-                <a:latin typeface="나눔바른고딕" charset="0"/>
-                <a:ea typeface="나눔바른고딕" charset="0"/>
-              </a:rPr>
-              <a:t>번째</a:t>
-            </a:r>
-            <a:r>
-              <a:rPr lang="ko-KR" sz="2500" b="1">
-                <a:latin typeface="나눔바른고딕" charset="0"/>
-                <a:ea typeface="나눔바른고딕" charset="0"/>
-              </a:rPr>
-              <a:t> 튜토리얼</a:t>
-            </a:r>
-            <a:r>
-              <a:rPr sz="3000" b="1">
-                <a:latin typeface="맑은 고딕" charset="0"/>
-                <a:ea typeface="맑은 고딕" charset="0"/>
-              </a:rPr>
-              <a:t> </a:t>
-            </a:r>
-            <a:endParaRPr lang="ko-KR" altLang="en-US" sz="3000" b="1">
-              <a:latin typeface="맑은 고딕" charset="0"/>
-              <a:ea typeface="맑은 고딕" charset="0"/>
-            </a:endParaRPr>
-          </a:p>
-        </p:txBody>
-      </p:sp>
-      <p:sp>
-        <p:nvSpPr>
-          <p:cNvPr id="67" name="Rect 0"/>
-          <p:cNvSpPr txBox="1">
-            <a:spLocks/>
-          </p:cNvSpPr>
-          <p:nvPr/>
-        </p:nvSpPr>
-        <p:spPr>
-          <a:xfrm rot="0">
-            <a:off x="1231900" y="4422775"/>
-            <a:ext cx="4144010" cy="1784985"/>
-          </a:xfrm>
-          <a:prstGeom prst="rect"/>
-          <a:noFill/>
-          <a:ln w="0">
-            <a:noFill/>
-            <a:prstDash/>
-          </a:ln>
-        </p:spPr>
-        <p:txBody>
-          <a:bodyPr wrap="square" lIns="89535" tIns="46355" rIns="89535" bIns="46355" numCol="1" vert="horz" anchor="t">
-            <a:spAutoFit/>
-          </a:bodyPr>
-          <a:lstStyle/>
-          <a:p>
-            <a:pPr marL="0" indent="0" rtl="0" algn="l" defTabSz="914400" eaLnBrk="1" latinLnBrk="0" hangingPunct="1">
-              <a:buFontTx/>
-              <a:buNone/>
-            </a:pPr>
-            <a:r>
-              <a:rPr sz="2000" b="1">
-                <a:solidFill>
-                  <a:srgbClr val="0611F2"/>
-                </a:solidFill>
-                <a:latin typeface="맑은 고딕" charset="0"/>
-                <a:ea typeface="맑은 고딕" charset="0"/>
-              </a:rPr>
-              <a:t>5</a:t>
-            </a:r>
-            <a:r>
-              <a:rPr sz="2000" b="1">
-                <a:solidFill>
-                  <a:srgbClr val="0611F2"/>
-                </a:solidFill>
-                <a:latin typeface="맑은 고딕" charset="0"/>
-                <a:ea typeface="맑은 고딕" charset="0"/>
-              </a:rPr>
-              <a:t>0</a:t>
-            </a:r>
-            <a:r>
-              <a:rPr sz="2000" b="1">
-                <a:solidFill>
-                  <a:srgbClr val="0611F2"/>
-                </a:solidFill>
-                <a:latin typeface="맑은 고딕" charset="0"/>
-                <a:ea typeface="맑은 고딕" charset="0"/>
-              </a:rPr>
-              <a:t>.</a:t>
-            </a:r>
-            <a:r>
-              <a:rPr sz="2000">
-                <a:solidFill>
-                  <a:srgbClr val="0611F2"/>
-                </a:solidFill>
-                <a:latin typeface="맑은 고딕" charset="0"/>
-                <a:ea typeface="맑은 고딕" charset="0"/>
-              </a:rPr>
-              <a:t> </a:t>
-            </a:r>
-            <a:r>
-              <a:rPr sz="1800">
-                <a:latin typeface="맑은 고딕" charset="0"/>
-                <a:ea typeface="맑은 고딕" charset="0"/>
-              </a:rPr>
-              <a:t>그런 다음 Texture 폴더 아래에 </a:t>
-            </a:r>
-            <a:r>
-              <a:rPr sz="1800">
-                <a:latin typeface="맑은 고딕" charset="0"/>
-                <a:ea typeface="맑은 고딕" charset="0"/>
-              </a:rPr>
-              <a:t>있는</a:t>
-            </a:r>
-            <a:r>
-              <a:rPr sz="1800">
-                <a:latin typeface="맑은 고딕" charset="0"/>
-                <a:ea typeface="맑은 고딕" charset="0"/>
-              </a:rPr>
-              <a:t> </a:t>
-            </a:r>
-            <a:r>
-              <a:rPr sz="1800">
-                <a:latin typeface="맑은 고딕" charset="0"/>
-                <a:ea typeface="맑은 고딕" charset="0"/>
-              </a:rPr>
-              <a:t>Login</a:t>
-            </a:r>
-            <a:r>
-              <a:rPr sz="1800">
-                <a:latin typeface="맑은 고딕" charset="0"/>
-                <a:ea typeface="맑은 고딕" charset="0"/>
-              </a:rPr>
-              <a:t> </a:t>
-            </a:r>
-            <a:r>
-              <a:rPr sz="1800">
-                <a:latin typeface="맑은 고딕" charset="0"/>
-                <a:ea typeface="맑은 고딕" charset="0"/>
-              </a:rPr>
-              <a:t>Texture</a:t>
-            </a:r>
-            <a:r>
-              <a:rPr sz="1800">
-                <a:latin typeface="맑은 고딕" charset="0"/>
-                <a:ea typeface="맑은 고딕" charset="0"/>
-              </a:rPr>
-              <a:t> 폴더에 Sign In </a:t>
-            </a:r>
-            <a:r>
-              <a:rPr sz="1800">
-                <a:latin typeface="맑은 고딕" charset="0"/>
-                <a:ea typeface="맑은 고딕" charset="0"/>
-              </a:rPr>
-              <a:t>Button</a:t>
-            </a:r>
-            <a:r>
-              <a:rPr lang="ko-KR" sz="1800">
-                <a:latin typeface="맑은 고딕" charset="0"/>
-                <a:ea typeface="맑은 고딕" charset="0"/>
-              </a:rPr>
-              <a:t> </a:t>
-            </a:r>
-            <a:r>
-              <a:rPr sz="1800">
-                <a:latin typeface="맑은 고딕" charset="0"/>
-                <a:ea typeface="맑은 고딕" charset="0"/>
-              </a:rPr>
-              <a:t>텍스처를</a:t>
-            </a:r>
-            <a:r>
-              <a:rPr sz="1800">
-                <a:latin typeface="맑은 고딕" charset="0"/>
-                <a:ea typeface="맑은 고딕" charset="0"/>
-              </a:rPr>
-              <a:t> </a:t>
-            </a:r>
-            <a:r>
-              <a:rPr sz="1800">
-                <a:latin typeface="맑은 고딕" charset="0"/>
-                <a:ea typeface="맑은 고딕" charset="0"/>
-              </a:rPr>
-              <a:t>선택합니다.</a:t>
-            </a:r>
-            <a:endParaRPr lang="ko-KR" altLang="en-US" sz="1800">
-              <a:latin typeface="맑은 고딕" charset="0"/>
-              <a:ea typeface="맑은 고딕" charset="0"/>
-            </a:endParaRPr>
-          </a:p>
-          <a:p>
-            <a:pPr marL="0" indent="0" rtl="0" algn="l" defTabSz="914400" eaLnBrk="1" latinLnBrk="0" hangingPunct="1">
-              <a:buFontTx/>
-              <a:buNone/>
-            </a:pPr>
-            <a:endParaRPr lang="ko-KR" altLang="en-US" sz="1800">
-              <a:latin typeface="맑은 고딕" charset="0"/>
-              <a:ea typeface="맑은 고딕" charset="0"/>
-            </a:endParaRPr>
-          </a:p>
-          <a:p>
-            <a:pPr marL="0" indent="0" rtl="0" algn="l" defTabSz="914400" eaLnBrk="1" latinLnBrk="0" hangingPunct="1">
-              <a:buFontTx/>
-              <a:buNone/>
-            </a:pPr>
-            <a:r>
-              <a:rPr sz="1800">
-                <a:latin typeface="맑은 고딕" charset="0"/>
-                <a:ea typeface="맑은 고딕" charset="0"/>
-              </a:rPr>
-              <a:t>마지막으</a:t>
-            </a:r>
-            <a:r>
-              <a:rPr lang="ko-KR" sz="1800">
-                <a:latin typeface="맑은 고딕" charset="0"/>
-                <a:ea typeface="맑은 고딕" charset="0"/>
-              </a:rPr>
-              <a:t>로</a:t>
-            </a:r>
-            <a:r>
-              <a:rPr sz="1800">
-                <a:latin typeface="맑은 고딕" charset="0"/>
-                <a:ea typeface="맑은 고딕" charset="0"/>
-              </a:rPr>
-              <a:t> Sign In Button </a:t>
-            </a:r>
-            <a:r>
-              <a:rPr sz="1800">
-                <a:latin typeface="맑은 고딕" charset="0"/>
-                <a:ea typeface="맑은 고딕" charset="0"/>
-              </a:rPr>
-              <a:t>오브젝트의</a:t>
-            </a:r>
-            <a:r>
-              <a:rPr sz="1800">
-                <a:latin typeface="맑은 고딕" charset="0"/>
-                <a:ea typeface="맑은 고딕" charset="0"/>
-              </a:rPr>
-              <a:t> </a:t>
-            </a:r>
-            <a:r>
-              <a:rPr sz="1800">
-                <a:latin typeface="맑은 고딕" charset="0"/>
-                <a:ea typeface="맑은 고딕" charset="0"/>
-              </a:rPr>
-              <a:t>이미지</a:t>
-            </a:r>
-            <a:r>
-              <a:rPr sz="1800">
-                <a:latin typeface="맑은 고딕" charset="0"/>
-                <a:ea typeface="맑은 고딕" charset="0"/>
-              </a:rPr>
-              <a:t> </a:t>
-            </a:r>
-            <a:r>
-              <a:rPr sz="1800">
-                <a:latin typeface="맑은 고딕" charset="0"/>
-                <a:ea typeface="맑은 고딕" charset="0"/>
-              </a:rPr>
-              <a:t>컴포넌트에</a:t>
-            </a:r>
-            <a:r>
-              <a:rPr sz="1800">
-                <a:latin typeface="맑은 고딕" charset="0"/>
-                <a:ea typeface="맑은 고딕" charset="0"/>
-              </a:rPr>
-              <a:t> </a:t>
-            </a:r>
-            <a:r>
-              <a:rPr sz="1800">
-                <a:latin typeface="맑은 고딕" charset="0"/>
-                <a:ea typeface="맑은 고딕" charset="0"/>
-              </a:rPr>
-              <a:t>넣어줍니다.</a:t>
-            </a:r>
-            <a:endParaRPr lang="ko-KR" altLang="en-US" sz="1800">
-              <a:latin typeface="맑은 고딕" charset="0"/>
-              <a:ea typeface="맑은 고딕" charset="0"/>
-            </a:endParaRPr>
-          </a:p>
-        </p:txBody>
-      </p:sp>
-      <p:pic>
-        <p:nvPicPr>
-          <p:cNvPr id="82" name="그림 101"/>
-          <p:cNvPicPr>
-            <a:picLocks noChangeAspect="1"/>
-          </p:cNvPicPr>
-          <p:nvPr/>
-        </p:nvPicPr>
-        <p:blipFill rotWithShape="1">
-          <a:blip r:embed="rId5" cstate="hqprint">
-            <a:extLst>
-              <a:ext uri="{28A0092B-C50C-407E-A947-70E740481C1C}">
-                <a14:useLocalDpi xmlns:a14="http://schemas.microsoft.com/office/drawing/2010/main"/>
-              </a:ext>
-            </a:extLst>
-          </a:blip>
-          <a:stretch>
-            <a:fillRect/>
-          </a:stretch>
-        </p:blipFill>
-        <p:spPr>
-          <a:xfrm rot="0">
-            <a:off x="1240790" y="1464310"/>
-            <a:ext cx="4126865" cy="1724025"/>
-          </a:xfrm>
-          <a:prstGeom prst="roundRect"/>
-          <a:solidFill>
-            <a:srgbClr val="EDEDED"/>
-          </a:solidFill>
-        </p:spPr>
-      </p:pic>
-      <p:pic>
-        <p:nvPicPr>
-          <p:cNvPr id="83" name="그림 104"/>
-          <p:cNvPicPr>
-            <a:picLocks noChangeAspect="1"/>
-          </p:cNvPicPr>
-          <p:nvPr/>
-        </p:nvPicPr>
-        <p:blipFill rotWithShape="1">
-          <a:blip r:embed="rId6" cstate="hqprint">
-            <a:extLst>
-              <a:ext uri="{28A0092B-C50C-407E-A947-70E740481C1C}">
-                <a14:useLocalDpi xmlns:a14="http://schemas.microsoft.com/office/drawing/2010/main"/>
-              </a:ext>
-            </a:extLst>
-          </a:blip>
-          <a:stretch>
-            <a:fillRect/>
-          </a:stretch>
-        </p:blipFill>
-        <p:spPr>
-          <a:xfrm rot="0">
-            <a:off x="1249045" y="3333750"/>
-            <a:ext cx="4127500" cy="1042670"/>
-          </a:xfrm>
-          <a:prstGeom prst="roundRect"/>
-          <a:solidFill>
-            <a:srgbClr val="EDEDED"/>
-          </a:solidFill>
-        </p:spPr>
-      </p:pic>
-      <p:cxnSp>
-        <p:nvCxnSpPr>
-          <p:cNvPr id="84" name="도형 107"/>
-          <p:cNvCxnSpPr/>
-          <p:nvPr/>
-        </p:nvCxnSpPr>
-        <p:spPr>
-          <a:xfrm rot="0" flipV="1">
-            <a:off x="2274570" y="1722755"/>
-            <a:ext cx="2937510" cy="2180590"/>
-          </a:xfrm>
-          <a:prstGeom prst="straightConnector1"/>
-          <a:ln w="6350" cap="flat" cmpd="sng">
-            <a:prstDash/>
-            <a:tailEnd type="triangle" w="med" len="med"/>
-          </a:ln>
-        </p:spPr>
-        <p:style>
-          <a:lnRef idx="1">
-            <a:schemeClr val="accent1"/>
-          </a:lnRef>
-          <a:fillRef idx="0">
-            <a:schemeClr val="accent1"/>
-          </a:fillRef>
-          <a:effectRef idx="0">
-            <a:schemeClr val="accent1"/>
-          </a:effectRef>
-          <a:fontRef idx="minor">
-            <a:schemeClr val="tx1"/>
-          </a:fontRef>
-        </p:style>
-      </p:cxnSp>
-      <p:pic>
-        <p:nvPicPr>
-          <p:cNvPr id="85" name="그림 112" descr="C:/Users/Admin1/AppData/Roaming/PolarisOffice/ETemp/11152_12319248/fImage261394203902.png"/>
-          <p:cNvPicPr>
-            <a:picLocks noChangeAspect="1"/>
-          </p:cNvPicPr>
-          <p:nvPr/>
-        </p:nvPicPr>
-        <p:blipFill rotWithShape="1">
-          <a:blip r:embed="rId8" cstate="hqprint">
-            <a:extLst>
-              <a:ext uri="{28A0092B-C50C-407E-A947-70E740481C1C}">
-                <a14:useLocalDpi xmlns:a14="http://schemas.microsoft.com/office/drawing/2010/main"/>
-              </a:ext>
-            </a:extLst>
-          </a:blip>
-          <a:stretch>
-            <a:fillRect/>
-          </a:stretch>
-        </p:blipFill>
-        <p:spPr>
-          <a:xfrm rot="0">
-            <a:off x="6822440" y="1455420"/>
-            <a:ext cx="4144010" cy="3429635"/>
-          </a:xfrm>
-          <a:prstGeom prst="roundRect"/>
-          <a:solidFill>
-            <a:srgbClr val="EDEDED"/>
-          </a:solidFill>
-        </p:spPr>
-      </p:pic>
-      <p:sp>
-        <p:nvSpPr>
-          <p:cNvPr id="86" name="텍스트 상자 113"/>
-          <p:cNvSpPr txBox="1">
-            <a:spLocks/>
-          </p:cNvSpPr>
-          <p:nvPr/>
-        </p:nvSpPr>
-        <p:spPr>
-          <a:xfrm rot="0">
-            <a:off x="6831330" y="5068570"/>
-            <a:ext cx="4143375" cy="1138555"/>
-          </a:xfrm>
-          <a:prstGeom prst="rect"/>
-          <a:noFill/>
-        </p:spPr>
-        <p:txBody>
-          <a:bodyPr wrap="square" lIns="0" tIns="0" rIns="0" bIns="0" vert="horz" anchor="t">
-            <a:noAutofit/>
-          </a:bodyPr>
-          <a:lstStyle/>
-          <a:p>
-            <a:pPr marL="0" indent="0" rtl="0" algn="l" defTabSz="914400" eaLnBrk="1" latinLnBrk="0" hangingPunct="1">
-              <a:buFontTx/>
-              <a:buNone/>
-            </a:pPr>
-            <a:r>
-              <a:rPr sz="2000" b="1">
-                <a:solidFill>
-                  <a:srgbClr val="0611F2"/>
-                </a:solidFill>
-                <a:latin typeface="맑은 고딕" charset="0"/>
-                <a:ea typeface="맑은 고딕" charset="0"/>
-              </a:rPr>
-              <a:t>5</a:t>
-            </a:r>
-            <a:r>
-              <a:rPr lang="ko-KR" sz="2000" b="1">
-                <a:solidFill>
-                  <a:srgbClr val="0611F2"/>
-                </a:solidFill>
-                <a:latin typeface="맑은 고딕" charset="0"/>
-                <a:ea typeface="맑은 고딕" charset="0"/>
-              </a:rPr>
-              <a:t>1</a:t>
-            </a:r>
-            <a:r>
-              <a:rPr sz="2000" b="1">
-                <a:solidFill>
-                  <a:srgbClr val="0611F2"/>
-                </a:solidFill>
-                <a:latin typeface="맑은 고딕" charset="0"/>
-                <a:ea typeface="맑은 고딕" charset="0"/>
-              </a:rPr>
-              <a:t>.</a:t>
-            </a:r>
-            <a:r>
-              <a:rPr sz="2000" b="1">
-                <a:solidFill>
-                  <a:srgbClr val="0611F2"/>
-                </a:solidFill>
-                <a:latin typeface="맑은 고딕" charset="0"/>
-                <a:ea typeface="맑은 고딕" charset="0"/>
-              </a:rPr>
-              <a:t> </a:t>
-            </a:r>
-            <a:r>
-              <a:rPr sz="1800">
-                <a:latin typeface="맑은 고딕" charset="0"/>
-                <a:ea typeface="맑은 고딕" charset="0"/>
-              </a:rPr>
-              <a:t>그러고</a:t>
-            </a:r>
-            <a:r>
-              <a:rPr sz="1800">
-                <a:latin typeface="맑은 고딕" charset="0"/>
-                <a:ea typeface="맑은 고딕" charset="0"/>
-              </a:rPr>
-              <a:t> 나서 Password </a:t>
-            </a:r>
-            <a:r>
-              <a:rPr sz="1800">
-                <a:latin typeface="맑은 고딕" charset="0"/>
-                <a:ea typeface="맑은 고딕" charset="0"/>
-              </a:rPr>
-              <a:t>Input </a:t>
-            </a:r>
-            <a:r>
-              <a:rPr sz="1800">
-                <a:latin typeface="맑은 고딕" charset="0"/>
-                <a:ea typeface="맑은 고딕" charset="0"/>
-              </a:rPr>
-              <a:t>오브젝트의</a:t>
-            </a:r>
-            <a:r>
-              <a:rPr sz="1800">
-                <a:latin typeface="맑은 고딕" charset="0"/>
-                <a:ea typeface="맑은 고딕" charset="0"/>
-              </a:rPr>
-              <a:t> 하위 오브젝트에 있는 </a:t>
-            </a:r>
-            <a:r>
-              <a:rPr sz="1800">
-                <a:latin typeface="맑은 고딕" charset="0"/>
-                <a:ea typeface="맑은 고딕" charset="0"/>
-              </a:rPr>
-              <a:t>Text</a:t>
-            </a:r>
-            <a:r>
-              <a:rPr sz="1800">
-                <a:latin typeface="맑은 고딕" charset="0"/>
-                <a:ea typeface="맑은 고딕" charset="0"/>
-              </a:rPr>
-              <a:t> </a:t>
-            </a:r>
-            <a:r>
-              <a:rPr sz="1800">
-                <a:latin typeface="맑은 고딕" charset="0"/>
-                <a:ea typeface="맑은 고딕" charset="0"/>
-              </a:rPr>
-              <a:t>컴포넌트에</a:t>
-            </a:r>
-            <a:r>
-              <a:rPr sz="1800">
-                <a:latin typeface="맑은 고딕" charset="0"/>
-                <a:ea typeface="맑은 고딕" charset="0"/>
-              </a:rPr>
-              <a:t> Font </a:t>
-            </a:r>
-            <a:r>
-              <a:rPr sz="1800">
-                <a:latin typeface="맑은 고딕" charset="0"/>
-                <a:ea typeface="맑은 고딕" charset="0"/>
-              </a:rPr>
-              <a:t>size와 Text 내용을</a:t>
-            </a:r>
-            <a:r>
-              <a:rPr sz="1800">
-                <a:latin typeface="맑은 고딕" charset="0"/>
-                <a:ea typeface="맑은 고딕" charset="0"/>
-              </a:rPr>
-              <a:t> </a:t>
-            </a:r>
-            <a:r>
-              <a:rPr sz="1800">
-                <a:latin typeface="맑은 고딕" charset="0"/>
-                <a:ea typeface="맑은 고딕" charset="0"/>
-              </a:rPr>
-              <a:t>설정한</a:t>
-            </a:r>
-            <a:r>
-              <a:rPr sz="1800">
-                <a:latin typeface="맑은 고딕" charset="0"/>
-                <a:ea typeface="맑은 고딕" charset="0"/>
-              </a:rPr>
-              <a:t> </a:t>
-            </a:r>
-            <a:r>
-              <a:rPr sz="1800">
-                <a:latin typeface="맑은 고딕" charset="0"/>
-                <a:ea typeface="맑은 고딕" charset="0"/>
-              </a:rPr>
-              <a:t>다음</a:t>
-            </a:r>
-            <a:r>
-              <a:rPr sz="1800">
-                <a:latin typeface="맑은 고딕" charset="0"/>
-                <a:ea typeface="맑은 고딕" charset="0"/>
-              </a:rPr>
-              <a:t> </a:t>
-            </a:r>
-            <a:r>
-              <a:rPr sz="1800">
-                <a:latin typeface="맑은 고딕" charset="0"/>
-                <a:ea typeface="맑은 고딕" charset="0"/>
-              </a:rPr>
-              <a:t>Alignment를</a:t>
-            </a:r>
-            <a:r>
-              <a:rPr sz="1800">
-                <a:latin typeface="맑은 고딕" charset="0"/>
-                <a:ea typeface="맑은 고딕" charset="0"/>
-              </a:rPr>
-              <a:t> </a:t>
-            </a:r>
-            <a:r>
-              <a:rPr sz="1800">
-                <a:latin typeface="맑은 고딕" charset="0"/>
-                <a:ea typeface="맑은 고딕" charset="0"/>
-              </a:rPr>
-              <a:t>설정합니다.</a:t>
-            </a:r>
-            <a:endParaRPr lang="ko-KR" altLang="en-US" sz="1800">
-              <a:latin typeface="맑은 고딕" charset="0"/>
-              <a:ea typeface="맑은 고딕" charset="0"/>
-            </a:endParaRPr>
-          </a:p>
-        </p:txBody>
-      </p:sp>
-    </p:spTree>
-  </p:cSld>
-  <p:clrMapOvr>
-    <a:masterClrMapping/>
-  </p:clrMapOvr>
-  <mc:AlternateContent xmlns:mc="http://schemas.openxmlformats.org/markup-compatibility/2006">
-    <mc:Choice xmlns:p14="http://schemas.microsoft.com/office/powerpoint/2010/main" Requires="p14">
-      <p:transition spd="slow" p14:dur="2000"/>
-    </mc:Choice>
-    <mc:Fallback>
-      <p:transition spd="slow"/>
-    </mc:Fallback>
-  </mc:AlternateContent>
-  <p:timing>
-    <p:tnLst>
-      <p:par>
-        <p:cTn id="1" dur="indefinite" restart="never" nodeType="tmRoot"/>
-      </p:par>
-    </p:tnLst>
-  </p:timing>
-</p:sld>
-</file>
-
-<file path=ppt/slides/slide22.xml><?xml version="1.0" encoding="utf-8"?>
-<p:sld xmlns:a="http://schemas.openxmlformats.org/drawingml/2006/main" xmlns:r="http://schemas.openxmlformats.org/officeDocument/2006/relationships" xmlns:p="http://schemas.openxmlformats.org/presentationml/2006/main">
-  <p:cSld>
-    <p:spTree>
-      <p:nvGrpSpPr>
-        <p:cNvPr id="1" name=""/>
-        <p:cNvGrpSpPr/>
-        <p:nvPr/>
-      </p:nvGrpSpPr>
-      <p:grpSpPr>
-        <a:xfrm>
-          <a:off x="0" y="0"/>
-          <a:ext cx="0" cy="0"/>
-          <a:chOff x="0" y="0"/>
-          <a:chExt cx="0" cy="0"/>
-        </a:xfrm>
-      </p:grpSpPr>
-      <p:sp>
-        <p:nvSpPr>
-          <p:cNvPr id="29" name="Rect 0"/>
-          <p:cNvSpPr txBox="1">
-            <a:spLocks/>
-          </p:cNvSpPr>
-          <p:nvPr/>
-        </p:nvSpPr>
-        <p:spPr>
-          <a:xfrm rot="0">
-            <a:off x="1229995" y="1337310"/>
-            <a:ext cx="4040505" cy="372110"/>
-          </a:xfrm>
-          <a:prstGeom prst="rect"/>
-          <a:noFill/>
-          <a:ln w="0">
-            <a:noFill/>
-            <a:prstDash/>
-          </a:ln>
-        </p:spPr>
-        <p:txBody>
-          <a:bodyPr wrap="square" lIns="89535" tIns="46355" rIns="89535" bIns="46355" numCol="1" vert="horz" anchor="t">
-            <a:spAutoFit/>
-          </a:bodyPr>
-          <a:lstStyle/>
-          <a:p>
-            <a:pPr marL="0" indent="0" algn="l" latinLnBrk="0" hangingPunct="1">
-              <a:buFontTx/>
-              <a:buNone/>
-            </a:pPr>
-            <a:endParaRPr lang="ko-KR" altLang="en-US" sz="1800">
-              <a:latin typeface="맑은 고딕" charset="0"/>
-              <a:ea typeface="맑은 고딕" charset="0"/>
-            </a:endParaRPr>
-          </a:p>
-        </p:txBody>
-      </p:sp>
-      <p:sp>
-        <p:nvSpPr>
-          <p:cNvPr id="35" name="Rect 0"/>
-          <p:cNvSpPr txBox="1">
-            <a:spLocks/>
-          </p:cNvSpPr>
-          <p:nvPr/>
-        </p:nvSpPr>
-        <p:spPr>
-          <a:xfrm rot="0">
-            <a:off x="4334510" y="398780"/>
-            <a:ext cx="3522980" cy="554990"/>
-          </a:xfrm>
-          <a:prstGeom prst="rect"/>
-          <a:noFill/>
-          <a:ln w="0">
-            <a:noFill/>
-            <a:prstDash/>
-          </a:ln>
-        </p:spPr>
-        <p:txBody>
-          <a:bodyPr wrap="square" lIns="89535" tIns="46355" rIns="89535" bIns="46355" numCol="1" vert="horz" anchor="t">
-            <a:spAutoFit/>
-          </a:bodyPr>
-          <a:lstStyle/>
-          <a:p>
-            <a:pPr marL="0" indent="0" rtl="0" algn="ctr" defTabSz="914400" eaLnBrk="1" latinLnBrk="0" hangingPunct="1">
-              <a:buFontTx/>
-              <a:buNone/>
-            </a:pPr>
-            <a:r>
-              <a:rPr lang="ko-KR" sz="2500" b="1">
-                <a:latin typeface="나눔바른고딕" charset="0"/>
-                <a:ea typeface="나눔바른고딕" charset="0"/>
-              </a:rPr>
-              <a:t>스물두</a:t>
-            </a:r>
-            <a:r>
-              <a:rPr lang="ko-KR" sz="2500" b="1">
-                <a:latin typeface="나눔바른고딕" charset="0"/>
-                <a:ea typeface="나눔바른고딕" charset="0"/>
-              </a:rPr>
-              <a:t> </a:t>
-            </a:r>
-            <a:r>
-              <a:rPr lang="ko-KR" sz="2500" b="1">
-                <a:latin typeface="나눔바른고딕" charset="0"/>
-                <a:ea typeface="나눔바른고딕" charset="0"/>
-              </a:rPr>
-              <a:t>번째</a:t>
-            </a:r>
-            <a:r>
-              <a:rPr lang="ko-KR" sz="2500" b="1">
-                <a:latin typeface="나눔바른고딕" charset="0"/>
-                <a:ea typeface="나눔바른고딕" charset="0"/>
-              </a:rPr>
-              <a:t> 튜토리얼</a:t>
-            </a:r>
-            <a:r>
-              <a:rPr sz="3000" b="1">
-                <a:latin typeface="맑은 고딕" charset="0"/>
-                <a:ea typeface="맑은 고딕" charset="0"/>
-              </a:rPr>
-              <a:t> </a:t>
-            </a:r>
-            <a:endParaRPr lang="ko-KR" altLang="en-US" sz="3000" b="1">
-              <a:latin typeface="맑은 고딕" charset="0"/>
-              <a:ea typeface="맑은 고딕" charset="0"/>
-            </a:endParaRPr>
-          </a:p>
-        </p:txBody>
-      </p:sp>
-      <p:sp>
-        <p:nvSpPr>
-          <p:cNvPr id="36" name="텍스트 상자 115"/>
-          <p:cNvSpPr txBox="1">
-            <a:spLocks/>
-          </p:cNvSpPr>
-          <p:nvPr/>
-        </p:nvSpPr>
-        <p:spPr>
-          <a:xfrm rot="0">
-            <a:off x="6831330" y="5075555"/>
-            <a:ext cx="4135755" cy="954405"/>
-          </a:xfrm>
-          <a:prstGeom prst="rect"/>
-          <a:noFill/>
-          <a:ln w="0">
-            <a:noFill/>
-            <a:prstDash/>
-          </a:ln>
-        </p:spPr>
-        <p:txBody>
-          <a:bodyPr wrap="square" lIns="89535" tIns="46355" rIns="89535" bIns="46355" vert="horz" anchor="t">
-            <a:spAutoFit/>
-          </a:bodyPr>
-          <a:lstStyle/>
-          <a:p>
-            <a:pPr marL="0" indent="0" rtl="0" algn="l" defTabSz="914400" eaLnBrk="1" latinLnBrk="0" hangingPunct="1">
-              <a:buFontTx/>
-              <a:buNone/>
-            </a:pPr>
-            <a:r>
-              <a:rPr sz="2000" b="1">
-                <a:solidFill>
-                  <a:srgbClr val="0611F2"/>
-                </a:solidFill>
-                <a:latin typeface="맑은 고딕" charset="0"/>
-                <a:ea typeface="맑은 고딕" charset="0"/>
-              </a:rPr>
-              <a:t>5</a:t>
-            </a:r>
-            <a:r>
-              <a:rPr sz="2000" b="1">
-                <a:solidFill>
-                  <a:srgbClr val="0611F2"/>
-                </a:solidFill>
-                <a:latin typeface="맑은 고딕" charset="0"/>
-                <a:ea typeface="맑은 고딕" charset="0"/>
-              </a:rPr>
-              <a:t>3</a:t>
-            </a:r>
-            <a:r>
-              <a:rPr sz="2000" b="1">
-                <a:solidFill>
-                  <a:srgbClr val="0611F2"/>
-                </a:solidFill>
-                <a:latin typeface="맑은 고딕" charset="0"/>
-                <a:ea typeface="맑은 고딕" charset="0"/>
-              </a:rPr>
-              <a:t>.</a:t>
-            </a:r>
-            <a:r>
-              <a:rPr sz="2000" b="1">
-                <a:solidFill>
-                  <a:srgbClr val="0611F2"/>
-                </a:solidFill>
-                <a:latin typeface="맑은 고딕" charset="0"/>
-                <a:ea typeface="맑은 고딕" charset="0"/>
-              </a:rPr>
-              <a:t> </a:t>
-            </a:r>
-            <a:r>
-              <a:rPr sz="1800">
-                <a:latin typeface="맑은 고딕" charset="0"/>
-                <a:ea typeface="맑은 고딕" charset="0"/>
-              </a:rPr>
-              <a:t>그리고 Project 폴더 아래에 있는 </a:t>
-            </a:r>
-            <a:r>
-              <a:rPr sz="1800">
-                <a:latin typeface="맑은 고딕" charset="0"/>
-                <a:ea typeface="맑은 고딕" charset="0"/>
-              </a:rPr>
-              <a:t>Scene</a:t>
-            </a:r>
-            <a:r>
-              <a:rPr sz="1800">
-                <a:latin typeface="맑은 고딕" charset="0"/>
-                <a:ea typeface="맑은 고딕" charset="0"/>
-              </a:rPr>
-              <a:t> </a:t>
-            </a:r>
-            <a:r>
-              <a:rPr sz="1800">
-                <a:latin typeface="맑은 고딕" charset="0"/>
-                <a:ea typeface="맑은 고딕" charset="0"/>
-              </a:rPr>
-              <a:t>폴더에</a:t>
-            </a:r>
-            <a:r>
-              <a:rPr sz="1800">
-                <a:latin typeface="맑은 고딕" charset="0"/>
-                <a:ea typeface="맑은 고딕" charset="0"/>
-              </a:rPr>
-              <a:t> Photon Lobby 씬을 </a:t>
-            </a:r>
-            <a:r>
-              <a:rPr sz="1800">
-                <a:latin typeface="맑은 고딕" charset="0"/>
-                <a:ea typeface="맑은 고딕" charset="0"/>
-              </a:rPr>
-              <a:t>Scenes</a:t>
-            </a:r>
-            <a:r>
-              <a:rPr sz="1800">
-                <a:latin typeface="맑은 고딕" charset="0"/>
-                <a:ea typeface="맑은 고딕" charset="0"/>
-              </a:rPr>
-              <a:t> </a:t>
-            </a:r>
-            <a:r>
-              <a:rPr sz="1800">
-                <a:latin typeface="맑은 고딕" charset="0"/>
-                <a:ea typeface="맑은 고딕" charset="0"/>
-              </a:rPr>
-              <a:t>In</a:t>
-            </a:r>
-            <a:r>
-              <a:rPr sz="1800">
-                <a:latin typeface="맑은 고딕" charset="0"/>
-                <a:ea typeface="맑은 고딕" charset="0"/>
-              </a:rPr>
-              <a:t> </a:t>
-            </a:r>
-            <a:r>
-              <a:rPr sz="1800">
-                <a:latin typeface="맑은 고딕" charset="0"/>
-                <a:ea typeface="맑은 고딕" charset="0"/>
-              </a:rPr>
-              <a:t>Build에</a:t>
-            </a:r>
-            <a:r>
-              <a:rPr sz="1800">
-                <a:latin typeface="맑은 고딕" charset="0"/>
-                <a:ea typeface="맑은 고딕" charset="0"/>
-              </a:rPr>
-              <a:t> 넣어줍니다. </a:t>
-            </a:r>
-            <a:endParaRPr lang="ko-KR" altLang="en-US" sz="1800">
-              <a:latin typeface="맑은 고딕" charset="0"/>
-              <a:ea typeface="맑은 고딕" charset="0"/>
-            </a:endParaRPr>
-          </a:p>
-        </p:txBody>
-      </p:sp>
-      <p:pic>
-        <p:nvPicPr>
-          <p:cNvPr id="37" name="그림 116" descr="C:/Users/Admin1/AppData/Roaming/PolarisOffice/ETemp/20844_15003384/fImage7930436153.png"/>
+          <p:cNvPr id="37" name="그림 116"/>
           <p:cNvPicPr>
             <a:picLocks noChangeAspect="1"/>
           </p:cNvPicPr>
@@ -17666,7 +15456,7 @@
         <p:spPr>
           <a:xfrm rot="0">
             <a:off x="1243330" y="5354955"/>
-            <a:ext cx="4132580" cy="677545"/>
+            <a:ext cx="4124960" cy="677545"/>
           </a:xfrm>
           <a:prstGeom prst="rect"/>
           <a:noFill/>
@@ -17676,7 +15466,7 @@
           </a:ln>
         </p:spPr>
         <p:txBody>
-          <a:bodyPr wrap="square" lIns="89535" tIns="46355" rIns="89535" bIns="46355" vert="horz" anchor="t">
+          <a:bodyPr wrap="square" lIns="89535" tIns="46355" rIns="89535" bIns="46355" numCol="1" vert="horz" anchor="t">
             <a:spAutoFit/>
           </a:bodyPr>
           <a:lstStyle/>
@@ -17703,7 +15493,7 @@
                 <a:latin typeface="맑은 고딕" charset="0"/>
                 <a:ea typeface="맑은 고딕" charset="0"/>
               </a:rPr>
-              <a:t>2</a:t>
+              <a:t>1</a:t>
             </a:r>
             <a:r>
               <a:rPr sz="2000" b="1">
@@ -17713,45 +15503,35 @@
                 <a:latin typeface="맑은 고딕" charset="0"/>
                 <a:ea typeface="맑은 고딕" charset="0"/>
               </a:rPr>
-              <a:t>.</a:t>
-            </a:r>
-            <a:r>
-              <a:rPr sz="2000" b="1">
-                <a:solidFill>
-                  <a:srgbClr val="0611F2"/>
-                </a:solidFill>
+              <a:t>. </a:t>
+            </a:r>
+            <a:r>
+              <a:rPr sz="1800">
+                <a:latin typeface="맑은 고딕" charset="0"/>
+                <a:ea typeface="맑은 고딕" charset="0"/>
+              </a:rPr>
+              <a:t>그러고</a:t>
+            </a:r>
+            <a:r>
+              <a:rPr lang="ko-KR" sz="1800">
                 <a:latin typeface="맑은 고딕" charset="0"/>
                 <a:ea typeface="맑은 고딕" charset="0"/>
               </a:rPr>
               <a:t> </a:t>
             </a:r>
             <a:r>
+              <a:rPr lang="ko-KR" sz="1800">
+                <a:latin typeface="맑은 고딕" charset="0"/>
+                <a:ea typeface="맑은 고딕" charset="0"/>
+              </a:rPr>
+              <a:t>나서</a:t>
+            </a:r>
+            <a:r>
               <a:rPr sz="1800">
                 <a:latin typeface="맑은 고딕" charset="0"/>
                 <a:ea typeface="맑은 고딕" charset="0"/>
               </a:rPr>
-              <a:t>이제 File에 Build </a:t>
-            </a:r>
-            <a:r>
-              <a:rPr sz="1800">
-                <a:latin typeface="맑은 고딕" charset="0"/>
-                <a:ea typeface="맑은 고딕" charset="0"/>
-              </a:rPr>
-              <a:t>Settings를</a:t>
-            </a:r>
-            <a:r>
-              <a:rPr sz="1800">
-                <a:latin typeface="맑은 고딕" charset="0"/>
-                <a:ea typeface="맑은 고딕" charset="0"/>
-              </a:rPr>
-              <a:t> </a:t>
-            </a:r>
-            <a:r>
-              <a:rPr sz="1800">
-                <a:latin typeface="맑은 고딕" charset="0"/>
-                <a:ea typeface="맑은 고딕" charset="0"/>
-              </a:rPr>
-              <a:t>선택합니다.</a:t>
+              <a:t> File에 Build Settings를 선택합니다.</a:t>
             </a:r>
             <a:endParaRPr lang="ko-KR" altLang="en-US" sz="1800">
               <a:latin typeface="맑은 고딕" charset="0"/>
@@ -17762,7 +15542,7 @@
       </p:sp>
       <p:pic>
         <p:nvPicPr>
-          <p:cNvPr id="42" name="그림 121" descr="C:/Users/Admin1/AppData/Roaming/PolarisOffice/ETemp/20844_15003384/fImage6437441292.png"/>
+          <p:cNvPr id="42" name="그림 121"/>
           <p:cNvPicPr>
             <a:picLocks noChangeAspect="1"/>
           </p:cNvPicPr>
@@ -17793,17 +15573,17 @@
       </p:pic>
       <p:pic>
         <p:nvPicPr>
-          <p:cNvPr id="43" name="그림 124" descr="C:/Users/Admin1/AppData/Roaming/PolarisOffice/ETemp/20844_15003384/fImage84434422382.png"/>
+          <p:cNvPr id="43" name="그림 124" descr="C:/Users/nwond/AppData/Roaming/PolarisOffice/ETemp/21888_20881416/fImage84434422382.png"/>
           <p:cNvPicPr>
             <a:picLocks noChangeAspect="1"/>
           </p:cNvPicPr>
           <p:nvPr/>
         </p:nvPicPr>
         <p:blipFill rotWithShape="1">
-          <a:blip r:embed="rId4" cstate="print">
+          <a:blip r:embed="rId4" cstate="hqprint">
             <a:extLst>
               <a:ext uri="{28A0092B-C50C-407E-A947-70E740481C1C}">
-                <a14:useLocalDpi xmlns:a14="http://schemas.microsoft.com/office/drawing/2010/main" val="0"/>
+                <a14:useLocalDpi xmlns:a14="http://schemas.microsoft.com/office/drawing/2010/main"/>
               </a:ext>
             </a:extLst>
           </a:blip>
@@ -17814,7 +15594,7 @@
         <p:spPr>
           <a:xfrm rot="0">
             <a:off x="6830695" y="1437005"/>
-            <a:ext cx="4126865" cy="2215515"/>
+            <a:ext cx="4127500" cy="2216150"/>
           </a:xfrm>
           <a:prstGeom prst="roundRect"/>
           <a:solidFill>
@@ -17824,7 +15604,7 @@
       </p:pic>
       <p:pic>
         <p:nvPicPr>
-          <p:cNvPr id="41" name="그림 120" descr="C:/Users/Admin1/AppData/Roaming/PolarisOffice/ETemp/20844_15003384/fImage2242174407421.png"/>
+          <p:cNvPr id="41" name="그림 120"/>
           <p:cNvPicPr>
             <a:picLocks noChangeAspect="1"/>
           </p:cNvPicPr>
